--- a/Website Design and Development.pptx
+++ b/Website Design and Development.pptx
@@ -13,38 +13,39 @@
     <p:sldId id="262" r:id="rId7"/>
     <p:sldId id="266" r:id="rId8"/>
     <p:sldId id="264" r:id="rId9"/>
-    <p:sldId id="263" r:id="rId10"/>
-    <p:sldId id="267" r:id="rId11"/>
-    <p:sldId id="268" r:id="rId12"/>
-    <p:sldId id="272" r:id="rId13"/>
-    <p:sldId id="265" r:id="rId14"/>
-    <p:sldId id="269" r:id="rId15"/>
-    <p:sldId id="276" r:id="rId16"/>
-    <p:sldId id="270" r:id="rId17"/>
-    <p:sldId id="273" r:id="rId18"/>
-    <p:sldId id="271" r:id="rId19"/>
-    <p:sldId id="274" r:id="rId20"/>
-    <p:sldId id="275" r:id="rId21"/>
-    <p:sldId id="282" r:id="rId22"/>
-    <p:sldId id="277" r:id="rId23"/>
-    <p:sldId id="278" r:id="rId24"/>
-    <p:sldId id="279" r:id="rId25"/>
-    <p:sldId id="280" r:id="rId26"/>
-    <p:sldId id="281" r:id="rId27"/>
-    <p:sldId id="290" r:id="rId28"/>
-    <p:sldId id="284" r:id="rId29"/>
-    <p:sldId id="286" r:id="rId30"/>
-    <p:sldId id="287" r:id="rId31"/>
-    <p:sldId id="285" r:id="rId32"/>
-    <p:sldId id="288" r:id="rId33"/>
-    <p:sldId id="289" r:id="rId34"/>
-    <p:sldId id="283" r:id="rId35"/>
-    <p:sldId id="291" r:id="rId36"/>
-    <p:sldId id="292" r:id="rId37"/>
-    <p:sldId id="293" r:id="rId38"/>
-    <p:sldId id="294" r:id="rId39"/>
-    <p:sldId id="295" r:id="rId40"/>
-    <p:sldId id="259" r:id="rId41"/>
+    <p:sldId id="296" r:id="rId10"/>
+    <p:sldId id="263" r:id="rId11"/>
+    <p:sldId id="267" r:id="rId12"/>
+    <p:sldId id="268" r:id="rId13"/>
+    <p:sldId id="272" r:id="rId14"/>
+    <p:sldId id="265" r:id="rId15"/>
+    <p:sldId id="269" r:id="rId16"/>
+    <p:sldId id="276" r:id="rId17"/>
+    <p:sldId id="270" r:id="rId18"/>
+    <p:sldId id="273" r:id="rId19"/>
+    <p:sldId id="271" r:id="rId20"/>
+    <p:sldId id="274" r:id="rId21"/>
+    <p:sldId id="275" r:id="rId22"/>
+    <p:sldId id="282" r:id="rId23"/>
+    <p:sldId id="277" r:id="rId24"/>
+    <p:sldId id="278" r:id="rId25"/>
+    <p:sldId id="279" r:id="rId26"/>
+    <p:sldId id="280" r:id="rId27"/>
+    <p:sldId id="281" r:id="rId28"/>
+    <p:sldId id="290" r:id="rId29"/>
+    <p:sldId id="284" r:id="rId30"/>
+    <p:sldId id="286" r:id="rId31"/>
+    <p:sldId id="287" r:id="rId32"/>
+    <p:sldId id="285" r:id="rId33"/>
+    <p:sldId id="288" r:id="rId34"/>
+    <p:sldId id="289" r:id="rId35"/>
+    <p:sldId id="283" r:id="rId36"/>
+    <p:sldId id="291" r:id="rId37"/>
+    <p:sldId id="292" r:id="rId38"/>
+    <p:sldId id="293" r:id="rId39"/>
+    <p:sldId id="294" r:id="rId40"/>
+    <p:sldId id="295" r:id="rId41"/>
+    <p:sldId id="259" r:id="rId42"/>
   </p:sldIdLst>
   <p:sldSz cx="12192000" cy="6858000"/>
   <p:notesSz cx="6858000" cy="9144000"/>
@@ -160,6 +161,7 @@
         <p14:section name="Wire Frame, site map and layout using table" id="{1BEDE2E8-F2D9-4B0B-92BC-A921C5C04CFE}">
           <p14:sldIdLst>
             <p14:sldId id="264"/>
+            <p14:sldId id="296"/>
             <p14:sldId id="263"/>
             <p14:sldId id="267"/>
             <p14:sldId id="268"/>
@@ -1706,6 +1708,753 @@
 </file>
 
 <file path=ppt/diagrams/colors3.xml><?xml version="1.0" encoding="utf-8"?>
+<dgm:colorsDef xmlns:dgm="http://schemas.openxmlformats.org/drawingml/2006/diagram" xmlns:a="http://schemas.openxmlformats.org/drawingml/2006/main" uniqueId="urn:microsoft.com/office/officeart/2005/8/colors/accent1_2">
+  <dgm:title val=""/>
+  <dgm:desc val=""/>
+  <dgm:catLst>
+    <dgm:cat type="accent1" pri="11200"/>
+  </dgm:catLst>
+  <dgm:styleLbl name="node0">
+    <dgm:fillClrLst meth="repeat">
+      <a:schemeClr val="accent1"/>
+    </dgm:fillClrLst>
+    <dgm:linClrLst meth="repeat">
+      <a:schemeClr val="lt1"/>
+    </dgm:linClrLst>
+    <dgm:effectClrLst/>
+    <dgm:txLinClrLst/>
+    <dgm:txFillClrLst/>
+    <dgm:txEffectClrLst/>
+  </dgm:styleLbl>
+  <dgm:styleLbl name="alignNode1">
+    <dgm:fillClrLst meth="repeat">
+      <a:schemeClr val="accent1"/>
+    </dgm:fillClrLst>
+    <dgm:linClrLst meth="repeat">
+      <a:schemeClr val="accent1"/>
+    </dgm:linClrLst>
+    <dgm:effectClrLst/>
+    <dgm:txLinClrLst/>
+    <dgm:txFillClrLst/>
+    <dgm:txEffectClrLst/>
+  </dgm:styleLbl>
+  <dgm:styleLbl name="node1">
+    <dgm:fillClrLst meth="repeat">
+      <a:schemeClr val="accent1"/>
+    </dgm:fillClrLst>
+    <dgm:linClrLst meth="repeat">
+      <a:schemeClr val="lt1"/>
+    </dgm:linClrLst>
+    <dgm:effectClrLst/>
+    <dgm:txLinClrLst/>
+    <dgm:txFillClrLst/>
+    <dgm:txEffectClrLst/>
+  </dgm:styleLbl>
+  <dgm:styleLbl name="lnNode1">
+    <dgm:fillClrLst meth="repeat">
+      <a:schemeClr val="accent1"/>
+    </dgm:fillClrLst>
+    <dgm:linClrLst meth="repeat">
+      <a:schemeClr val="lt1"/>
+    </dgm:linClrLst>
+    <dgm:effectClrLst/>
+    <dgm:txLinClrLst/>
+    <dgm:txFillClrLst/>
+    <dgm:txEffectClrLst/>
+  </dgm:styleLbl>
+  <dgm:styleLbl name="vennNode1">
+    <dgm:fillClrLst meth="repeat">
+      <a:schemeClr val="accent1">
+        <a:alpha val="50000"/>
+      </a:schemeClr>
+    </dgm:fillClrLst>
+    <dgm:linClrLst meth="repeat">
+      <a:schemeClr val="lt1"/>
+    </dgm:linClrLst>
+    <dgm:effectClrLst/>
+    <dgm:txLinClrLst/>
+    <dgm:txFillClrLst/>
+    <dgm:txEffectClrLst/>
+  </dgm:styleLbl>
+  <dgm:styleLbl name="node2">
+    <dgm:fillClrLst meth="repeat">
+      <a:schemeClr val="accent1"/>
+    </dgm:fillClrLst>
+    <dgm:linClrLst meth="repeat">
+      <a:schemeClr val="lt1"/>
+    </dgm:linClrLst>
+    <dgm:effectClrLst/>
+    <dgm:txLinClrLst/>
+    <dgm:txFillClrLst/>
+    <dgm:txEffectClrLst/>
+  </dgm:styleLbl>
+  <dgm:styleLbl name="node3">
+    <dgm:fillClrLst meth="repeat">
+      <a:schemeClr val="accent1"/>
+    </dgm:fillClrLst>
+    <dgm:linClrLst meth="repeat">
+      <a:schemeClr val="lt1"/>
+    </dgm:linClrLst>
+    <dgm:effectClrLst/>
+    <dgm:txLinClrLst/>
+    <dgm:txFillClrLst/>
+    <dgm:txEffectClrLst/>
+  </dgm:styleLbl>
+  <dgm:styleLbl name="node4">
+    <dgm:fillClrLst meth="repeat">
+      <a:schemeClr val="accent1"/>
+    </dgm:fillClrLst>
+    <dgm:linClrLst meth="repeat">
+      <a:schemeClr val="lt1"/>
+    </dgm:linClrLst>
+    <dgm:effectClrLst/>
+    <dgm:txLinClrLst/>
+    <dgm:txFillClrLst/>
+    <dgm:txEffectClrLst/>
+  </dgm:styleLbl>
+  <dgm:styleLbl name="fgImgPlace1">
+    <dgm:fillClrLst meth="repeat">
+      <a:schemeClr val="accent1">
+        <a:tint val="50000"/>
+      </a:schemeClr>
+    </dgm:fillClrLst>
+    <dgm:linClrLst meth="repeat">
+      <a:schemeClr val="lt1"/>
+    </dgm:linClrLst>
+    <dgm:effectClrLst/>
+    <dgm:txLinClrLst/>
+    <dgm:txFillClrLst meth="repeat">
+      <a:schemeClr val="lt1"/>
+    </dgm:txFillClrLst>
+    <dgm:txEffectClrLst/>
+  </dgm:styleLbl>
+  <dgm:styleLbl name="alignImgPlace1">
+    <dgm:fillClrLst meth="repeat">
+      <a:schemeClr val="accent1">
+        <a:tint val="50000"/>
+      </a:schemeClr>
+    </dgm:fillClrLst>
+    <dgm:linClrLst meth="repeat">
+      <a:schemeClr val="lt1"/>
+    </dgm:linClrLst>
+    <dgm:effectClrLst/>
+    <dgm:txLinClrLst/>
+    <dgm:txFillClrLst meth="repeat">
+      <a:schemeClr val="lt1"/>
+    </dgm:txFillClrLst>
+    <dgm:txEffectClrLst/>
+  </dgm:styleLbl>
+  <dgm:styleLbl name="bgImgPlace1">
+    <dgm:fillClrLst meth="repeat">
+      <a:schemeClr val="accent1">
+        <a:tint val="50000"/>
+      </a:schemeClr>
+    </dgm:fillClrLst>
+    <dgm:linClrLst meth="repeat">
+      <a:schemeClr val="lt1"/>
+    </dgm:linClrLst>
+    <dgm:effectClrLst/>
+    <dgm:txLinClrLst/>
+    <dgm:txFillClrLst meth="repeat">
+      <a:schemeClr val="lt1"/>
+    </dgm:txFillClrLst>
+    <dgm:txEffectClrLst/>
+  </dgm:styleLbl>
+  <dgm:styleLbl name="sibTrans2D1">
+    <dgm:fillClrLst meth="repeat">
+      <a:schemeClr val="accent1">
+        <a:tint val="60000"/>
+      </a:schemeClr>
+    </dgm:fillClrLst>
+    <dgm:linClrLst meth="repeat">
+      <a:schemeClr val="accent1">
+        <a:tint val="60000"/>
+      </a:schemeClr>
+    </dgm:linClrLst>
+    <dgm:effectClrLst/>
+    <dgm:txLinClrLst/>
+    <dgm:txFillClrLst/>
+    <dgm:txEffectClrLst/>
+  </dgm:styleLbl>
+  <dgm:styleLbl name="fgSibTrans2D1">
+    <dgm:fillClrLst meth="repeat">
+      <a:schemeClr val="accent1">
+        <a:tint val="60000"/>
+      </a:schemeClr>
+    </dgm:fillClrLst>
+    <dgm:linClrLst meth="repeat">
+      <a:schemeClr val="accent1">
+        <a:tint val="60000"/>
+      </a:schemeClr>
+    </dgm:linClrLst>
+    <dgm:effectClrLst/>
+    <dgm:txLinClrLst/>
+    <dgm:txFillClrLst/>
+    <dgm:txEffectClrLst/>
+  </dgm:styleLbl>
+  <dgm:styleLbl name="bgSibTrans2D1">
+    <dgm:fillClrLst meth="repeat">
+      <a:schemeClr val="accent1">
+        <a:tint val="60000"/>
+      </a:schemeClr>
+    </dgm:fillClrLst>
+    <dgm:linClrLst meth="repeat">
+      <a:schemeClr val="accent1">
+        <a:tint val="60000"/>
+      </a:schemeClr>
+    </dgm:linClrLst>
+    <dgm:effectClrLst/>
+    <dgm:txLinClrLst/>
+    <dgm:txFillClrLst/>
+    <dgm:txEffectClrLst/>
+  </dgm:styleLbl>
+  <dgm:styleLbl name="sibTrans1D1">
+    <dgm:fillClrLst meth="repeat">
+      <a:schemeClr val="accent1"/>
+    </dgm:fillClrLst>
+    <dgm:linClrLst meth="repeat">
+      <a:schemeClr val="accent1"/>
+    </dgm:linClrLst>
+    <dgm:effectClrLst/>
+    <dgm:txLinClrLst/>
+    <dgm:txFillClrLst meth="repeat">
+      <a:schemeClr val="tx1"/>
+    </dgm:txFillClrLst>
+    <dgm:txEffectClrLst/>
+  </dgm:styleLbl>
+  <dgm:styleLbl name="callout">
+    <dgm:fillClrLst meth="repeat">
+      <a:schemeClr val="accent1"/>
+    </dgm:fillClrLst>
+    <dgm:linClrLst meth="repeat">
+      <a:schemeClr val="accent1">
+        <a:tint val="50000"/>
+      </a:schemeClr>
+    </dgm:linClrLst>
+    <dgm:effectClrLst/>
+    <dgm:txLinClrLst/>
+    <dgm:txFillClrLst meth="repeat">
+      <a:schemeClr val="tx1"/>
+    </dgm:txFillClrLst>
+    <dgm:txEffectClrLst/>
+  </dgm:styleLbl>
+  <dgm:styleLbl name="asst0">
+    <dgm:fillClrLst meth="repeat">
+      <a:schemeClr val="accent1"/>
+    </dgm:fillClrLst>
+    <dgm:linClrLst meth="repeat">
+      <a:schemeClr val="lt1"/>
+    </dgm:linClrLst>
+    <dgm:effectClrLst/>
+    <dgm:txLinClrLst/>
+    <dgm:txFillClrLst/>
+    <dgm:txEffectClrLst/>
+  </dgm:styleLbl>
+  <dgm:styleLbl name="asst1">
+    <dgm:fillClrLst meth="repeat">
+      <a:schemeClr val="accent1"/>
+    </dgm:fillClrLst>
+    <dgm:linClrLst meth="repeat">
+      <a:schemeClr val="lt1"/>
+    </dgm:linClrLst>
+    <dgm:effectClrLst/>
+    <dgm:txLinClrLst/>
+    <dgm:txFillClrLst/>
+    <dgm:txEffectClrLst/>
+  </dgm:styleLbl>
+  <dgm:styleLbl name="asst2">
+    <dgm:fillClrLst meth="repeat">
+      <a:schemeClr val="accent1"/>
+    </dgm:fillClrLst>
+    <dgm:linClrLst meth="repeat">
+      <a:schemeClr val="lt1"/>
+    </dgm:linClrLst>
+    <dgm:effectClrLst/>
+    <dgm:txLinClrLst/>
+    <dgm:txFillClrLst/>
+    <dgm:txEffectClrLst/>
+  </dgm:styleLbl>
+  <dgm:styleLbl name="asst3">
+    <dgm:fillClrLst meth="repeat">
+      <a:schemeClr val="accent1"/>
+    </dgm:fillClrLst>
+    <dgm:linClrLst meth="repeat">
+      <a:schemeClr val="lt1"/>
+    </dgm:linClrLst>
+    <dgm:effectClrLst/>
+    <dgm:txLinClrLst/>
+    <dgm:txFillClrLst/>
+    <dgm:txEffectClrLst/>
+  </dgm:styleLbl>
+  <dgm:styleLbl name="asst4">
+    <dgm:fillClrLst meth="repeat">
+      <a:schemeClr val="accent1"/>
+    </dgm:fillClrLst>
+    <dgm:linClrLst meth="repeat">
+      <a:schemeClr val="lt1"/>
+    </dgm:linClrLst>
+    <dgm:effectClrLst/>
+    <dgm:txLinClrLst/>
+    <dgm:txFillClrLst/>
+    <dgm:txEffectClrLst/>
+  </dgm:styleLbl>
+  <dgm:styleLbl name="parChTrans2D1">
+    <dgm:fillClrLst meth="repeat">
+      <a:schemeClr val="accent1">
+        <a:tint val="60000"/>
+      </a:schemeClr>
+    </dgm:fillClrLst>
+    <dgm:linClrLst meth="repeat">
+      <a:schemeClr val="accent1">
+        <a:tint val="60000"/>
+      </a:schemeClr>
+    </dgm:linClrLst>
+    <dgm:effectClrLst/>
+    <dgm:txLinClrLst/>
+    <dgm:txFillClrLst meth="repeat">
+      <a:schemeClr val="lt1"/>
+    </dgm:txFillClrLst>
+    <dgm:txEffectClrLst/>
+  </dgm:styleLbl>
+  <dgm:styleLbl name="parChTrans2D2">
+    <dgm:fillClrLst meth="repeat">
+      <a:schemeClr val="accent1"/>
+    </dgm:fillClrLst>
+    <dgm:linClrLst meth="repeat">
+      <a:schemeClr val="accent1"/>
+    </dgm:linClrLst>
+    <dgm:effectClrLst/>
+    <dgm:txLinClrLst/>
+    <dgm:txFillClrLst meth="repeat">
+      <a:schemeClr val="lt1"/>
+    </dgm:txFillClrLst>
+    <dgm:txEffectClrLst/>
+  </dgm:styleLbl>
+  <dgm:styleLbl name="parChTrans2D3">
+    <dgm:fillClrLst meth="repeat">
+      <a:schemeClr val="accent1"/>
+    </dgm:fillClrLst>
+    <dgm:linClrLst meth="repeat">
+      <a:schemeClr val="accent1"/>
+    </dgm:linClrLst>
+    <dgm:effectClrLst/>
+    <dgm:txLinClrLst/>
+    <dgm:txFillClrLst meth="repeat">
+      <a:schemeClr val="lt1"/>
+    </dgm:txFillClrLst>
+    <dgm:txEffectClrLst/>
+  </dgm:styleLbl>
+  <dgm:styleLbl name="parChTrans2D4">
+    <dgm:fillClrLst meth="repeat">
+      <a:schemeClr val="accent1"/>
+    </dgm:fillClrLst>
+    <dgm:linClrLst meth="repeat">
+      <a:schemeClr val="accent1"/>
+    </dgm:linClrLst>
+    <dgm:effectClrLst/>
+    <dgm:txLinClrLst/>
+    <dgm:txFillClrLst meth="repeat">
+      <a:schemeClr val="lt1"/>
+    </dgm:txFillClrLst>
+    <dgm:txEffectClrLst/>
+  </dgm:styleLbl>
+  <dgm:styleLbl name="parChTrans1D1">
+    <dgm:fillClrLst meth="repeat">
+      <a:schemeClr val="accent1"/>
+    </dgm:fillClrLst>
+    <dgm:linClrLst meth="repeat">
+      <a:schemeClr val="accent1">
+        <a:shade val="60000"/>
+      </a:schemeClr>
+    </dgm:linClrLst>
+    <dgm:effectClrLst/>
+    <dgm:txLinClrLst/>
+    <dgm:txFillClrLst meth="repeat">
+      <a:schemeClr val="tx1"/>
+    </dgm:txFillClrLst>
+    <dgm:txEffectClrLst/>
+  </dgm:styleLbl>
+  <dgm:styleLbl name="parChTrans1D2">
+    <dgm:fillClrLst meth="repeat">
+      <a:schemeClr val="accent1"/>
+    </dgm:fillClrLst>
+    <dgm:linClrLst meth="repeat">
+      <a:schemeClr val="accent1">
+        <a:shade val="60000"/>
+      </a:schemeClr>
+    </dgm:linClrLst>
+    <dgm:effectClrLst/>
+    <dgm:txLinClrLst/>
+    <dgm:txFillClrLst meth="repeat">
+      <a:schemeClr val="tx1"/>
+    </dgm:txFillClrLst>
+    <dgm:txEffectClrLst/>
+  </dgm:styleLbl>
+  <dgm:styleLbl name="parChTrans1D3">
+    <dgm:fillClrLst meth="repeat">
+      <a:schemeClr val="accent1"/>
+    </dgm:fillClrLst>
+    <dgm:linClrLst meth="repeat">
+      <a:schemeClr val="accent1">
+        <a:shade val="80000"/>
+      </a:schemeClr>
+    </dgm:linClrLst>
+    <dgm:effectClrLst/>
+    <dgm:txLinClrLst/>
+    <dgm:txFillClrLst meth="repeat">
+      <a:schemeClr val="tx1"/>
+    </dgm:txFillClrLst>
+    <dgm:txEffectClrLst/>
+  </dgm:styleLbl>
+  <dgm:styleLbl name="parChTrans1D4">
+    <dgm:fillClrLst meth="repeat">
+      <a:schemeClr val="accent1"/>
+    </dgm:fillClrLst>
+    <dgm:linClrLst meth="repeat">
+      <a:schemeClr val="accent1">
+        <a:shade val="80000"/>
+      </a:schemeClr>
+    </dgm:linClrLst>
+    <dgm:effectClrLst/>
+    <dgm:txLinClrLst/>
+    <dgm:txFillClrLst meth="repeat">
+      <a:schemeClr val="tx1"/>
+    </dgm:txFillClrLst>
+    <dgm:txEffectClrLst/>
+  </dgm:styleLbl>
+  <dgm:styleLbl name="fgAcc1">
+    <dgm:fillClrLst meth="repeat">
+      <a:schemeClr val="lt1">
+        <a:alpha val="90000"/>
+      </a:schemeClr>
+    </dgm:fillClrLst>
+    <dgm:linClrLst meth="repeat">
+      <a:schemeClr val="accent1"/>
+    </dgm:linClrLst>
+    <dgm:effectClrLst/>
+    <dgm:txLinClrLst/>
+    <dgm:txFillClrLst meth="repeat">
+      <a:schemeClr val="dk1"/>
+    </dgm:txFillClrLst>
+    <dgm:txEffectClrLst/>
+  </dgm:styleLbl>
+  <dgm:styleLbl name="conFgAcc1">
+    <dgm:fillClrLst meth="repeat">
+      <a:schemeClr val="lt1">
+        <a:alpha val="90000"/>
+      </a:schemeClr>
+    </dgm:fillClrLst>
+    <dgm:linClrLst meth="repeat">
+      <a:schemeClr val="accent1"/>
+    </dgm:linClrLst>
+    <dgm:effectClrLst/>
+    <dgm:txLinClrLst/>
+    <dgm:txFillClrLst meth="repeat">
+      <a:schemeClr val="dk1"/>
+    </dgm:txFillClrLst>
+    <dgm:txEffectClrLst/>
+  </dgm:styleLbl>
+  <dgm:styleLbl name="alignAcc1">
+    <dgm:fillClrLst meth="repeat">
+      <a:schemeClr val="lt1">
+        <a:alpha val="90000"/>
+      </a:schemeClr>
+    </dgm:fillClrLst>
+    <dgm:linClrLst meth="repeat">
+      <a:schemeClr val="accent1"/>
+    </dgm:linClrLst>
+    <dgm:effectClrLst/>
+    <dgm:txLinClrLst/>
+    <dgm:txFillClrLst meth="repeat">
+      <a:schemeClr val="dk1"/>
+    </dgm:txFillClrLst>
+    <dgm:txEffectClrLst/>
+  </dgm:styleLbl>
+  <dgm:styleLbl name="trAlignAcc1">
+    <dgm:fillClrLst meth="repeat">
+      <a:schemeClr val="lt1">
+        <a:alpha val="40000"/>
+      </a:schemeClr>
+    </dgm:fillClrLst>
+    <dgm:linClrLst meth="repeat">
+      <a:schemeClr val="accent1"/>
+    </dgm:linClrLst>
+    <dgm:effectClrLst/>
+    <dgm:txLinClrLst/>
+    <dgm:txFillClrLst meth="repeat">
+      <a:schemeClr val="dk1"/>
+    </dgm:txFillClrLst>
+    <dgm:txEffectClrLst/>
+  </dgm:styleLbl>
+  <dgm:styleLbl name="bgAcc1">
+    <dgm:fillClrLst meth="repeat">
+      <a:schemeClr val="lt1">
+        <a:alpha val="90000"/>
+      </a:schemeClr>
+    </dgm:fillClrLst>
+    <dgm:linClrLst meth="repeat">
+      <a:schemeClr val="accent1"/>
+    </dgm:linClrLst>
+    <dgm:effectClrLst/>
+    <dgm:txLinClrLst/>
+    <dgm:txFillClrLst meth="repeat">
+      <a:schemeClr val="dk1"/>
+    </dgm:txFillClrLst>
+    <dgm:txEffectClrLst/>
+  </dgm:styleLbl>
+  <dgm:styleLbl name="solidFgAcc1">
+    <dgm:fillClrLst meth="repeat">
+      <a:schemeClr val="lt1"/>
+    </dgm:fillClrLst>
+    <dgm:linClrLst meth="repeat">
+      <a:schemeClr val="accent1"/>
+    </dgm:linClrLst>
+    <dgm:effectClrLst/>
+    <dgm:txLinClrLst/>
+    <dgm:txFillClrLst meth="repeat">
+      <a:schemeClr val="dk1"/>
+    </dgm:txFillClrLst>
+    <dgm:txEffectClrLst/>
+  </dgm:styleLbl>
+  <dgm:styleLbl name="solidAlignAcc1">
+    <dgm:fillClrLst meth="repeat">
+      <a:schemeClr val="lt1"/>
+    </dgm:fillClrLst>
+    <dgm:linClrLst meth="repeat">
+      <a:schemeClr val="accent1"/>
+    </dgm:linClrLst>
+    <dgm:effectClrLst/>
+    <dgm:txLinClrLst/>
+    <dgm:txFillClrLst meth="repeat">
+      <a:schemeClr val="dk1"/>
+    </dgm:txFillClrLst>
+    <dgm:txEffectClrLst/>
+  </dgm:styleLbl>
+  <dgm:styleLbl name="solidBgAcc1">
+    <dgm:fillClrLst meth="repeat">
+      <a:schemeClr val="lt1"/>
+    </dgm:fillClrLst>
+    <dgm:linClrLst meth="repeat">
+      <a:schemeClr val="accent1"/>
+    </dgm:linClrLst>
+    <dgm:effectClrLst/>
+    <dgm:txLinClrLst/>
+    <dgm:txFillClrLst meth="repeat">
+      <a:schemeClr val="dk1"/>
+    </dgm:txFillClrLst>
+    <dgm:txEffectClrLst/>
+  </dgm:styleLbl>
+  <dgm:styleLbl name="fgAccFollowNode1">
+    <dgm:fillClrLst meth="repeat">
+      <a:schemeClr val="accent1">
+        <a:alpha val="90000"/>
+        <a:tint val="40000"/>
+      </a:schemeClr>
+    </dgm:fillClrLst>
+    <dgm:linClrLst meth="repeat">
+      <a:schemeClr val="accent1">
+        <a:alpha val="90000"/>
+        <a:tint val="40000"/>
+      </a:schemeClr>
+    </dgm:linClrLst>
+    <dgm:effectClrLst/>
+    <dgm:txLinClrLst/>
+    <dgm:txFillClrLst meth="repeat">
+      <a:schemeClr val="dk1"/>
+    </dgm:txFillClrLst>
+    <dgm:txEffectClrLst/>
+  </dgm:styleLbl>
+  <dgm:styleLbl name="alignAccFollowNode1">
+    <dgm:fillClrLst meth="repeat">
+      <a:schemeClr val="accent1">
+        <a:alpha val="90000"/>
+        <a:tint val="40000"/>
+      </a:schemeClr>
+    </dgm:fillClrLst>
+    <dgm:linClrLst meth="repeat">
+      <a:schemeClr val="accent1">
+        <a:alpha val="90000"/>
+        <a:tint val="40000"/>
+      </a:schemeClr>
+    </dgm:linClrLst>
+    <dgm:effectClrLst/>
+    <dgm:txLinClrLst/>
+    <dgm:txFillClrLst meth="repeat">
+      <a:schemeClr val="dk1"/>
+    </dgm:txFillClrLst>
+    <dgm:txEffectClrLst/>
+  </dgm:styleLbl>
+  <dgm:styleLbl name="bgAccFollowNode1">
+    <dgm:fillClrLst meth="repeat">
+      <a:schemeClr val="accent1">
+        <a:alpha val="90000"/>
+        <a:tint val="40000"/>
+      </a:schemeClr>
+    </dgm:fillClrLst>
+    <dgm:linClrLst meth="repeat">
+      <a:schemeClr val="accent1">
+        <a:alpha val="90000"/>
+        <a:tint val="40000"/>
+      </a:schemeClr>
+    </dgm:linClrLst>
+    <dgm:effectClrLst/>
+    <dgm:txLinClrLst/>
+    <dgm:txFillClrLst meth="repeat">
+      <a:schemeClr val="dk1"/>
+    </dgm:txFillClrLst>
+    <dgm:txEffectClrLst/>
+  </dgm:styleLbl>
+  <dgm:styleLbl name="fgAcc0">
+    <dgm:fillClrLst meth="repeat">
+      <a:schemeClr val="lt1">
+        <a:alpha val="90000"/>
+      </a:schemeClr>
+    </dgm:fillClrLst>
+    <dgm:linClrLst meth="repeat">
+      <a:schemeClr val="accent1"/>
+    </dgm:linClrLst>
+    <dgm:effectClrLst/>
+    <dgm:txLinClrLst/>
+    <dgm:txFillClrLst meth="repeat">
+      <a:schemeClr val="dk1"/>
+    </dgm:txFillClrLst>
+    <dgm:txEffectClrLst/>
+  </dgm:styleLbl>
+  <dgm:styleLbl name="fgAcc2">
+    <dgm:fillClrLst meth="repeat">
+      <a:schemeClr val="lt1">
+        <a:alpha val="90000"/>
+      </a:schemeClr>
+    </dgm:fillClrLst>
+    <dgm:linClrLst meth="repeat">
+      <a:schemeClr val="accent1"/>
+    </dgm:linClrLst>
+    <dgm:effectClrLst/>
+    <dgm:txLinClrLst/>
+    <dgm:txFillClrLst meth="repeat">
+      <a:schemeClr val="dk1"/>
+    </dgm:txFillClrLst>
+    <dgm:txEffectClrLst/>
+  </dgm:styleLbl>
+  <dgm:styleLbl name="fgAcc3">
+    <dgm:fillClrLst meth="repeat">
+      <a:schemeClr val="lt1">
+        <a:alpha val="90000"/>
+      </a:schemeClr>
+    </dgm:fillClrLst>
+    <dgm:linClrLst meth="repeat">
+      <a:schemeClr val="accent1"/>
+    </dgm:linClrLst>
+    <dgm:effectClrLst/>
+    <dgm:txLinClrLst/>
+    <dgm:txFillClrLst meth="repeat">
+      <a:schemeClr val="dk1"/>
+    </dgm:txFillClrLst>
+    <dgm:txEffectClrLst/>
+  </dgm:styleLbl>
+  <dgm:styleLbl name="fgAcc4">
+    <dgm:fillClrLst meth="repeat">
+      <a:schemeClr val="lt1">
+        <a:alpha val="90000"/>
+      </a:schemeClr>
+    </dgm:fillClrLst>
+    <dgm:linClrLst meth="repeat">
+      <a:schemeClr val="accent1"/>
+    </dgm:linClrLst>
+    <dgm:effectClrLst/>
+    <dgm:txLinClrLst/>
+    <dgm:txFillClrLst meth="repeat">
+      <a:schemeClr val="dk1"/>
+    </dgm:txFillClrLst>
+    <dgm:txEffectClrLst/>
+  </dgm:styleLbl>
+  <dgm:styleLbl name="bgShp">
+    <dgm:fillClrLst meth="repeat">
+      <a:schemeClr val="accent1">
+        <a:tint val="40000"/>
+      </a:schemeClr>
+    </dgm:fillClrLst>
+    <dgm:linClrLst meth="repeat">
+      <a:schemeClr val="accent1"/>
+    </dgm:linClrLst>
+    <dgm:effectClrLst/>
+    <dgm:txLinClrLst/>
+    <dgm:txFillClrLst meth="repeat">
+      <a:schemeClr val="dk1"/>
+    </dgm:txFillClrLst>
+    <dgm:txEffectClrLst/>
+  </dgm:styleLbl>
+  <dgm:styleLbl name="dkBgShp">
+    <dgm:fillClrLst meth="repeat">
+      <a:schemeClr val="accent1">
+        <a:shade val="80000"/>
+      </a:schemeClr>
+    </dgm:fillClrLst>
+    <dgm:linClrLst meth="repeat">
+      <a:schemeClr val="accent1"/>
+    </dgm:linClrLst>
+    <dgm:effectClrLst/>
+    <dgm:txLinClrLst/>
+    <dgm:txFillClrLst meth="repeat">
+      <a:schemeClr val="lt1"/>
+    </dgm:txFillClrLst>
+    <dgm:txEffectClrLst/>
+  </dgm:styleLbl>
+  <dgm:styleLbl name="trBgShp">
+    <dgm:fillClrLst meth="repeat">
+      <a:schemeClr val="accent1">
+        <a:tint val="50000"/>
+        <a:alpha val="40000"/>
+      </a:schemeClr>
+    </dgm:fillClrLst>
+    <dgm:linClrLst meth="repeat">
+      <a:schemeClr val="accent1"/>
+    </dgm:linClrLst>
+    <dgm:effectClrLst/>
+    <dgm:txLinClrLst/>
+    <dgm:txFillClrLst meth="repeat">
+      <a:schemeClr val="lt1"/>
+    </dgm:txFillClrLst>
+    <dgm:txEffectClrLst/>
+  </dgm:styleLbl>
+  <dgm:styleLbl name="fgShp">
+    <dgm:fillClrLst meth="repeat">
+      <a:schemeClr val="accent1">
+        <a:tint val="60000"/>
+      </a:schemeClr>
+    </dgm:fillClrLst>
+    <dgm:linClrLst meth="repeat">
+      <a:schemeClr val="lt1"/>
+    </dgm:linClrLst>
+    <dgm:effectClrLst/>
+    <dgm:txLinClrLst/>
+    <dgm:txFillClrLst meth="repeat">
+      <a:schemeClr val="dk1"/>
+    </dgm:txFillClrLst>
+    <dgm:txEffectClrLst/>
+  </dgm:styleLbl>
+  <dgm:styleLbl name="revTx">
+    <dgm:fillClrLst meth="repeat">
+      <a:schemeClr val="lt1">
+        <a:alpha val="0"/>
+      </a:schemeClr>
+    </dgm:fillClrLst>
+    <dgm:linClrLst meth="repeat">
+      <a:schemeClr val="dk1">
+        <a:alpha val="0"/>
+      </a:schemeClr>
+    </dgm:linClrLst>
+    <dgm:effectClrLst/>
+    <dgm:txLinClrLst/>
+    <dgm:txFillClrLst meth="repeat">
+      <a:schemeClr val="tx1"/>
+    </dgm:txFillClrLst>
+    <dgm:txEffectClrLst/>
+  </dgm:styleLbl>
+</dgm:colorsDef>
+</file>
+
+<file path=ppt/diagrams/colors4.xml><?xml version="1.0" encoding="utf-8"?>
 <dgm:colorsDef xmlns:dgm="http://schemas.openxmlformats.org/drawingml/2006/diagram" xmlns:a="http://schemas.openxmlformats.org/drawingml/2006/main" uniqueId="urn:microsoft.com/office/officeart/2005/8/colors/colorful2">
   <dgm:title val=""/>
   <dgm:desc val=""/>
@@ -2967,6 +3716,705 @@
 </file>
 
 <file path=ppt/diagrams/data3.xml><?xml version="1.0" encoding="utf-8"?>
+<dgm:dataModel xmlns:dgm="http://schemas.openxmlformats.org/drawingml/2006/diagram" xmlns:a="http://schemas.openxmlformats.org/drawingml/2006/main">
+  <dgm:ptLst>
+    <dgm:pt modelId="{ED61B46B-9D7D-4B23-8145-8F59E398C911}" type="doc">
+      <dgm:prSet loTypeId="urn:microsoft.com/office/officeart/2005/8/layout/orgChart1" loCatId="hierarchy" qsTypeId="urn:microsoft.com/office/officeart/2005/8/quickstyle/simple1" qsCatId="simple" csTypeId="urn:microsoft.com/office/officeart/2005/8/colors/accent1_2" csCatId="accent1"/>
+      <dgm:spPr/>
+      <dgm:t>
+        <a:bodyPr/>
+        <a:lstStyle/>
+        <a:p>
+          <a:endParaRPr lang="en-US"/>
+        </a:p>
+      </dgm:t>
+    </dgm:pt>
+    <dgm:pt modelId="{88DFA098-6764-459A-967B-ABAB6C9F61F0}">
+      <dgm:prSet/>
+      <dgm:spPr/>
+      <dgm:t>
+        <a:bodyPr/>
+        <a:lstStyle/>
+        <a:p>
+          <a:r>
+            <a:rPr lang="en-US"/>
+            <a:t>Main </a:t>
+          </a:r>
+        </a:p>
+      </dgm:t>
+    </dgm:pt>
+    <dgm:pt modelId="{76AD5A02-9110-4778-852E-8982764618A9}" type="parTrans" cxnId="{8AB877EF-9C7B-407C-837A-6472AC56C1EE}">
+      <dgm:prSet/>
+      <dgm:spPr/>
+      <dgm:t>
+        <a:bodyPr/>
+        <a:lstStyle/>
+        <a:p>
+          <a:endParaRPr lang="en-US"/>
+        </a:p>
+      </dgm:t>
+    </dgm:pt>
+    <dgm:pt modelId="{97B8FAB9-80C2-4E66-A572-702557080045}" type="sibTrans" cxnId="{8AB877EF-9C7B-407C-837A-6472AC56C1EE}">
+      <dgm:prSet/>
+      <dgm:spPr/>
+      <dgm:t>
+        <a:bodyPr/>
+        <a:lstStyle/>
+        <a:p>
+          <a:endParaRPr lang="en-US"/>
+        </a:p>
+      </dgm:t>
+    </dgm:pt>
+    <dgm:pt modelId="{8FF004CD-C65E-4C0F-BC1F-F6AF18FB6055}">
+      <dgm:prSet/>
+      <dgm:spPr/>
+      <dgm:t>
+        <a:bodyPr/>
+        <a:lstStyle/>
+        <a:p>
+          <a:r>
+            <a:rPr lang="en-US"/>
+            <a:t>HTU</a:t>
+          </a:r>
+        </a:p>
+      </dgm:t>
+    </dgm:pt>
+    <dgm:pt modelId="{4740802E-1790-4085-B4FA-0EF504494A60}" type="parTrans" cxnId="{FE75F52C-AED1-4FEC-8637-6B568A459A1D}">
+      <dgm:prSet/>
+      <dgm:spPr/>
+      <dgm:t>
+        <a:bodyPr/>
+        <a:lstStyle/>
+        <a:p>
+          <a:endParaRPr lang="en-US"/>
+        </a:p>
+      </dgm:t>
+    </dgm:pt>
+    <dgm:pt modelId="{118EA0C6-BAE4-41E6-8E31-198376AFC451}" type="sibTrans" cxnId="{FE75F52C-AED1-4FEC-8637-6B568A459A1D}">
+      <dgm:prSet/>
+      <dgm:spPr/>
+      <dgm:t>
+        <a:bodyPr/>
+        <a:lstStyle/>
+        <a:p>
+          <a:endParaRPr lang="en-US"/>
+        </a:p>
+      </dgm:t>
+    </dgm:pt>
+    <dgm:pt modelId="{4F520A30-443D-4058-9602-50C29D6D2809}">
+      <dgm:prSet/>
+      <dgm:spPr/>
+      <dgm:t>
+        <a:bodyPr/>
+        <a:lstStyle/>
+        <a:p>
+          <a:r>
+            <a:rPr lang="en-US"/>
+            <a:t>Presedint’s message</a:t>
+          </a:r>
+        </a:p>
+      </dgm:t>
+    </dgm:pt>
+    <dgm:pt modelId="{13DC6972-3522-44AC-895E-C92A82E68E1F}" type="parTrans" cxnId="{F9F31CB8-398C-453C-B4B0-67CB23EB784F}">
+      <dgm:prSet/>
+      <dgm:spPr/>
+      <dgm:t>
+        <a:bodyPr/>
+        <a:lstStyle/>
+        <a:p>
+          <a:endParaRPr lang="en-US"/>
+        </a:p>
+      </dgm:t>
+    </dgm:pt>
+    <dgm:pt modelId="{64BA21ED-1ECA-407D-99FD-026D8E9B7E00}" type="sibTrans" cxnId="{F9F31CB8-398C-453C-B4B0-67CB23EB784F}">
+      <dgm:prSet/>
+      <dgm:spPr/>
+      <dgm:t>
+        <a:bodyPr/>
+        <a:lstStyle/>
+        <a:p>
+          <a:endParaRPr lang="en-US"/>
+        </a:p>
+      </dgm:t>
+    </dgm:pt>
+    <dgm:pt modelId="{5F351EAC-CC35-4E41-A51D-7059BFDF8A6E}">
+      <dgm:prSet/>
+      <dgm:spPr/>
+      <dgm:t>
+        <a:bodyPr/>
+        <a:lstStyle/>
+        <a:p>
+          <a:r>
+            <a:rPr lang="en-US"/>
+            <a:t>About</a:t>
+          </a:r>
+        </a:p>
+      </dgm:t>
+    </dgm:pt>
+    <dgm:pt modelId="{93A6BD62-8AD7-4010-A7A1-8ADFD97125D7}" type="parTrans" cxnId="{A7F2144A-AFC1-4224-A73C-BD0267DA8B4E}">
+      <dgm:prSet/>
+      <dgm:spPr/>
+      <dgm:t>
+        <a:bodyPr/>
+        <a:lstStyle/>
+        <a:p>
+          <a:endParaRPr lang="en-US"/>
+        </a:p>
+      </dgm:t>
+    </dgm:pt>
+    <dgm:pt modelId="{D1901930-6EEB-4B7D-A0EC-9251FB0556BE}" type="sibTrans" cxnId="{A7F2144A-AFC1-4224-A73C-BD0267DA8B4E}">
+      <dgm:prSet/>
+      <dgm:spPr/>
+      <dgm:t>
+        <a:bodyPr/>
+        <a:lstStyle/>
+        <a:p>
+          <a:endParaRPr lang="en-US"/>
+        </a:p>
+      </dgm:t>
+    </dgm:pt>
+    <dgm:pt modelId="{80C30D44-4686-430E-B5F2-5CA8DE141AAB}">
+      <dgm:prSet/>
+      <dgm:spPr/>
+      <dgm:t>
+        <a:bodyPr/>
+        <a:lstStyle/>
+        <a:p>
+          <a:r>
+            <a:rPr lang="en-US"/>
+            <a:t>School of computing and Informatics</a:t>
+          </a:r>
+        </a:p>
+      </dgm:t>
+    </dgm:pt>
+    <dgm:pt modelId="{B2553194-65F9-48C2-AAF8-E1744FFF8CD3}" type="parTrans" cxnId="{F744E013-321D-44CB-AB9A-25E312B25C74}">
+      <dgm:prSet/>
+      <dgm:spPr/>
+      <dgm:t>
+        <a:bodyPr/>
+        <a:lstStyle/>
+        <a:p>
+          <a:endParaRPr lang="en-US"/>
+        </a:p>
+      </dgm:t>
+    </dgm:pt>
+    <dgm:pt modelId="{72353649-D247-412B-98F0-4E5967917405}" type="sibTrans" cxnId="{F744E013-321D-44CB-AB9A-25E312B25C74}">
+      <dgm:prSet/>
+      <dgm:spPr/>
+      <dgm:t>
+        <a:bodyPr/>
+        <a:lstStyle/>
+        <a:p>
+          <a:endParaRPr lang="en-US"/>
+        </a:p>
+      </dgm:t>
+    </dgm:pt>
+    <dgm:pt modelId="{F7B89655-6EE4-4505-B2A3-38253E76C0B1}">
+      <dgm:prSet/>
+      <dgm:spPr/>
+      <dgm:t>
+        <a:bodyPr/>
+        <a:lstStyle/>
+        <a:p>
+          <a:r>
+            <a:rPr lang="en-US"/>
+            <a:t>Computer Science</a:t>
+          </a:r>
+        </a:p>
+      </dgm:t>
+    </dgm:pt>
+    <dgm:pt modelId="{EA5775F7-F625-4D44-81A0-1E4F73DDFD35}" type="parTrans" cxnId="{74EB99F5-FCA2-470C-8D8E-5289F20453D0}">
+      <dgm:prSet/>
+      <dgm:spPr/>
+      <dgm:t>
+        <a:bodyPr/>
+        <a:lstStyle/>
+        <a:p>
+          <a:endParaRPr lang="en-US"/>
+        </a:p>
+      </dgm:t>
+    </dgm:pt>
+    <dgm:pt modelId="{FF99C84E-96DB-4F4E-886D-427AFC20CA15}" type="sibTrans" cxnId="{74EB99F5-FCA2-470C-8D8E-5289F20453D0}">
+      <dgm:prSet/>
+      <dgm:spPr/>
+      <dgm:t>
+        <a:bodyPr/>
+        <a:lstStyle/>
+        <a:p>
+          <a:endParaRPr lang="en-US"/>
+        </a:p>
+      </dgm:t>
+    </dgm:pt>
+    <dgm:pt modelId="{88EFBFDC-DE66-4BD3-A82F-8F1C5E52EE7F}">
+      <dgm:prSet/>
+      <dgm:spPr/>
+      <dgm:t>
+        <a:bodyPr/>
+        <a:lstStyle/>
+        <a:p>
+          <a:r>
+            <a:rPr lang="en-US"/>
+            <a:t>Data Science</a:t>
+          </a:r>
+        </a:p>
+      </dgm:t>
+    </dgm:pt>
+    <dgm:pt modelId="{FAB1E1E5-7607-406D-925F-3002BB17F452}" type="parTrans" cxnId="{66D59A5A-D12C-4590-86AD-57F5A1EFC630}">
+      <dgm:prSet/>
+      <dgm:spPr/>
+      <dgm:t>
+        <a:bodyPr/>
+        <a:lstStyle/>
+        <a:p>
+          <a:endParaRPr lang="en-US"/>
+        </a:p>
+      </dgm:t>
+    </dgm:pt>
+    <dgm:pt modelId="{4FF2BBE8-3C1C-4782-860D-132F51F18B5D}" type="sibTrans" cxnId="{66D59A5A-D12C-4590-86AD-57F5A1EFC630}">
+      <dgm:prSet/>
+      <dgm:spPr/>
+      <dgm:t>
+        <a:bodyPr/>
+        <a:lstStyle/>
+        <a:p>
+          <a:endParaRPr lang="en-US"/>
+        </a:p>
+      </dgm:t>
+    </dgm:pt>
+    <dgm:pt modelId="{417D52D5-4062-44F5-9F90-C6F84C743336}">
+      <dgm:prSet/>
+      <dgm:spPr/>
+      <dgm:t>
+        <a:bodyPr/>
+        <a:lstStyle/>
+        <a:p>
+          <a:r>
+            <a:rPr lang="en-US"/>
+            <a:t>Cybersecurity</a:t>
+          </a:r>
+        </a:p>
+      </dgm:t>
+    </dgm:pt>
+    <dgm:pt modelId="{75F05195-683C-44F8-ABDF-5E903907DA66}" type="parTrans" cxnId="{22485000-3A89-4115-A60D-9BDC185439CE}">
+      <dgm:prSet/>
+      <dgm:spPr/>
+      <dgm:t>
+        <a:bodyPr/>
+        <a:lstStyle/>
+        <a:p>
+          <a:endParaRPr lang="en-US"/>
+        </a:p>
+      </dgm:t>
+    </dgm:pt>
+    <dgm:pt modelId="{9B555958-142C-4765-A1B8-86968A9157D5}" type="sibTrans" cxnId="{22485000-3A89-4115-A60D-9BDC185439CE}">
+      <dgm:prSet/>
+      <dgm:spPr/>
+      <dgm:t>
+        <a:bodyPr/>
+        <a:lstStyle/>
+        <a:p>
+          <a:endParaRPr lang="en-US"/>
+        </a:p>
+      </dgm:t>
+    </dgm:pt>
+    <dgm:pt modelId="{0EA68379-2514-4C12-84AD-E7DE364EFC44}" type="pres">
+      <dgm:prSet presAssocID="{ED61B46B-9D7D-4B23-8145-8F59E398C911}" presName="hierChild1" presStyleCnt="0">
+        <dgm:presLayoutVars>
+          <dgm:orgChart val="1"/>
+          <dgm:chPref val="1"/>
+          <dgm:dir/>
+          <dgm:animOne val="branch"/>
+          <dgm:animLvl val="lvl"/>
+          <dgm:resizeHandles/>
+        </dgm:presLayoutVars>
+      </dgm:prSet>
+      <dgm:spPr/>
+    </dgm:pt>
+    <dgm:pt modelId="{FFBC1DEF-294B-4D51-980A-37268AFF97A8}" type="pres">
+      <dgm:prSet presAssocID="{88DFA098-6764-459A-967B-ABAB6C9F61F0}" presName="hierRoot1" presStyleCnt="0">
+        <dgm:presLayoutVars>
+          <dgm:hierBranch val="init"/>
+        </dgm:presLayoutVars>
+      </dgm:prSet>
+      <dgm:spPr/>
+    </dgm:pt>
+    <dgm:pt modelId="{E6E6AEFF-BCCC-4C48-9CAD-E5EB32FBFB61}" type="pres">
+      <dgm:prSet presAssocID="{88DFA098-6764-459A-967B-ABAB6C9F61F0}" presName="rootComposite1" presStyleCnt="0"/>
+      <dgm:spPr/>
+    </dgm:pt>
+    <dgm:pt modelId="{DE6F51A8-9135-4E29-849A-E3BE96149B76}" type="pres">
+      <dgm:prSet presAssocID="{88DFA098-6764-459A-967B-ABAB6C9F61F0}" presName="rootText1" presStyleLbl="node0" presStyleIdx="0" presStyleCnt="1">
+        <dgm:presLayoutVars>
+          <dgm:chPref val="3"/>
+        </dgm:presLayoutVars>
+      </dgm:prSet>
+      <dgm:spPr/>
+    </dgm:pt>
+    <dgm:pt modelId="{F640E8EB-985E-4B39-8C30-289959C3A32F}" type="pres">
+      <dgm:prSet presAssocID="{88DFA098-6764-459A-967B-ABAB6C9F61F0}" presName="rootConnector1" presStyleLbl="node1" presStyleIdx="0" presStyleCnt="0"/>
+      <dgm:spPr/>
+    </dgm:pt>
+    <dgm:pt modelId="{416CA25B-D34F-4F23-A6E0-BD57C9DD6AD1}" type="pres">
+      <dgm:prSet presAssocID="{88DFA098-6764-459A-967B-ABAB6C9F61F0}" presName="hierChild2" presStyleCnt="0"/>
+      <dgm:spPr/>
+    </dgm:pt>
+    <dgm:pt modelId="{9E3A2F4F-3524-44A9-80B6-BF755A2175FF}" type="pres">
+      <dgm:prSet presAssocID="{4740802E-1790-4085-B4FA-0EF504494A60}" presName="Name37" presStyleLbl="parChTrans1D2" presStyleIdx="0" presStyleCnt="2"/>
+      <dgm:spPr/>
+    </dgm:pt>
+    <dgm:pt modelId="{5AC52157-44BE-44DC-8816-A53B53D16C38}" type="pres">
+      <dgm:prSet presAssocID="{8FF004CD-C65E-4C0F-BC1F-F6AF18FB6055}" presName="hierRoot2" presStyleCnt="0">
+        <dgm:presLayoutVars>
+          <dgm:hierBranch val="init"/>
+        </dgm:presLayoutVars>
+      </dgm:prSet>
+      <dgm:spPr/>
+    </dgm:pt>
+    <dgm:pt modelId="{946E622A-0931-4290-B592-F7AB4A3FEA55}" type="pres">
+      <dgm:prSet presAssocID="{8FF004CD-C65E-4C0F-BC1F-F6AF18FB6055}" presName="rootComposite" presStyleCnt="0"/>
+      <dgm:spPr/>
+    </dgm:pt>
+    <dgm:pt modelId="{FD4B93C7-EC13-4A46-B963-04BF5CA97205}" type="pres">
+      <dgm:prSet presAssocID="{8FF004CD-C65E-4C0F-BC1F-F6AF18FB6055}" presName="rootText" presStyleLbl="node2" presStyleIdx="0" presStyleCnt="2">
+        <dgm:presLayoutVars>
+          <dgm:chPref val="3"/>
+        </dgm:presLayoutVars>
+      </dgm:prSet>
+      <dgm:spPr/>
+    </dgm:pt>
+    <dgm:pt modelId="{B2E06E12-B8FD-45AB-91C1-4C2E24729B45}" type="pres">
+      <dgm:prSet presAssocID="{8FF004CD-C65E-4C0F-BC1F-F6AF18FB6055}" presName="rootConnector" presStyleLbl="node2" presStyleIdx="0" presStyleCnt="2"/>
+      <dgm:spPr/>
+    </dgm:pt>
+    <dgm:pt modelId="{E724D150-EEA3-4CF3-8FB9-3A8518904C04}" type="pres">
+      <dgm:prSet presAssocID="{8FF004CD-C65E-4C0F-BC1F-F6AF18FB6055}" presName="hierChild4" presStyleCnt="0"/>
+      <dgm:spPr/>
+    </dgm:pt>
+    <dgm:pt modelId="{245DC3A7-78CB-4DE7-BD98-5611BAAC2488}" type="pres">
+      <dgm:prSet presAssocID="{13DC6972-3522-44AC-895E-C92A82E68E1F}" presName="Name37" presStyleLbl="parChTrans1D3" presStyleIdx="0" presStyleCnt="5"/>
+      <dgm:spPr/>
+    </dgm:pt>
+    <dgm:pt modelId="{53C59C2E-CD37-4215-96CF-8920988CCEB0}" type="pres">
+      <dgm:prSet presAssocID="{4F520A30-443D-4058-9602-50C29D6D2809}" presName="hierRoot2" presStyleCnt="0">
+        <dgm:presLayoutVars>
+          <dgm:hierBranch val="init"/>
+        </dgm:presLayoutVars>
+      </dgm:prSet>
+      <dgm:spPr/>
+    </dgm:pt>
+    <dgm:pt modelId="{19F80665-2194-44D5-B437-CD1870F40870}" type="pres">
+      <dgm:prSet presAssocID="{4F520A30-443D-4058-9602-50C29D6D2809}" presName="rootComposite" presStyleCnt="0"/>
+      <dgm:spPr/>
+    </dgm:pt>
+    <dgm:pt modelId="{715D2F3C-A87E-4A43-83C2-2B72F6C553AC}" type="pres">
+      <dgm:prSet presAssocID="{4F520A30-443D-4058-9602-50C29D6D2809}" presName="rootText" presStyleLbl="node3" presStyleIdx="0" presStyleCnt="5">
+        <dgm:presLayoutVars>
+          <dgm:chPref val="3"/>
+        </dgm:presLayoutVars>
+      </dgm:prSet>
+      <dgm:spPr/>
+    </dgm:pt>
+    <dgm:pt modelId="{6306B753-AEA9-4384-8F31-2B1A779D4211}" type="pres">
+      <dgm:prSet presAssocID="{4F520A30-443D-4058-9602-50C29D6D2809}" presName="rootConnector" presStyleLbl="node3" presStyleIdx="0" presStyleCnt="5"/>
+      <dgm:spPr/>
+    </dgm:pt>
+    <dgm:pt modelId="{10952B12-C059-4435-89FC-B3053DD76FBD}" type="pres">
+      <dgm:prSet presAssocID="{4F520A30-443D-4058-9602-50C29D6D2809}" presName="hierChild4" presStyleCnt="0"/>
+      <dgm:spPr/>
+    </dgm:pt>
+    <dgm:pt modelId="{43003811-1CC6-4610-BEA9-A3E9C736AC04}" type="pres">
+      <dgm:prSet presAssocID="{4F520A30-443D-4058-9602-50C29D6D2809}" presName="hierChild5" presStyleCnt="0"/>
+      <dgm:spPr/>
+    </dgm:pt>
+    <dgm:pt modelId="{DC364CA3-0CF2-48CC-B546-1D6173178E5F}" type="pres">
+      <dgm:prSet presAssocID="{93A6BD62-8AD7-4010-A7A1-8ADFD97125D7}" presName="Name37" presStyleLbl="parChTrans1D3" presStyleIdx="1" presStyleCnt="5"/>
+      <dgm:spPr/>
+    </dgm:pt>
+    <dgm:pt modelId="{5BC5A7B0-D1FE-4E66-B543-872516E41C13}" type="pres">
+      <dgm:prSet presAssocID="{5F351EAC-CC35-4E41-A51D-7059BFDF8A6E}" presName="hierRoot2" presStyleCnt="0">
+        <dgm:presLayoutVars>
+          <dgm:hierBranch val="init"/>
+        </dgm:presLayoutVars>
+      </dgm:prSet>
+      <dgm:spPr/>
+    </dgm:pt>
+    <dgm:pt modelId="{AF7BE64B-3A8B-4BCC-9FC8-35DC7107BDDE}" type="pres">
+      <dgm:prSet presAssocID="{5F351EAC-CC35-4E41-A51D-7059BFDF8A6E}" presName="rootComposite" presStyleCnt="0"/>
+      <dgm:spPr/>
+    </dgm:pt>
+    <dgm:pt modelId="{0880BC02-8CB6-4DF6-8EC3-B01DF86A094C}" type="pres">
+      <dgm:prSet presAssocID="{5F351EAC-CC35-4E41-A51D-7059BFDF8A6E}" presName="rootText" presStyleLbl="node3" presStyleIdx="1" presStyleCnt="5">
+        <dgm:presLayoutVars>
+          <dgm:chPref val="3"/>
+        </dgm:presLayoutVars>
+      </dgm:prSet>
+      <dgm:spPr/>
+    </dgm:pt>
+    <dgm:pt modelId="{276314F3-B852-4394-86D2-6434C2ED3F9B}" type="pres">
+      <dgm:prSet presAssocID="{5F351EAC-CC35-4E41-A51D-7059BFDF8A6E}" presName="rootConnector" presStyleLbl="node3" presStyleIdx="1" presStyleCnt="5"/>
+      <dgm:spPr/>
+    </dgm:pt>
+    <dgm:pt modelId="{FBC45526-56A5-4ADF-8404-F179144591BA}" type="pres">
+      <dgm:prSet presAssocID="{5F351EAC-CC35-4E41-A51D-7059BFDF8A6E}" presName="hierChild4" presStyleCnt="0"/>
+      <dgm:spPr/>
+    </dgm:pt>
+    <dgm:pt modelId="{2B3DFA8A-5727-4E2C-8D50-0706A63394C2}" type="pres">
+      <dgm:prSet presAssocID="{5F351EAC-CC35-4E41-A51D-7059BFDF8A6E}" presName="hierChild5" presStyleCnt="0"/>
+      <dgm:spPr/>
+    </dgm:pt>
+    <dgm:pt modelId="{632578CE-E727-4531-A1C1-E6D6A188ED23}" type="pres">
+      <dgm:prSet presAssocID="{8FF004CD-C65E-4C0F-BC1F-F6AF18FB6055}" presName="hierChild5" presStyleCnt="0"/>
+      <dgm:spPr/>
+    </dgm:pt>
+    <dgm:pt modelId="{A3793662-3C57-40D0-88BE-7AEB02EBF3C5}" type="pres">
+      <dgm:prSet presAssocID="{B2553194-65F9-48C2-AAF8-E1744FFF8CD3}" presName="Name37" presStyleLbl="parChTrans1D2" presStyleIdx="1" presStyleCnt="2"/>
+      <dgm:spPr/>
+    </dgm:pt>
+    <dgm:pt modelId="{EE3E790A-4251-409D-83E6-078BEFD03BEE}" type="pres">
+      <dgm:prSet presAssocID="{80C30D44-4686-430E-B5F2-5CA8DE141AAB}" presName="hierRoot2" presStyleCnt="0">
+        <dgm:presLayoutVars>
+          <dgm:hierBranch val="init"/>
+        </dgm:presLayoutVars>
+      </dgm:prSet>
+      <dgm:spPr/>
+    </dgm:pt>
+    <dgm:pt modelId="{4050C609-3739-4CA1-94B7-82F891B19464}" type="pres">
+      <dgm:prSet presAssocID="{80C30D44-4686-430E-B5F2-5CA8DE141AAB}" presName="rootComposite" presStyleCnt="0"/>
+      <dgm:spPr/>
+    </dgm:pt>
+    <dgm:pt modelId="{F8BB114D-55DB-4274-9791-DFBFC624C6B5}" type="pres">
+      <dgm:prSet presAssocID="{80C30D44-4686-430E-B5F2-5CA8DE141AAB}" presName="rootText" presStyleLbl="node2" presStyleIdx="1" presStyleCnt="2">
+        <dgm:presLayoutVars>
+          <dgm:chPref val="3"/>
+        </dgm:presLayoutVars>
+      </dgm:prSet>
+      <dgm:spPr/>
+    </dgm:pt>
+    <dgm:pt modelId="{DF67C21D-37DD-443A-A373-8F7B1AA2F885}" type="pres">
+      <dgm:prSet presAssocID="{80C30D44-4686-430E-B5F2-5CA8DE141AAB}" presName="rootConnector" presStyleLbl="node2" presStyleIdx="1" presStyleCnt="2"/>
+      <dgm:spPr/>
+    </dgm:pt>
+    <dgm:pt modelId="{A06B53B4-49F8-49B5-A065-3D21359BA353}" type="pres">
+      <dgm:prSet presAssocID="{80C30D44-4686-430E-B5F2-5CA8DE141AAB}" presName="hierChild4" presStyleCnt="0"/>
+      <dgm:spPr/>
+    </dgm:pt>
+    <dgm:pt modelId="{EF187DDC-E873-4EE3-BA98-09677DA03641}" type="pres">
+      <dgm:prSet presAssocID="{EA5775F7-F625-4D44-81A0-1E4F73DDFD35}" presName="Name37" presStyleLbl="parChTrans1D3" presStyleIdx="2" presStyleCnt="5"/>
+      <dgm:spPr/>
+    </dgm:pt>
+    <dgm:pt modelId="{160D3328-CE42-4935-B0E7-F95C2278529B}" type="pres">
+      <dgm:prSet presAssocID="{F7B89655-6EE4-4505-B2A3-38253E76C0B1}" presName="hierRoot2" presStyleCnt="0">
+        <dgm:presLayoutVars>
+          <dgm:hierBranch val="init"/>
+        </dgm:presLayoutVars>
+      </dgm:prSet>
+      <dgm:spPr/>
+    </dgm:pt>
+    <dgm:pt modelId="{EA343698-3BDE-42FC-8E1A-98B946AE63A0}" type="pres">
+      <dgm:prSet presAssocID="{F7B89655-6EE4-4505-B2A3-38253E76C0B1}" presName="rootComposite" presStyleCnt="0"/>
+      <dgm:spPr/>
+    </dgm:pt>
+    <dgm:pt modelId="{29DC30C4-7DE7-455A-9850-9A545CEA9740}" type="pres">
+      <dgm:prSet presAssocID="{F7B89655-6EE4-4505-B2A3-38253E76C0B1}" presName="rootText" presStyleLbl="node3" presStyleIdx="2" presStyleCnt="5">
+        <dgm:presLayoutVars>
+          <dgm:chPref val="3"/>
+        </dgm:presLayoutVars>
+      </dgm:prSet>
+      <dgm:spPr/>
+    </dgm:pt>
+    <dgm:pt modelId="{01C296C1-DFAB-4199-8439-D66FD12D22D8}" type="pres">
+      <dgm:prSet presAssocID="{F7B89655-6EE4-4505-B2A3-38253E76C0B1}" presName="rootConnector" presStyleLbl="node3" presStyleIdx="2" presStyleCnt="5"/>
+      <dgm:spPr/>
+    </dgm:pt>
+    <dgm:pt modelId="{2B211C2D-C15F-4089-B3C6-9AACC8C49C42}" type="pres">
+      <dgm:prSet presAssocID="{F7B89655-6EE4-4505-B2A3-38253E76C0B1}" presName="hierChild4" presStyleCnt="0"/>
+      <dgm:spPr/>
+    </dgm:pt>
+    <dgm:pt modelId="{93ABB2CC-F300-4055-BC2A-81265D4C1ECE}" type="pres">
+      <dgm:prSet presAssocID="{F7B89655-6EE4-4505-B2A3-38253E76C0B1}" presName="hierChild5" presStyleCnt="0"/>
+      <dgm:spPr/>
+    </dgm:pt>
+    <dgm:pt modelId="{26968B03-CA5A-4995-B02F-67D476ECE806}" type="pres">
+      <dgm:prSet presAssocID="{FAB1E1E5-7607-406D-925F-3002BB17F452}" presName="Name37" presStyleLbl="parChTrans1D3" presStyleIdx="3" presStyleCnt="5"/>
+      <dgm:spPr/>
+    </dgm:pt>
+    <dgm:pt modelId="{B7EDB426-6F6C-4B9F-BD05-E572FC787927}" type="pres">
+      <dgm:prSet presAssocID="{88EFBFDC-DE66-4BD3-A82F-8F1C5E52EE7F}" presName="hierRoot2" presStyleCnt="0">
+        <dgm:presLayoutVars>
+          <dgm:hierBranch val="init"/>
+        </dgm:presLayoutVars>
+      </dgm:prSet>
+      <dgm:spPr/>
+    </dgm:pt>
+    <dgm:pt modelId="{BE81D879-E800-46A4-9171-2D5AF78064E1}" type="pres">
+      <dgm:prSet presAssocID="{88EFBFDC-DE66-4BD3-A82F-8F1C5E52EE7F}" presName="rootComposite" presStyleCnt="0"/>
+      <dgm:spPr/>
+    </dgm:pt>
+    <dgm:pt modelId="{3C51A09C-A7D8-4EC0-A1EB-3B1B00A5DBB6}" type="pres">
+      <dgm:prSet presAssocID="{88EFBFDC-DE66-4BD3-A82F-8F1C5E52EE7F}" presName="rootText" presStyleLbl="node3" presStyleIdx="3" presStyleCnt="5">
+        <dgm:presLayoutVars>
+          <dgm:chPref val="3"/>
+        </dgm:presLayoutVars>
+      </dgm:prSet>
+      <dgm:spPr/>
+    </dgm:pt>
+    <dgm:pt modelId="{548D39B6-165D-407E-B2C9-B6BFACC1EAB6}" type="pres">
+      <dgm:prSet presAssocID="{88EFBFDC-DE66-4BD3-A82F-8F1C5E52EE7F}" presName="rootConnector" presStyleLbl="node3" presStyleIdx="3" presStyleCnt="5"/>
+      <dgm:spPr/>
+    </dgm:pt>
+    <dgm:pt modelId="{97436B8C-994F-49C8-8EB0-567FD19FD0AC}" type="pres">
+      <dgm:prSet presAssocID="{88EFBFDC-DE66-4BD3-A82F-8F1C5E52EE7F}" presName="hierChild4" presStyleCnt="0"/>
+      <dgm:spPr/>
+    </dgm:pt>
+    <dgm:pt modelId="{28D94D78-59A1-4BAB-B55C-A8136DB14936}" type="pres">
+      <dgm:prSet presAssocID="{88EFBFDC-DE66-4BD3-A82F-8F1C5E52EE7F}" presName="hierChild5" presStyleCnt="0"/>
+      <dgm:spPr/>
+    </dgm:pt>
+    <dgm:pt modelId="{55114DA4-E97A-4A64-A0C2-A9DE1B9E5B80}" type="pres">
+      <dgm:prSet presAssocID="{75F05195-683C-44F8-ABDF-5E903907DA66}" presName="Name37" presStyleLbl="parChTrans1D3" presStyleIdx="4" presStyleCnt="5"/>
+      <dgm:spPr/>
+    </dgm:pt>
+    <dgm:pt modelId="{84B7F1B5-55F1-4384-AF56-2F5AF5D95BAE}" type="pres">
+      <dgm:prSet presAssocID="{417D52D5-4062-44F5-9F90-C6F84C743336}" presName="hierRoot2" presStyleCnt="0">
+        <dgm:presLayoutVars>
+          <dgm:hierBranch val="init"/>
+        </dgm:presLayoutVars>
+      </dgm:prSet>
+      <dgm:spPr/>
+    </dgm:pt>
+    <dgm:pt modelId="{B3F3E2D5-8643-4581-91AE-174C3E24704D}" type="pres">
+      <dgm:prSet presAssocID="{417D52D5-4062-44F5-9F90-C6F84C743336}" presName="rootComposite" presStyleCnt="0"/>
+      <dgm:spPr/>
+    </dgm:pt>
+    <dgm:pt modelId="{370C9D23-BAC2-4334-8513-3D1E4FADA9F4}" type="pres">
+      <dgm:prSet presAssocID="{417D52D5-4062-44F5-9F90-C6F84C743336}" presName="rootText" presStyleLbl="node3" presStyleIdx="4" presStyleCnt="5">
+        <dgm:presLayoutVars>
+          <dgm:chPref val="3"/>
+        </dgm:presLayoutVars>
+      </dgm:prSet>
+      <dgm:spPr/>
+    </dgm:pt>
+    <dgm:pt modelId="{EC2FD1D9-F6F5-41D3-A791-2C71871EED78}" type="pres">
+      <dgm:prSet presAssocID="{417D52D5-4062-44F5-9F90-C6F84C743336}" presName="rootConnector" presStyleLbl="node3" presStyleIdx="4" presStyleCnt="5"/>
+      <dgm:spPr/>
+    </dgm:pt>
+    <dgm:pt modelId="{9865BE17-84E5-493D-901E-771BE9BB1AB5}" type="pres">
+      <dgm:prSet presAssocID="{417D52D5-4062-44F5-9F90-C6F84C743336}" presName="hierChild4" presStyleCnt="0"/>
+      <dgm:spPr/>
+    </dgm:pt>
+    <dgm:pt modelId="{BCE6661B-203E-4627-A2C3-A352D5834DE7}" type="pres">
+      <dgm:prSet presAssocID="{417D52D5-4062-44F5-9F90-C6F84C743336}" presName="hierChild5" presStyleCnt="0"/>
+      <dgm:spPr/>
+    </dgm:pt>
+    <dgm:pt modelId="{A013A6A4-6154-4C43-82EC-5DF7DA707B34}" type="pres">
+      <dgm:prSet presAssocID="{80C30D44-4686-430E-B5F2-5CA8DE141AAB}" presName="hierChild5" presStyleCnt="0"/>
+      <dgm:spPr/>
+    </dgm:pt>
+    <dgm:pt modelId="{06B20110-BD9D-4993-9C9C-3408726BAE08}" type="pres">
+      <dgm:prSet presAssocID="{88DFA098-6764-459A-967B-ABAB6C9F61F0}" presName="hierChild3" presStyleCnt="0"/>
+      <dgm:spPr/>
+    </dgm:pt>
+  </dgm:ptLst>
+  <dgm:cxnLst>
+    <dgm:cxn modelId="{22485000-3A89-4115-A60D-9BDC185439CE}" srcId="{80C30D44-4686-430E-B5F2-5CA8DE141AAB}" destId="{417D52D5-4062-44F5-9F90-C6F84C743336}" srcOrd="2" destOrd="0" parTransId="{75F05195-683C-44F8-ABDF-5E903907DA66}" sibTransId="{9B555958-142C-4765-A1B8-86968A9157D5}"/>
+    <dgm:cxn modelId="{3290A901-C99D-4275-A4AB-EEEFFE94CA5F}" type="presOf" srcId="{8FF004CD-C65E-4C0F-BC1F-F6AF18FB6055}" destId="{FD4B93C7-EC13-4A46-B963-04BF5CA97205}" srcOrd="0" destOrd="0" presId="urn:microsoft.com/office/officeart/2005/8/layout/orgChart1"/>
+    <dgm:cxn modelId="{A8661906-6A06-4589-BBF5-200A6454995A}" type="presOf" srcId="{417D52D5-4062-44F5-9F90-C6F84C743336}" destId="{EC2FD1D9-F6F5-41D3-A791-2C71871EED78}" srcOrd="1" destOrd="0" presId="urn:microsoft.com/office/officeart/2005/8/layout/orgChart1"/>
+    <dgm:cxn modelId="{F744E013-321D-44CB-AB9A-25E312B25C74}" srcId="{88DFA098-6764-459A-967B-ABAB6C9F61F0}" destId="{80C30D44-4686-430E-B5F2-5CA8DE141AAB}" srcOrd="1" destOrd="0" parTransId="{B2553194-65F9-48C2-AAF8-E1744FFF8CD3}" sibTransId="{72353649-D247-412B-98F0-4E5967917405}"/>
+    <dgm:cxn modelId="{50EB4A1B-FE11-4B4F-BD18-C228C45AF9A5}" type="presOf" srcId="{F7B89655-6EE4-4505-B2A3-38253E76C0B1}" destId="{29DC30C4-7DE7-455A-9850-9A545CEA9740}" srcOrd="0" destOrd="0" presId="urn:microsoft.com/office/officeart/2005/8/layout/orgChart1"/>
+    <dgm:cxn modelId="{A7C73825-054C-4C70-9077-C399FF393D32}" type="presOf" srcId="{8FF004CD-C65E-4C0F-BC1F-F6AF18FB6055}" destId="{B2E06E12-B8FD-45AB-91C1-4C2E24729B45}" srcOrd="1" destOrd="0" presId="urn:microsoft.com/office/officeart/2005/8/layout/orgChart1"/>
+    <dgm:cxn modelId="{FE75F52C-AED1-4FEC-8637-6B568A459A1D}" srcId="{88DFA098-6764-459A-967B-ABAB6C9F61F0}" destId="{8FF004CD-C65E-4C0F-BC1F-F6AF18FB6055}" srcOrd="0" destOrd="0" parTransId="{4740802E-1790-4085-B4FA-0EF504494A60}" sibTransId="{118EA0C6-BAE4-41E6-8E31-198376AFC451}"/>
+    <dgm:cxn modelId="{F521E434-C444-453F-A53D-74FD09B686CD}" type="presOf" srcId="{4F520A30-443D-4058-9602-50C29D6D2809}" destId="{715D2F3C-A87E-4A43-83C2-2B72F6C553AC}" srcOrd="0" destOrd="0" presId="urn:microsoft.com/office/officeart/2005/8/layout/orgChart1"/>
+    <dgm:cxn modelId="{AECBF63C-C47C-49D0-BD5A-73093E57FA3C}" type="presOf" srcId="{FAB1E1E5-7607-406D-925F-3002BB17F452}" destId="{26968B03-CA5A-4995-B02F-67D476ECE806}" srcOrd="0" destOrd="0" presId="urn:microsoft.com/office/officeart/2005/8/layout/orgChart1"/>
+    <dgm:cxn modelId="{73913366-0E2A-4EDC-82B2-5B394678C206}" type="presOf" srcId="{417D52D5-4062-44F5-9F90-C6F84C743336}" destId="{370C9D23-BAC2-4334-8513-3D1E4FADA9F4}" srcOrd="0" destOrd="0" presId="urn:microsoft.com/office/officeart/2005/8/layout/orgChart1"/>
+    <dgm:cxn modelId="{7100AF67-B3ED-4721-A502-C20ABF0D257A}" type="presOf" srcId="{5F351EAC-CC35-4E41-A51D-7059BFDF8A6E}" destId="{276314F3-B852-4394-86D2-6434C2ED3F9B}" srcOrd="1" destOrd="0" presId="urn:microsoft.com/office/officeart/2005/8/layout/orgChart1"/>
+    <dgm:cxn modelId="{A7F2144A-AFC1-4224-A73C-BD0267DA8B4E}" srcId="{8FF004CD-C65E-4C0F-BC1F-F6AF18FB6055}" destId="{5F351EAC-CC35-4E41-A51D-7059BFDF8A6E}" srcOrd="1" destOrd="0" parTransId="{93A6BD62-8AD7-4010-A7A1-8ADFD97125D7}" sibTransId="{D1901930-6EEB-4B7D-A0EC-9251FB0556BE}"/>
+    <dgm:cxn modelId="{4CEEC54A-3220-4110-B189-46E321F37A69}" type="presOf" srcId="{88EFBFDC-DE66-4BD3-A82F-8F1C5E52EE7F}" destId="{3C51A09C-A7D8-4EC0-A1EB-3B1B00A5DBB6}" srcOrd="0" destOrd="0" presId="urn:microsoft.com/office/officeart/2005/8/layout/orgChart1"/>
+    <dgm:cxn modelId="{7F95CD73-5F26-4C23-AAD2-A24832231F6D}" type="presOf" srcId="{80C30D44-4686-430E-B5F2-5CA8DE141AAB}" destId="{DF67C21D-37DD-443A-A373-8F7B1AA2F885}" srcOrd="1" destOrd="0" presId="urn:microsoft.com/office/officeart/2005/8/layout/orgChart1"/>
+    <dgm:cxn modelId="{674F4A58-2FFF-4624-B3E0-452269607931}" type="presOf" srcId="{75F05195-683C-44F8-ABDF-5E903907DA66}" destId="{55114DA4-E97A-4A64-A0C2-A9DE1B9E5B80}" srcOrd="0" destOrd="0" presId="urn:microsoft.com/office/officeart/2005/8/layout/orgChart1"/>
+    <dgm:cxn modelId="{2ED1875A-3699-4C03-B733-CBB32A9D9D02}" type="presOf" srcId="{5F351EAC-CC35-4E41-A51D-7059BFDF8A6E}" destId="{0880BC02-8CB6-4DF6-8EC3-B01DF86A094C}" srcOrd="0" destOrd="0" presId="urn:microsoft.com/office/officeart/2005/8/layout/orgChart1"/>
+    <dgm:cxn modelId="{66D59A5A-D12C-4590-86AD-57F5A1EFC630}" srcId="{80C30D44-4686-430E-B5F2-5CA8DE141AAB}" destId="{88EFBFDC-DE66-4BD3-A82F-8F1C5E52EE7F}" srcOrd="1" destOrd="0" parTransId="{FAB1E1E5-7607-406D-925F-3002BB17F452}" sibTransId="{4FF2BBE8-3C1C-4782-860D-132F51F18B5D}"/>
+    <dgm:cxn modelId="{E7559D7C-6D7C-48D7-B92E-824CDAAC2EEE}" type="presOf" srcId="{88EFBFDC-DE66-4BD3-A82F-8F1C5E52EE7F}" destId="{548D39B6-165D-407E-B2C9-B6BFACC1EAB6}" srcOrd="1" destOrd="0" presId="urn:microsoft.com/office/officeart/2005/8/layout/orgChart1"/>
+    <dgm:cxn modelId="{605ED88A-53F9-45EE-956C-48FD4212B4A9}" type="presOf" srcId="{B2553194-65F9-48C2-AAF8-E1744FFF8CD3}" destId="{A3793662-3C57-40D0-88BE-7AEB02EBF3C5}" srcOrd="0" destOrd="0" presId="urn:microsoft.com/office/officeart/2005/8/layout/orgChart1"/>
+    <dgm:cxn modelId="{D084CD8E-18A6-4493-B1E7-0A44C145063F}" type="presOf" srcId="{13DC6972-3522-44AC-895E-C92A82E68E1F}" destId="{245DC3A7-78CB-4DE7-BD98-5611BAAC2488}" srcOrd="0" destOrd="0" presId="urn:microsoft.com/office/officeart/2005/8/layout/orgChart1"/>
+    <dgm:cxn modelId="{01E1879D-3120-4032-9FBE-F991FC6823AD}" type="presOf" srcId="{80C30D44-4686-430E-B5F2-5CA8DE141AAB}" destId="{F8BB114D-55DB-4274-9791-DFBFC624C6B5}" srcOrd="0" destOrd="0" presId="urn:microsoft.com/office/officeart/2005/8/layout/orgChart1"/>
+    <dgm:cxn modelId="{AACDB9B3-684B-424E-9466-933EDA62DC2C}" type="presOf" srcId="{EA5775F7-F625-4D44-81A0-1E4F73DDFD35}" destId="{EF187DDC-E873-4EE3-BA98-09677DA03641}" srcOrd="0" destOrd="0" presId="urn:microsoft.com/office/officeart/2005/8/layout/orgChart1"/>
+    <dgm:cxn modelId="{F9F31CB8-398C-453C-B4B0-67CB23EB784F}" srcId="{8FF004CD-C65E-4C0F-BC1F-F6AF18FB6055}" destId="{4F520A30-443D-4058-9602-50C29D6D2809}" srcOrd="0" destOrd="0" parTransId="{13DC6972-3522-44AC-895E-C92A82E68E1F}" sibTransId="{64BA21ED-1ECA-407D-99FD-026D8E9B7E00}"/>
+    <dgm:cxn modelId="{32792DBB-C084-48B9-A030-221F0035DF33}" type="presOf" srcId="{F7B89655-6EE4-4505-B2A3-38253E76C0B1}" destId="{01C296C1-DFAB-4199-8439-D66FD12D22D8}" srcOrd="1" destOrd="0" presId="urn:microsoft.com/office/officeart/2005/8/layout/orgChart1"/>
+    <dgm:cxn modelId="{B95DF2D7-99C4-4297-A7A2-85EA1DC2A43D}" type="presOf" srcId="{4740802E-1790-4085-B4FA-0EF504494A60}" destId="{9E3A2F4F-3524-44A9-80B6-BF755A2175FF}" srcOrd="0" destOrd="0" presId="urn:microsoft.com/office/officeart/2005/8/layout/orgChart1"/>
+    <dgm:cxn modelId="{EA442EDA-A436-4ADF-A431-CCBE664263AA}" type="presOf" srcId="{ED61B46B-9D7D-4B23-8145-8F59E398C911}" destId="{0EA68379-2514-4C12-84AD-E7DE364EFC44}" srcOrd="0" destOrd="0" presId="urn:microsoft.com/office/officeart/2005/8/layout/orgChart1"/>
+    <dgm:cxn modelId="{6E2EADE7-C114-4F4B-95A1-F10E82A14B4C}" type="presOf" srcId="{93A6BD62-8AD7-4010-A7A1-8ADFD97125D7}" destId="{DC364CA3-0CF2-48CC-B546-1D6173178E5F}" srcOrd="0" destOrd="0" presId="urn:microsoft.com/office/officeart/2005/8/layout/orgChart1"/>
+    <dgm:cxn modelId="{8AB877EF-9C7B-407C-837A-6472AC56C1EE}" srcId="{ED61B46B-9D7D-4B23-8145-8F59E398C911}" destId="{88DFA098-6764-459A-967B-ABAB6C9F61F0}" srcOrd="0" destOrd="0" parTransId="{76AD5A02-9110-4778-852E-8982764618A9}" sibTransId="{97B8FAB9-80C2-4E66-A572-702557080045}"/>
+    <dgm:cxn modelId="{496A50F3-84DA-4CEA-A224-9534B222DD69}" type="presOf" srcId="{4F520A30-443D-4058-9602-50C29D6D2809}" destId="{6306B753-AEA9-4384-8F31-2B1A779D4211}" srcOrd="1" destOrd="0" presId="urn:microsoft.com/office/officeart/2005/8/layout/orgChart1"/>
+    <dgm:cxn modelId="{74EB99F5-FCA2-470C-8D8E-5289F20453D0}" srcId="{80C30D44-4686-430E-B5F2-5CA8DE141AAB}" destId="{F7B89655-6EE4-4505-B2A3-38253E76C0B1}" srcOrd="0" destOrd="0" parTransId="{EA5775F7-F625-4D44-81A0-1E4F73DDFD35}" sibTransId="{FF99C84E-96DB-4F4E-886D-427AFC20CA15}"/>
+    <dgm:cxn modelId="{831B55F6-CBA2-43D7-86A1-86AEACFBF3C2}" type="presOf" srcId="{88DFA098-6764-459A-967B-ABAB6C9F61F0}" destId="{DE6F51A8-9135-4E29-849A-E3BE96149B76}" srcOrd="0" destOrd="0" presId="urn:microsoft.com/office/officeart/2005/8/layout/orgChart1"/>
+    <dgm:cxn modelId="{D50F5BF8-031B-41E9-AAEB-56AEAC05C8A1}" type="presOf" srcId="{88DFA098-6764-459A-967B-ABAB6C9F61F0}" destId="{F640E8EB-985E-4B39-8C30-289959C3A32F}" srcOrd="1" destOrd="0" presId="urn:microsoft.com/office/officeart/2005/8/layout/orgChart1"/>
+    <dgm:cxn modelId="{95098EEB-E246-439A-A459-59AA3C50022E}" type="presParOf" srcId="{0EA68379-2514-4C12-84AD-E7DE364EFC44}" destId="{FFBC1DEF-294B-4D51-980A-37268AFF97A8}" srcOrd="0" destOrd="0" presId="urn:microsoft.com/office/officeart/2005/8/layout/orgChart1"/>
+    <dgm:cxn modelId="{05CCD4FB-82F0-41A3-8C5A-8EEB45E5C051}" type="presParOf" srcId="{FFBC1DEF-294B-4D51-980A-37268AFF97A8}" destId="{E6E6AEFF-BCCC-4C48-9CAD-E5EB32FBFB61}" srcOrd="0" destOrd="0" presId="urn:microsoft.com/office/officeart/2005/8/layout/orgChart1"/>
+    <dgm:cxn modelId="{D04F6941-2BEC-4D5B-BAD5-1B4050EE7487}" type="presParOf" srcId="{E6E6AEFF-BCCC-4C48-9CAD-E5EB32FBFB61}" destId="{DE6F51A8-9135-4E29-849A-E3BE96149B76}" srcOrd="0" destOrd="0" presId="urn:microsoft.com/office/officeart/2005/8/layout/orgChart1"/>
+    <dgm:cxn modelId="{43E3267C-9A79-4B38-948D-2E18EF14E35D}" type="presParOf" srcId="{E6E6AEFF-BCCC-4C48-9CAD-E5EB32FBFB61}" destId="{F640E8EB-985E-4B39-8C30-289959C3A32F}" srcOrd="1" destOrd="0" presId="urn:microsoft.com/office/officeart/2005/8/layout/orgChart1"/>
+    <dgm:cxn modelId="{0A8CDFFA-49A1-47C6-B762-C30FBF9544C4}" type="presParOf" srcId="{FFBC1DEF-294B-4D51-980A-37268AFF97A8}" destId="{416CA25B-D34F-4F23-A6E0-BD57C9DD6AD1}" srcOrd="1" destOrd="0" presId="urn:microsoft.com/office/officeart/2005/8/layout/orgChart1"/>
+    <dgm:cxn modelId="{68216B98-A7C0-4085-8216-D35F5A099FD8}" type="presParOf" srcId="{416CA25B-D34F-4F23-A6E0-BD57C9DD6AD1}" destId="{9E3A2F4F-3524-44A9-80B6-BF755A2175FF}" srcOrd="0" destOrd="0" presId="urn:microsoft.com/office/officeart/2005/8/layout/orgChart1"/>
+    <dgm:cxn modelId="{3253C971-15EF-426A-9DFA-C750A00F4389}" type="presParOf" srcId="{416CA25B-D34F-4F23-A6E0-BD57C9DD6AD1}" destId="{5AC52157-44BE-44DC-8816-A53B53D16C38}" srcOrd="1" destOrd="0" presId="urn:microsoft.com/office/officeart/2005/8/layout/orgChart1"/>
+    <dgm:cxn modelId="{BE92021A-C38F-4D99-B133-7EA5E8579C98}" type="presParOf" srcId="{5AC52157-44BE-44DC-8816-A53B53D16C38}" destId="{946E622A-0931-4290-B592-F7AB4A3FEA55}" srcOrd="0" destOrd="0" presId="urn:microsoft.com/office/officeart/2005/8/layout/orgChart1"/>
+    <dgm:cxn modelId="{2DF950DD-523F-4577-8821-AE4E2903A819}" type="presParOf" srcId="{946E622A-0931-4290-B592-F7AB4A3FEA55}" destId="{FD4B93C7-EC13-4A46-B963-04BF5CA97205}" srcOrd="0" destOrd="0" presId="urn:microsoft.com/office/officeart/2005/8/layout/orgChart1"/>
+    <dgm:cxn modelId="{63869DA0-68BA-479B-852C-0D61493E5BC3}" type="presParOf" srcId="{946E622A-0931-4290-B592-F7AB4A3FEA55}" destId="{B2E06E12-B8FD-45AB-91C1-4C2E24729B45}" srcOrd="1" destOrd="0" presId="urn:microsoft.com/office/officeart/2005/8/layout/orgChart1"/>
+    <dgm:cxn modelId="{9524ABE5-E602-4B4A-9DF0-01C9179A55C3}" type="presParOf" srcId="{5AC52157-44BE-44DC-8816-A53B53D16C38}" destId="{E724D150-EEA3-4CF3-8FB9-3A8518904C04}" srcOrd="1" destOrd="0" presId="urn:microsoft.com/office/officeart/2005/8/layout/orgChart1"/>
+    <dgm:cxn modelId="{FB9468FA-D177-4248-B61B-1E075E63F134}" type="presParOf" srcId="{E724D150-EEA3-4CF3-8FB9-3A8518904C04}" destId="{245DC3A7-78CB-4DE7-BD98-5611BAAC2488}" srcOrd="0" destOrd="0" presId="urn:microsoft.com/office/officeart/2005/8/layout/orgChart1"/>
+    <dgm:cxn modelId="{14F142F7-8E05-4DDD-BB27-2F8938748F35}" type="presParOf" srcId="{E724D150-EEA3-4CF3-8FB9-3A8518904C04}" destId="{53C59C2E-CD37-4215-96CF-8920988CCEB0}" srcOrd="1" destOrd="0" presId="urn:microsoft.com/office/officeart/2005/8/layout/orgChart1"/>
+    <dgm:cxn modelId="{B0CD8D70-0A22-4690-B44A-7F9E27A59B11}" type="presParOf" srcId="{53C59C2E-CD37-4215-96CF-8920988CCEB0}" destId="{19F80665-2194-44D5-B437-CD1870F40870}" srcOrd="0" destOrd="0" presId="urn:microsoft.com/office/officeart/2005/8/layout/orgChart1"/>
+    <dgm:cxn modelId="{223B50F8-6D02-4341-8A48-071D67359D6B}" type="presParOf" srcId="{19F80665-2194-44D5-B437-CD1870F40870}" destId="{715D2F3C-A87E-4A43-83C2-2B72F6C553AC}" srcOrd="0" destOrd="0" presId="urn:microsoft.com/office/officeart/2005/8/layout/orgChart1"/>
+    <dgm:cxn modelId="{98129FD4-8B3D-44BF-A522-550A823E7148}" type="presParOf" srcId="{19F80665-2194-44D5-B437-CD1870F40870}" destId="{6306B753-AEA9-4384-8F31-2B1A779D4211}" srcOrd="1" destOrd="0" presId="urn:microsoft.com/office/officeart/2005/8/layout/orgChart1"/>
+    <dgm:cxn modelId="{8863B5D6-780E-42AD-B3E5-557FB5567E7D}" type="presParOf" srcId="{53C59C2E-CD37-4215-96CF-8920988CCEB0}" destId="{10952B12-C059-4435-89FC-B3053DD76FBD}" srcOrd="1" destOrd="0" presId="urn:microsoft.com/office/officeart/2005/8/layout/orgChart1"/>
+    <dgm:cxn modelId="{451AFC9A-A535-49E5-844E-BF0B0108DCF6}" type="presParOf" srcId="{53C59C2E-CD37-4215-96CF-8920988CCEB0}" destId="{43003811-1CC6-4610-BEA9-A3E9C736AC04}" srcOrd="2" destOrd="0" presId="urn:microsoft.com/office/officeart/2005/8/layout/orgChart1"/>
+    <dgm:cxn modelId="{240A84A0-AA5D-4C55-920C-B616398C6E50}" type="presParOf" srcId="{E724D150-EEA3-4CF3-8FB9-3A8518904C04}" destId="{DC364CA3-0CF2-48CC-B546-1D6173178E5F}" srcOrd="2" destOrd="0" presId="urn:microsoft.com/office/officeart/2005/8/layout/orgChart1"/>
+    <dgm:cxn modelId="{0880CA38-0654-4D60-853D-ED99A24728D5}" type="presParOf" srcId="{E724D150-EEA3-4CF3-8FB9-3A8518904C04}" destId="{5BC5A7B0-D1FE-4E66-B543-872516E41C13}" srcOrd="3" destOrd="0" presId="urn:microsoft.com/office/officeart/2005/8/layout/orgChart1"/>
+    <dgm:cxn modelId="{20741F5C-5169-442A-AB86-B72D78D437B4}" type="presParOf" srcId="{5BC5A7B0-D1FE-4E66-B543-872516E41C13}" destId="{AF7BE64B-3A8B-4BCC-9FC8-35DC7107BDDE}" srcOrd="0" destOrd="0" presId="urn:microsoft.com/office/officeart/2005/8/layout/orgChart1"/>
+    <dgm:cxn modelId="{21A0663B-5E11-41FD-90A3-81E11A72A614}" type="presParOf" srcId="{AF7BE64B-3A8B-4BCC-9FC8-35DC7107BDDE}" destId="{0880BC02-8CB6-4DF6-8EC3-B01DF86A094C}" srcOrd="0" destOrd="0" presId="urn:microsoft.com/office/officeart/2005/8/layout/orgChart1"/>
+    <dgm:cxn modelId="{AA7600B8-B677-4DAE-A463-9A37A97CE2A6}" type="presParOf" srcId="{AF7BE64B-3A8B-4BCC-9FC8-35DC7107BDDE}" destId="{276314F3-B852-4394-86D2-6434C2ED3F9B}" srcOrd="1" destOrd="0" presId="urn:microsoft.com/office/officeart/2005/8/layout/orgChart1"/>
+    <dgm:cxn modelId="{631FBEA2-8CF1-4982-A4A8-3E80DB80E83B}" type="presParOf" srcId="{5BC5A7B0-D1FE-4E66-B543-872516E41C13}" destId="{FBC45526-56A5-4ADF-8404-F179144591BA}" srcOrd="1" destOrd="0" presId="urn:microsoft.com/office/officeart/2005/8/layout/orgChart1"/>
+    <dgm:cxn modelId="{B9063655-DE62-440D-871F-B5061CCF7B1D}" type="presParOf" srcId="{5BC5A7B0-D1FE-4E66-B543-872516E41C13}" destId="{2B3DFA8A-5727-4E2C-8D50-0706A63394C2}" srcOrd="2" destOrd="0" presId="urn:microsoft.com/office/officeart/2005/8/layout/orgChart1"/>
+    <dgm:cxn modelId="{D833EB75-EB0A-4645-A629-F0CE932A533C}" type="presParOf" srcId="{5AC52157-44BE-44DC-8816-A53B53D16C38}" destId="{632578CE-E727-4531-A1C1-E6D6A188ED23}" srcOrd="2" destOrd="0" presId="urn:microsoft.com/office/officeart/2005/8/layout/orgChart1"/>
+    <dgm:cxn modelId="{1164859B-1EC0-4A29-8A13-7928C0D917C2}" type="presParOf" srcId="{416CA25B-D34F-4F23-A6E0-BD57C9DD6AD1}" destId="{A3793662-3C57-40D0-88BE-7AEB02EBF3C5}" srcOrd="2" destOrd="0" presId="urn:microsoft.com/office/officeart/2005/8/layout/orgChart1"/>
+    <dgm:cxn modelId="{48459A54-C3E9-4A4D-B3FF-91B5009B3D41}" type="presParOf" srcId="{416CA25B-D34F-4F23-A6E0-BD57C9DD6AD1}" destId="{EE3E790A-4251-409D-83E6-078BEFD03BEE}" srcOrd="3" destOrd="0" presId="urn:microsoft.com/office/officeart/2005/8/layout/orgChart1"/>
+    <dgm:cxn modelId="{9F96FEE7-EB4F-4832-8F4C-50BF1F5A63FE}" type="presParOf" srcId="{EE3E790A-4251-409D-83E6-078BEFD03BEE}" destId="{4050C609-3739-4CA1-94B7-82F891B19464}" srcOrd="0" destOrd="0" presId="urn:microsoft.com/office/officeart/2005/8/layout/orgChart1"/>
+    <dgm:cxn modelId="{88120C57-4D18-4F65-9ACF-79C7C7201596}" type="presParOf" srcId="{4050C609-3739-4CA1-94B7-82F891B19464}" destId="{F8BB114D-55DB-4274-9791-DFBFC624C6B5}" srcOrd="0" destOrd="0" presId="urn:microsoft.com/office/officeart/2005/8/layout/orgChart1"/>
+    <dgm:cxn modelId="{AD874746-5CB3-4B33-AEC4-4AEEBF6479BE}" type="presParOf" srcId="{4050C609-3739-4CA1-94B7-82F891B19464}" destId="{DF67C21D-37DD-443A-A373-8F7B1AA2F885}" srcOrd="1" destOrd="0" presId="urn:microsoft.com/office/officeart/2005/8/layout/orgChart1"/>
+    <dgm:cxn modelId="{9B99D022-7C99-4C01-BD92-902043A1AE51}" type="presParOf" srcId="{EE3E790A-4251-409D-83E6-078BEFD03BEE}" destId="{A06B53B4-49F8-49B5-A065-3D21359BA353}" srcOrd="1" destOrd="0" presId="urn:microsoft.com/office/officeart/2005/8/layout/orgChart1"/>
+    <dgm:cxn modelId="{8F25F24C-E62D-448F-A9F1-CF77ED9EED09}" type="presParOf" srcId="{A06B53B4-49F8-49B5-A065-3D21359BA353}" destId="{EF187DDC-E873-4EE3-BA98-09677DA03641}" srcOrd="0" destOrd="0" presId="urn:microsoft.com/office/officeart/2005/8/layout/orgChart1"/>
+    <dgm:cxn modelId="{1A0CB7E4-3C30-4338-8FE2-72E298C4C278}" type="presParOf" srcId="{A06B53B4-49F8-49B5-A065-3D21359BA353}" destId="{160D3328-CE42-4935-B0E7-F95C2278529B}" srcOrd="1" destOrd="0" presId="urn:microsoft.com/office/officeart/2005/8/layout/orgChart1"/>
+    <dgm:cxn modelId="{91FECE34-FBB1-4480-8C8A-197E0E737C8A}" type="presParOf" srcId="{160D3328-CE42-4935-B0E7-F95C2278529B}" destId="{EA343698-3BDE-42FC-8E1A-98B946AE63A0}" srcOrd="0" destOrd="0" presId="urn:microsoft.com/office/officeart/2005/8/layout/orgChart1"/>
+    <dgm:cxn modelId="{60610275-179B-4502-9CC1-872EAC904E3F}" type="presParOf" srcId="{EA343698-3BDE-42FC-8E1A-98B946AE63A0}" destId="{29DC30C4-7DE7-455A-9850-9A545CEA9740}" srcOrd="0" destOrd="0" presId="urn:microsoft.com/office/officeart/2005/8/layout/orgChart1"/>
+    <dgm:cxn modelId="{3E0FE176-E7B3-4441-ABBB-4219B6906EC8}" type="presParOf" srcId="{EA343698-3BDE-42FC-8E1A-98B946AE63A0}" destId="{01C296C1-DFAB-4199-8439-D66FD12D22D8}" srcOrd="1" destOrd="0" presId="urn:microsoft.com/office/officeart/2005/8/layout/orgChart1"/>
+    <dgm:cxn modelId="{F411C3CE-8D61-4BFB-92AC-8E2C48126A8D}" type="presParOf" srcId="{160D3328-CE42-4935-B0E7-F95C2278529B}" destId="{2B211C2D-C15F-4089-B3C6-9AACC8C49C42}" srcOrd="1" destOrd="0" presId="urn:microsoft.com/office/officeart/2005/8/layout/orgChart1"/>
+    <dgm:cxn modelId="{D6527730-D677-490A-A897-5E1C2DD7C05C}" type="presParOf" srcId="{160D3328-CE42-4935-B0E7-F95C2278529B}" destId="{93ABB2CC-F300-4055-BC2A-81265D4C1ECE}" srcOrd="2" destOrd="0" presId="urn:microsoft.com/office/officeart/2005/8/layout/orgChart1"/>
+    <dgm:cxn modelId="{1F51BD88-CCDA-41B6-B77C-9872AD7ED95D}" type="presParOf" srcId="{A06B53B4-49F8-49B5-A065-3D21359BA353}" destId="{26968B03-CA5A-4995-B02F-67D476ECE806}" srcOrd="2" destOrd="0" presId="urn:microsoft.com/office/officeart/2005/8/layout/orgChart1"/>
+    <dgm:cxn modelId="{BDF0A709-93D4-48C2-AF3F-FF0A51FABE4E}" type="presParOf" srcId="{A06B53B4-49F8-49B5-A065-3D21359BA353}" destId="{B7EDB426-6F6C-4B9F-BD05-E572FC787927}" srcOrd="3" destOrd="0" presId="urn:microsoft.com/office/officeart/2005/8/layout/orgChart1"/>
+    <dgm:cxn modelId="{E27F4AEC-4B23-46B0-9EE5-E9428DCFFE38}" type="presParOf" srcId="{B7EDB426-6F6C-4B9F-BD05-E572FC787927}" destId="{BE81D879-E800-46A4-9171-2D5AF78064E1}" srcOrd="0" destOrd="0" presId="urn:microsoft.com/office/officeart/2005/8/layout/orgChart1"/>
+    <dgm:cxn modelId="{65399AB3-8D82-47EB-90D5-1763452F4FC6}" type="presParOf" srcId="{BE81D879-E800-46A4-9171-2D5AF78064E1}" destId="{3C51A09C-A7D8-4EC0-A1EB-3B1B00A5DBB6}" srcOrd="0" destOrd="0" presId="urn:microsoft.com/office/officeart/2005/8/layout/orgChart1"/>
+    <dgm:cxn modelId="{F88483D9-8DDB-4343-B30E-CCA7860FB1B1}" type="presParOf" srcId="{BE81D879-E800-46A4-9171-2D5AF78064E1}" destId="{548D39B6-165D-407E-B2C9-B6BFACC1EAB6}" srcOrd="1" destOrd="0" presId="urn:microsoft.com/office/officeart/2005/8/layout/orgChart1"/>
+    <dgm:cxn modelId="{D7F4120E-D3B9-4F04-A4AD-42C079BF14A4}" type="presParOf" srcId="{B7EDB426-6F6C-4B9F-BD05-E572FC787927}" destId="{97436B8C-994F-49C8-8EB0-567FD19FD0AC}" srcOrd="1" destOrd="0" presId="urn:microsoft.com/office/officeart/2005/8/layout/orgChart1"/>
+    <dgm:cxn modelId="{156B7758-788F-4432-B8BA-41B87F3D2281}" type="presParOf" srcId="{B7EDB426-6F6C-4B9F-BD05-E572FC787927}" destId="{28D94D78-59A1-4BAB-B55C-A8136DB14936}" srcOrd="2" destOrd="0" presId="urn:microsoft.com/office/officeart/2005/8/layout/orgChart1"/>
+    <dgm:cxn modelId="{EC136F1C-8BEE-41FC-9C6F-2FA55DFE21F3}" type="presParOf" srcId="{A06B53B4-49F8-49B5-A065-3D21359BA353}" destId="{55114DA4-E97A-4A64-A0C2-A9DE1B9E5B80}" srcOrd="4" destOrd="0" presId="urn:microsoft.com/office/officeart/2005/8/layout/orgChart1"/>
+    <dgm:cxn modelId="{C7FCDB63-B986-4EBE-B999-BE8D9DA66D33}" type="presParOf" srcId="{A06B53B4-49F8-49B5-A065-3D21359BA353}" destId="{84B7F1B5-55F1-4384-AF56-2F5AF5D95BAE}" srcOrd="5" destOrd="0" presId="urn:microsoft.com/office/officeart/2005/8/layout/orgChart1"/>
+    <dgm:cxn modelId="{FEAC3A67-7867-47C1-B8F3-D50E6837BE39}" type="presParOf" srcId="{84B7F1B5-55F1-4384-AF56-2F5AF5D95BAE}" destId="{B3F3E2D5-8643-4581-91AE-174C3E24704D}" srcOrd="0" destOrd="0" presId="urn:microsoft.com/office/officeart/2005/8/layout/orgChart1"/>
+    <dgm:cxn modelId="{E7F895AC-5092-41DF-8C62-2F2CECBF42F9}" type="presParOf" srcId="{B3F3E2D5-8643-4581-91AE-174C3E24704D}" destId="{370C9D23-BAC2-4334-8513-3D1E4FADA9F4}" srcOrd="0" destOrd="0" presId="urn:microsoft.com/office/officeart/2005/8/layout/orgChart1"/>
+    <dgm:cxn modelId="{FC7B1BFD-41DD-4589-85FA-DEC303E62C55}" type="presParOf" srcId="{B3F3E2D5-8643-4581-91AE-174C3E24704D}" destId="{EC2FD1D9-F6F5-41D3-A791-2C71871EED78}" srcOrd="1" destOrd="0" presId="urn:microsoft.com/office/officeart/2005/8/layout/orgChart1"/>
+    <dgm:cxn modelId="{6B89D741-ED04-4784-BF6D-6ED7BCB24CC4}" type="presParOf" srcId="{84B7F1B5-55F1-4384-AF56-2F5AF5D95BAE}" destId="{9865BE17-84E5-493D-901E-771BE9BB1AB5}" srcOrd="1" destOrd="0" presId="urn:microsoft.com/office/officeart/2005/8/layout/orgChart1"/>
+    <dgm:cxn modelId="{5758F3AA-FA1A-4D76-8C22-8EE2CE6EEE04}" type="presParOf" srcId="{84B7F1B5-55F1-4384-AF56-2F5AF5D95BAE}" destId="{BCE6661B-203E-4627-A2C3-A352D5834DE7}" srcOrd="2" destOrd="0" presId="urn:microsoft.com/office/officeart/2005/8/layout/orgChart1"/>
+    <dgm:cxn modelId="{22877CD5-F66F-4F04-871A-4217BBB28DDE}" type="presParOf" srcId="{EE3E790A-4251-409D-83E6-078BEFD03BEE}" destId="{A013A6A4-6154-4C43-82EC-5DF7DA707B34}" srcOrd="2" destOrd="0" presId="urn:microsoft.com/office/officeart/2005/8/layout/orgChart1"/>
+    <dgm:cxn modelId="{AB0F3BAA-B467-4156-B184-8362B597EC1D}" type="presParOf" srcId="{FFBC1DEF-294B-4D51-980A-37268AFF97A8}" destId="{06B20110-BD9D-4993-9C9C-3408726BAE08}" srcOrd="2" destOrd="0" presId="urn:microsoft.com/office/officeart/2005/8/layout/orgChart1"/>
+  </dgm:cxnLst>
+  <dgm:bg/>
+  <dgm:whole/>
+  <dgm:extLst>
+    <a:ext uri="http://schemas.microsoft.com/office/drawing/2008/diagram">
+      <dsp:dataModelExt xmlns:dsp="http://schemas.microsoft.com/office/drawing/2008/diagram" relId="rId6" minVer="http://schemas.openxmlformats.org/drawingml/2006/diagram"/>
+    </a:ext>
+  </dgm:extLst>
+</dgm:dataModel>
+</file>
+
+<file path=ppt/diagrams/data4.xml><?xml version="1.0" encoding="utf-8"?>
 <dgm:dataModel xmlns:dgm="http://schemas.openxmlformats.org/drawingml/2006/diagram" xmlns:a="http://schemas.openxmlformats.org/drawingml/2006/main">
   <dgm:ptLst>
     <dgm:pt modelId="{5DFDF4B2-D24C-4D60-A8E7-C8DE29BF3D38}" type="doc">
@@ -3888,6 +5336,1061 @@
 </file>
 
 <file path=ppt/diagrams/drawing3.xml><?xml version="1.0" encoding="utf-8"?>
+<dsp:drawing xmlns:dgm="http://schemas.openxmlformats.org/drawingml/2006/diagram" xmlns:dsp="http://schemas.microsoft.com/office/drawing/2008/diagram" xmlns:a="http://schemas.openxmlformats.org/drawingml/2006/main">
+  <dsp:spTree>
+    <dsp:nvGrpSpPr>
+      <dsp:cNvPr id="0" name=""/>
+      <dsp:cNvGrpSpPr/>
+    </dsp:nvGrpSpPr>
+    <dsp:grpSpPr/>
+    <dsp:sp modelId="{55114DA4-E97A-4A64-A0C2-A9DE1B9E5B80}">
+      <dsp:nvSpPr>
+        <dsp:cNvPr id="0" name=""/>
+        <dsp:cNvSpPr/>
+      </dsp:nvSpPr>
+      <dsp:spPr>
+        <a:xfrm>
+          <a:off x="5350222" y="1398442"/>
+          <a:ext cx="173291" cy="2171923"/>
+        </a:xfrm>
+        <a:custGeom>
+          <a:avLst/>
+          <a:gdLst/>
+          <a:ahLst/>
+          <a:cxnLst/>
+          <a:rect l="0" t="0" r="0" b="0"/>
+          <a:pathLst>
+            <a:path>
+              <a:moveTo>
+                <a:pt x="0" y="0"/>
+              </a:moveTo>
+              <a:lnTo>
+                <a:pt x="0" y="2171923"/>
+              </a:lnTo>
+              <a:lnTo>
+                <a:pt x="173291" y="2171923"/>
+              </a:lnTo>
+            </a:path>
+          </a:pathLst>
+        </a:custGeom>
+        <a:noFill/>
+        <a:ln w="12700" cap="flat" cmpd="sng" algn="ctr">
+          <a:solidFill>
+            <a:schemeClr val="accent1">
+              <a:shade val="80000"/>
+              <a:hueOff val="0"/>
+              <a:satOff val="0"/>
+              <a:lumOff val="0"/>
+              <a:alphaOff val="0"/>
+            </a:schemeClr>
+          </a:solidFill>
+          <a:prstDash val="solid"/>
+          <a:miter lim="800000"/>
+        </a:ln>
+        <a:effectLst/>
+      </dsp:spPr>
+      <dsp:style>
+        <a:lnRef idx="2">
+          <a:scrgbClr r="0" g="0" b="0"/>
+        </a:lnRef>
+        <a:fillRef idx="0">
+          <a:scrgbClr r="0" g="0" b="0"/>
+        </a:fillRef>
+        <a:effectRef idx="0">
+          <a:scrgbClr r="0" g="0" b="0"/>
+        </a:effectRef>
+        <a:fontRef idx="minor"/>
+      </dsp:style>
+    </dsp:sp>
+    <dsp:sp modelId="{26968B03-CA5A-4995-B02F-67D476ECE806}">
+      <dsp:nvSpPr>
+        <dsp:cNvPr id="0" name=""/>
+        <dsp:cNvSpPr/>
+      </dsp:nvSpPr>
+      <dsp:spPr>
+        <a:xfrm>
+          <a:off x="5350222" y="1398442"/>
+          <a:ext cx="173291" cy="1351675"/>
+        </a:xfrm>
+        <a:custGeom>
+          <a:avLst/>
+          <a:gdLst/>
+          <a:ahLst/>
+          <a:cxnLst/>
+          <a:rect l="0" t="0" r="0" b="0"/>
+          <a:pathLst>
+            <a:path>
+              <a:moveTo>
+                <a:pt x="0" y="0"/>
+              </a:moveTo>
+              <a:lnTo>
+                <a:pt x="0" y="1351675"/>
+              </a:lnTo>
+              <a:lnTo>
+                <a:pt x="173291" y="1351675"/>
+              </a:lnTo>
+            </a:path>
+          </a:pathLst>
+        </a:custGeom>
+        <a:noFill/>
+        <a:ln w="12700" cap="flat" cmpd="sng" algn="ctr">
+          <a:solidFill>
+            <a:schemeClr val="accent1">
+              <a:shade val="80000"/>
+              <a:hueOff val="0"/>
+              <a:satOff val="0"/>
+              <a:lumOff val="0"/>
+              <a:alphaOff val="0"/>
+            </a:schemeClr>
+          </a:solidFill>
+          <a:prstDash val="solid"/>
+          <a:miter lim="800000"/>
+        </a:ln>
+        <a:effectLst/>
+      </dsp:spPr>
+      <dsp:style>
+        <a:lnRef idx="2">
+          <a:scrgbClr r="0" g="0" b="0"/>
+        </a:lnRef>
+        <a:fillRef idx="0">
+          <a:scrgbClr r="0" g="0" b="0"/>
+        </a:fillRef>
+        <a:effectRef idx="0">
+          <a:scrgbClr r="0" g="0" b="0"/>
+        </a:effectRef>
+        <a:fontRef idx="minor"/>
+      </dsp:style>
+    </dsp:sp>
+    <dsp:sp modelId="{EF187DDC-E873-4EE3-BA98-09677DA03641}">
+      <dsp:nvSpPr>
+        <dsp:cNvPr id="0" name=""/>
+        <dsp:cNvSpPr/>
+      </dsp:nvSpPr>
+      <dsp:spPr>
+        <a:xfrm>
+          <a:off x="5350222" y="1398442"/>
+          <a:ext cx="173291" cy="531428"/>
+        </a:xfrm>
+        <a:custGeom>
+          <a:avLst/>
+          <a:gdLst/>
+          <a:ahLst/>
+          <a:cxnLst/>
+          <a:rect l="0" t="0" r="0" b="0"/>
+          <a:pathLst>
+            <a:path>
+              <a:moveTo>
+                <a:pt x="0" y="0"/>
+              </a:moveTo>
+              <a:lnTo>
+                <a:pt x="0" y="531428"/>
+              </a:lnTo>
+              <a:lnTo>
+                <a:pt x="173291" y="531428"/>
+              </a:lnTo>
+            </a:path>
+          </a:pathLst>
+        </a:custGeom>
+        <a:noFill/>
+        <a:ln w="12700" cap="flat" cmpd="sng" algn="ctr">
+          <a:solidFill>
+            <a:schemeClr val="accent1">
+              <a:shade val="80000"/>
+              <a:hueOff val="0"/>
+              <a:satOff val="0"/>
+              <a:lumOff val="0"/>
+              <a:alphaOff val="0"/>
+            </a:schemeClr>
+          </a:solidFill>
+          <a:prstDash val="solid"/>
+          <a:miter lim="800000"/>
+        </a:ln>
+        <a:effectLst/>
+      </dsp:spPr>
+      <dsp:style>
+        <a:lnRef idx="2">
+          <a:scrgbClr r="0" g="0" b="0"/>
+        </a:lnRef>
+        <a:fillRef idx="0">
+          <a:scrgbClr r="0" g="0" b="0"/>
+        </a:fillRef>
+        <a:effectRef idx="0">
+          <a:scrgbClr r="0" g="0" b="0"/>
+        </a:effectRef>
+        <a:fontRef idx="minor"/>
+      </dsp:style>
+    </dsp:sp>
+    <dsp:sp modelId="{A3793662-3C57-40D0-88BE-7AEB02EBF3C5}">
+      <dsp:nvSpPr>
+        <dsp:cNvPr id="0" name=""/>
+        <dsp:cNvSpPr/>
+      </dsp:nvSpPr>
+      <dsp:spPr>
+        <a:xfrm>
+          <a:off x="5113390" y="578195"/>
+          <a:ext cx="698943" cy="242608"/>
+        </a:xfrm>
+        <a:custGeom>
+          <a:avLst/>
+          <a:gdLst/>
+          <a:ahLst/>
+          <a:cxnLst/>
+          <a:rect l="0" t="0" r="0" b="0"/>
+          <a:pathLst>
+            <a:path>
+              <a:moveTo>
+                <a:pt x="0" y="0"/>
+              </a:moveTo>
+              <a:lnTo>
+                <a:pt x="0" y="121304"/>
+              </a:lnTo>
+              <a:lnTo>
+                <a:pt x="698943" y="121304"/>
+              </a:lnTo>
+              <a:lnTo>
+                <a:pt x="698943" y="242608"/>
+              </a:lnTo>
+            </a:path>
+          </a:pathLst>
+        </a:custGeom>
+        <a:noFill/>
+        <a:ln w="12700" cap="flat" cmpd="sng" algn="ctr">
+          <a:solidFill>
+            <a:schemeClr val="accent1">
+              <a:shade val="60000"/>
+              <a:hueOff val="0"/>
+              <a:satOff val="0"/>
+              <a:lumOff val="0"/>
+              <a:alphaOff val="0"/>
+            </a:schemeClr>
+          </a:solidFill>
+          <a:prstDash val="solid"/>
+          <a:miter lim="800000"/>
+        </a:ln>
+        <a:effectLst/>
+      </dsp:spPr>
+      <dsp:style>
+        <a:lnRef idx="2">
+          <a:scrgbClr r="0" g="0" b="0"/>
+        </a:lnRef>
+        <a:fillRef idx="0">
+          <a:scrgbClr r="0" g="0" b="0"/>
+        </a:fillRef>
+        <a:effectRef idx="0">
+          <a:scrgbClr r="0" g="0" b="0"/>
+        </a:effectRef>
+        <a:fontRef idx="minor"/>
+      </dsp:style>
+    </dsp:sp>
+    <dsp:sp modelId="{DC364CA3-0CF2-48CC-B546-1D6173178E5F}">
+      <dsp:nvSpPr>
+        <dsp:cNvPr id="0" name=""/>
+        <dsp:cNvSpPr/>
+      </dsp:nvSpPr>
+      <dsp:spPr>
+        <a:xfrm>
+          <a:off x="3952335" y="1398442"/>
+          <a:ext cx="173291" cy="1351675"/>
+        </a:xfrm>
+        <a:custGeom>
+          <a:avLst/>
+          <a:gdLst/>
+          <a:ahLst/>
+          <a:cxnLst/>
+          <a:rect l="0" t="0" r="0" b="0"/>
+          <a:pathLst>
+            <a:path>
+              <a:moveTo>
+                <a:pt x="0" y="0"/>
+              </a:moveTo>
+              <a:lnTo>
+                <a:pt x="0" y="1351675"/>
+              </a:lnTo>
+              <a:lnTo>
+                <a:pt x="173291" y="1351675"/>
+              </a:lnTo>
+            </a:path>
+          </a:pathLst>
+        </a:custGeom>
+        <a:noFill/>
+        <a:ln w="12700" cap="flat" cmpd="sng" algn="ctr">
+          <a:solidFill>
+            <a:schemeClr val="accent1">
+              <a:shade val="80000"/>
+              <a:hueOff val="0"/>
+              <a:satOff val="0"/>
+              <a:lumOff val="0"/>
+              <a:alphaOff val="0"/>
+            </a:schemeClr>
+          </a:solidFill>
+          <a:prstDash val="solid"/>
+          <a:miter lim="800000"/>
+        </a:ln>
+        <a:effectLst/>
+      </dsp:spPr>
+      <dsp:style>
+        <a:lnRef idx="2">
+          <a:scrgbClr r="0" g="0" b="0"/>
+        </a:lnRef>
+        <a:fillRef idx="0">
+          <a:scrgbClr r="0" g="0" b="0"/>
+        </a:fillRef>
+        <a:effectRef idx="0">
+          <a:scrgbClr r="0" g="0" b="0"/>
+        </a:effectRef>
+        <a:fontRef idx="minor"/>
+      </dsp:style>
+    </dsp:sp>
+    <dsp:sp modelId="{245DC3A7-78CB-4DE7-BD98-5611BAAC2488}">
+      <dsp:nvSpPr>
+        <dsp:cNvPr id="0" name=""/>
+        <dsp:cNvSpPr/>
+      </dsp:nvSpPr>
+      <dsp:spPr>
+        <a:xfrm>
+          <a:off x="3952335" y="1398442"/>
+          <a:ext cx="173291" cy="531428"/>
+        </a:xfrm>
+        <a:custGeom>
+          <a:avLst/>
+          <a:gdLst/>
+          <a:ahLst/>
+          <a:cxnLst/>
+          <a:rect l="0" t="0" r="0" b="0"/>
+          <a:pathLst>
+            <a:path>
+              <a:moveTo>
+                <a:pt x="0" y="0"/>
+              </a:moveTo>
+              <a:lnTo>
+                <a:pt x="0" y="531428"/>
+              </a:lnTo>
+              <a:lnTo>
+                <a:pt x="173291" y="531428"/>
+              </a:lnTo>
+            </a:path>
+          </a:pathLst>
+        </a:custGeom>
+        <a:noFill/>
+        <a:ln w="12700" cap="flat" cmpd="sng" algn="ctr">
+          <a:solidFill>
+            <a:schemeClr val="accent1">
+              <a:shade val="80000"/>
+              <a:hueOff val="0"/>
+              <a:satOff val="0"/>
+              <a:lumOff val="0"/>
+              <a:alphaOff val="0"/>
+            </a:schemeClr>
+          </a:solidFill>
+          <a:prstDash val="solid"/>
+          <a:miter lim="800000"/>
+        </a:ln>
+        <a:effectLst/>
+      </dsp:spPr>
+      <dsp:style>
+        <a:lnRef idx="2">
+          <a:scrgbClr r="0" g="0" b="0"/>
+        </a:lnRef>
+        <a:fillRef idx="0">
+          <a:scrgbClr r="0" g="0" b="0"/>
+        </a:fillRef>
+        <a:effectRef idx="0">
+          <a:scrgbClr r="0" g="0" b="0"/>
+        </a:effectRef>
+        <a:fontRef idx="minor"/>
+      </dsp:style>
+    </dsp:sp>
+    <dsp:sp modelId="{9E3A2F4F-3524-44A9-80B6-BF755A2175FF}">
+      <dsp:nvSpPr>
+        <dsp:cNvPr id="0" name=""/>
+        <dsp:cNvSpPr/>
+      </dsp:nvSpPr>
+      <dsp:spPr>
+        <a:xfrm>
+          <a:off x="4414446" y="578195"/>
+          <a:ext cx="698943" cy="242608"/>
+        </a:xfrm>
+        <a:custGeom>
+          <a:avLst/>
+          <a:gdLst/>
+          <a:ahLst/>
+          <a:cxnLst/>
+          <a:rect l="0" t="0" r="0" b="0"/>
+          <a:pathLst>
+            <a:path>
+              <a:moveTo>
+                <a:pt x="698943" y="0"/>
+              </a:moveTo>
+              <a:lnTo>
+                <a:pt x="698943" y="121304"/>
+              </a:lnTo>
+              <a:lnTo>
+                <a:pt x="0" y="121304"/>
+              </a:lnTo>
+              <a:lnTo>
+                <a:pt x="0" y="242608"/>
+              </a:lnTo>
+            </a:path>
+          </a:pathLst>
+        </a:custGeom>
+        <a:noFill/>
+        <a:ln w="12700" cap="flat" cmpd="sng" algn="ctr">
+          <a:solidFill>
+            <a:schemeClr val="accent1">
+              <a:shade val="60000"/>
+              <a:hueOff val="0"/>
+              <a:satOff val="0"/>
+              <a:lumOff val="0"/>
+              <a:alphaOff val="0"/>
+            </a:schemeClr>
+          </a:solidFill>
+          <a:prstDash val="solid"/>
+          <a:miter lim="800000"/>
+        </a:ln>
+        <a:effectLst/>
+      </dsp:spPr>
+      <dsp:style>
+        <a:lnRef idx="2">
+          <a:scrgbClr r="0" g="0" b="0"/>
+        </a:lnRef>
+        <a:fillRef idx="0">
+          <a:scrgbClr r="0" g="0" b="0"/>
+        </a:fillRef>
+        <a:effectRef idx="0">
+          <a:scrgbClr r="0" g="0" b="0"/>
+        </a:effectRef>
+        <a:fontRef idx="minor"/>
+      </dsp:style>
+    </dsp:sp>
+    <dsp:sp modelId="{DE6F51A8-9135-4E29-849A-E3BE96149B76}">
+      <dsp:nvSpPr>
+        <dsp:cNvPr id="0" name=""/>
+        <dsp:cNvSpPr/>
+      </dsp:nvSpPr>
+      <dsp:spPr>
+        <a:xfrm>
+          <a:off x="4535751" y="556"/>
+          <a:ext cx="1155278" cy="577639"/>
+        </a:xfrm>
+        <a:prstGeom prst="rect">
+          <a:avLst/>
+        </a:prstGeom>
+        <a:solidFill>
+          <a:schemeClr val="accent1">
+            <a:hueOff val="0"/>
+            <a:satOff val="0"/>
+            <a:lumOff val="0"/>
+            <a:alphaOff val="0"/>
+          </a:schemeClr>
+        </a:solidFill>
+        <a:ln w="12700" cap="flat" cmpd="sng" algn="ctr">
+          <a:solidFill>
+            <a:schemeClr val="lt1">
+              <a:hueOff val="0"/>
+              <a:satOff val="0"/>
+              <a:lumOff val="0"/>
+              <a:alphaOff val="0"/>
+            </a:schemeClr>
+          </a:solidFill>
+          <a:prstDash val="solid"/>
+          <a:miter lim="800000"/>
+        </a:ln>
+        <a:effectLst/>
+      </dsp:spPr>
+      <dsp:style>
+        <a:lnRef idx="2">
+          <a:scrgbClr r="0" g="0" b="0"/>
+        </a:lnRef>
+        <a:fillRef idx="1">
+          <a:scrgbClr r="0" g="0" b="0"/>
+        </a:fillRef>
+        <a:effectRef idx="0">
+          <a:scrgbClr r="0" g="0" b="0"/>
+        </a:effectRef>
+        <a:fontRef idx="minor">
+          <a:schemeClr val="lt1"/>
+        </a:fontRef>
+      </dsp:style>
+      <dsp:txBody>
+        <a:bodyPr spcFirstLastPara="0" vert="horz" wrap="square" lIns="7620" tIns="7620" rIns="7620" bIns="7620" numCol="1" spcCol="1270" anchor="ctr" anchorCtr="0">
+          <a:noAutofit/>
+        </a:bodyPr>
+        <a:lstStyle/>
+        <a:p>
+          <a:pPr marL="0" lvl="0" indent="0" algn="ctr" defTabSz="533400">
+            <a:lnSpc>
+              <a:spcPct val="90000"/>
+            </a:lnSpc>
+            <a:spcBef>
+              <a:spcPct val="0"/>
+            </a:spcBef>
+            <a:spcAft>
+              <a:spcPct val="35000"/>
+            </a:spcAft>
+            <a:buNone/>
+          </a:pPr>
+          <a:r>
+            <a:rPr lang="en-US" sz="1200" kern="1200"/>
+            <a:t>Main </a:t>
+          </a:r>
+        </a:p>
+      </dsp:txBody>
+      <dsp:txXfrm>
+        <a:off x="4535751" y="556"/>
+        <a:ext cx="1155278" cy="577639"/>
+      </dsp:txXfrm>
+    </dsp:sp>
+    <dsp:sp modelId="{FD4B93C7-EC13-4A46-B963-04BF5CA97205}">
+      <dsp:nvSpPr>
+        <dsp:cNvPr id="0" name=""/>
+        <dsp:cNvSpPr/>
+      </dsp:nvSpPr>
+      <dsp:spPr>
+        <a:xfrm>
+          <a:off x="3836807" y="820803"/>
+          <a:ext cx="1155278" cy="577639"/>
+        </a:xfrm>
+        <a:prstGeom prst="rect">
+          <a:avLst/>
+        </a:prstGeom>
+        <a:solidFill>
+          <a:schemeClr val="accent1">
+            <a:hueOff val="0"/>
+            <a:satOff val="0"/>
+            <a:lumOff val="0"/>
+            <a:alphaOff val="0"/>
+          </a:schemeClr>
+        </a:solidFill>
+        <a:ln w="12700" cap="flat" cmpd="sng" algn="ctr">
+          <a:solidFill>
+            <a:schemeClr val="lt1">
+              <a:hueOff val="0"/>
+              <a:satOff val="0"/>
+              <a:lumOff val="0"/>
+              <a:alphaOff val="0"/>
+            </a:schemeClr>
+          </a:solidFill>
+          <a:prstDash val="solid"/>
+          <a:miter lim="800000"/>
+        </a:ln>
+        <a:effectLst/>
+      </dsp:spPr>
+      <dsp:style>
+        <a:lnRef idx="2">
+          <a:scrgbClr r="0" g="0" b="0"/>
+        </a:lnRef>
+        <a:fillRef idx="1">
+          <a:scrgbClr r="0" g="0" b="0"/>
+        </a:fillRef>
+        <a:effectRef idx="0">
+          <a:scrgbClr r="0" g="0" b="0"/>
+        </a:effectRef>
+        <a:fontRef idx="minor">
+          <a:schemeClr val="lt1"/>
+        </a:fontRef>
+      </dsp:style>
+      <dsp:txBody>
+        <a:bodyPr spcFirstLastPara="0" vert="horz" wrap="square" lIns="7620" tIns="7620" rIns="7620" bIns="7620" numCol="1" spcCol="1270" anchor="ctr" anchorCtr="0">
+          <a:noAutofit/>
+        </a:bodyPr>
+        <a:lstStyle/>
+        <a:p>
+          <a:pPr marL="0" lvl="0" indent="0" algn="ctr" defTabSz="533400">
+            <a:lnSpc>
+              <a:spcPct val="90000"/>
+            </a:lnSpc>
+            <a:spcBef>
+              <a:spcPct val="0"/>
+            </a:spcBef>
+            <a:spcAft>
+              <a:spcPct val="35000"/>
+            </a:spcAft>
+            <a:buNone/>
+          </a:pPr>
+          <a:r>
+            <a:rPr lang="en-US" sz="1200" kern="1200"/>
+            <a:t>HTU</a:t>
+          </a:r>
+        </a:p>
+      </dsp:txBody>
+      <dsp:txXfrm>
+        <a:off x="3836807" y="820803"/>
+        <a:ext cx="1155278" cy="577639"/>
+      </dsp:txXfrm>
+    </dsp:sp>
+    <dsp:sp modelId="{715D2F3C-A87E-4A43-83C2-2B72F6C553AC}">
+      <dsp:nvSpPr>
+        <dsp:cNvPr id="0" name=""/>
+        <dsp:cNvSpPr/>
+      </dsp:nvSpPr>
+      <dsp:spPr>
+        <a:xfrm>
+          <a:off x="4125627" y="1641051"/>
+          <a:ext cx="1155278" cy="577639"/>
+        </a:xfrm>
+        <a:prstGeom prst="rect">
+          <a:avLst/>
+        </a:prstGeom>
+        <a:solidFill>
+          <a:schemeClr val="accent1">
+            <a:hueOff val="0"/>
+            <a:satOff val="0"/>
+            <a:lumOff val="0"/>
+            <a:alphaOff val="0"/>
+          </a:schemeClr>
+        </a:solidFill>
+        <a:ln w="12700" cap="flat" cmpd="sng" algn="ctr">
+          <a:solidFill>
+            <a:schemeClr val="lt1">
+              <a:hueOff val="0"/>
+              <a:satOff val="0"/>
+              <a:lumOff val="0"/>
+              <a:alphaOff val="0"/>
+            </a:schemeClr>
+          </a:solidFill>
+          <a:prstDash val="solid"/>
+          <a:miter lim="800000"/>
+        </a:ln>
+        <a:effectLst/>
+      </dsp:spPr>
+      <dsp:style>
+        <a:lnRef idx="2">
+          <a:scrgbClr r="0" g="0" b="0"/>
+        </a:lnRef>
+        <a:fillRef idx="1">
+          <a:scrgbClr r="0" g="0" b="0"/>
+        </a:fillRef>
+        <a:effectRef idx="0">
+          <a:scrgbClr r="0" g="0" b="0"/>
+        </a:effectRef>
+        <a:fontRef idx="minor">
+          <a:schemeClr val="lt1"/>
+        </a:fontRef>
+      </dsp:style>
+      <dsp:txBody>
+        <a:bodyPr spcFirstLastPara="0" vert="horz" wrap="square" lIns="7620" tIns="7620" rIns="7620" bIns="7620" numCol="1" spcCol="1270" anchor="ctr" anchorCtr="0">
+          <a:noAutofit/>
+        </a:bodyPr>
+        <a:lstStyle/>
+        <a:p>
+          <a:pPr marL="0" lvl="0" indent="0" algn="ctr" defTabSz="533400">
+            <a:lnSpc>
+              <a:spcPct val="90000"/>
+            </a:lnSpc>
+            <a:spcBef>
+              <a:spcPct val="0"/>
+            </a:spcBef>
+            <a:spcAft>
+              <a:spcPct val="35000"/>
+            </a:spcAft>
+            <a:buNone/>
+          </a:pPr>
+          <a:r>
+            <a:rPr lang="en-US" sz="1200" kern="1200"/>
+            <a:t>Presedint’s message</a:t>
+          </a:r>
+        </a:p>
+      </dsp:txBody>
+      <dsp:txXfrm>
+        <a:off x="4125627" y="1641051"/>
+        <a:ext cx="1155278" cy="577639"/>
+      </dsp:txXfrm>
+    </dsp:sp>
+    <dsp:sp modelId="{0880BC02-8CB6-4DF6-8EC3-B01DF86A094C}">
+      <dsp:nvSpPr>
+        <dsp:cNvPr id="0" name=""/>
+        <dsp:cNvSpPr/>
+      </dsp:nvSpPr>
+      <dsp:spPr>
+        <a:xfrm>
+          <a:off x="4125627" y="2461299"/>
+          <a:ext cx="1155278" cy="577639"/>
+        </a:xfrm>
+        <a:prstGeom prst="rect">
+          <a:avLst/>
+        </a:prstGeom>
+        <a:solidFill>
+          <a:schemeClr val="accent1">
+            <a:hueOff val="0"/>
+            <a:satOff val="0"/>
+            <a:lumOff val="0"/>
+            <a:alphaOff val="0"/>
+          </a:schemeClr>
+        </a:solidFill>
+        <a:ln w="12700" cap="flat" cmpd="sng" algn="ctr">
+          <a:solidFill>
+            <a:schemeClr val="lt1">
+              <a:hueOff val="0"/>
+              <a:satOff val="0"/>
+              <a:lumOff val="0"/>
+              <a:alphaOff val="0"/>
+            </a:schemeClr>
+          </a:solidFill>
+          <a:prstDash val="solid"/>
+          <a:miter lim="800000"/>
+        </a:ln>
+        <a:effectLst/>
+      </dsp:spPr>
+      <dsp:style>
+        <a:lnRef idx="2">
+          <a:scrgbClr r="0" g="0" b="0"/>
+        </a:lnRef>
+        <a:fillRef idx="1">
+          <a:scrgbClr r="0" g="0" b="0"/>
+        </a:fillRef>
+        <a:effectRef idx="0">
+          <a:scrgbClr r="0" g="0" b="0"/>
+        </a:effectRef>
+        <a:fontRef idx="minor">
+          <a:schemeClr val="lt1"/>
+        </a:fontRef>
+      </dsp:style>
+      <dsp:txBody>
+        <a:bodyPr spcFirstLastPara="0" vert="horz" wrap="square" lIns="7620" tIns="7620" rIns="7620" bIns="7620" numCol="1" spcCol="1270" anchor="ctr" anchorCtr="0">
+          <a:noAutofit/>
+        </a:bodyPr>
+        <a:lstStyle/>
+        <a:p>
+          <a:pPr marL="0" lvl="0" indent="0" algn="ctr" defTabSz="533400">
+            <a:lnSpc>
+              <a:spcPct val="90000"/>
+            </a:lnSpc>
+            <a:spcBef>
+              <a:spcPct val="0"/>
+            </a:spcBef>
+            <a:spcAft>
+              <a:spcPct val="35000"/>
+            </a:spcAft>
+            <a:buNone/>
+          </a:pPr>
+          <a:r>
+            <a:rPr lang="en-US" sz="1200" kern="1200"/>
+            <a:t>About</a:t>
+          </a:r>
+        </a:p>
+      </dsp:txBody>
+      <dsp:txXfrm>
+        <a:off x="4125627" y="2461299"/>
+        <a:ext cx="1155278" cy="577639"/>
+      </dsp:txXfrm>
+    </dsp:sp>
+    <dsp:sp modelId="{F8BB114D-55DB-4274-9791-DFBFC624C6B5}">
+      <dsp:nvSpPr>
+        <dsp:cNvPr id="0" name=""/>
+        <dsp:cNvSpPr/>
+      </dsp:nvSpPr>
+      <dsp:spPr>
+        <a:xfrm>
+          <a:off x="5234694" y="820803"/>
+          <a:ext cx="1155278" cy="577639"/>
+        </a:xfrm>
+        <a:prstGeom prst="rect">
+          <a:avLst/>
+        </a:prstGeom>
+        <a:solidFill>
+          <a:schemeClr val="accent1">
+            <a:hueOff val="0"/>
+            <a:satOff val="0"/>
+            <a:lumOff val="0"/>
+            <a:alphaOff val="0"/>
+          </a:schemeClr>
+        </a:solidFill>
+        <a:ln w="12700" cap="flat" cmpd="sng" algn="ctr">
+          <a:solidFill>
+            <a:schemeClr val="lt1">
+              <a:hueOff val="0"/>
+              <a:satOff val="0"/>
+              <a:lumOff val="0"/>
+              <a:alphaOff val="0"/>
+            </a:schemeClr>
+          </a:solidFill>
+          <a:prstDash val="solid"/>
+          <a:miter lim="800000"/>
+        </a:ln>
+        <a:effectLst/>
+      </dsp:spPr>
+      <dsp:style>
+        <a:lnRef idx="2">
+          <a:scrgbClr r="0" g="0" b="0"/>
+        </a:lnRef>
+        <a:fillRef idx="1">
+          <a:scrgbClr r="0" g="0" b="0"/>
+        </a:fillRef>
+        <a:effectRef idx="0">
+          <a:scrgbClr r="0" g="0" b="0"/>
+        </a:effectRef>
+        <a:fontRef idx="minor">
+          <a:schemeClr val="lt1"/>
+        </a:fontRef>
+      </dsp:style>
+      <dsp:txBody>
+        <a:bodyPr spcFirstLastPara="0" vert="horz" wrap="square" lIns="7620" tIns="7620" rIns="7620" bIns="7620" numCol="1" spcCol="1270" anchor="ctr" anchorCtr="0">
+          <a:noAutofit/>
+        </a:bodyPr>
+        <a:lstStyle/>
+        <a:p>
+          <a:pPr marL="0" lvl="0" indent="0" algn="ctr" defTabSz="533400">
+            <a:lnSpc>
+              <a:spcPct val="90000"/>
+            </a:lnSpc>
+            <a:spcBef>
+              <a:spcPct val="0"/>
+            </a:spcBef>
+            <a:spcAft>
+              <a:spcPct val="35000"/>
+            </a:spcAft>
+            <a:buNone/>
+          </a:pPr>
+          <a:r>
+            <a:rPr lang="en-US" sz="1200" kern="1200"/>
+            <a:t>School of computing and Informatics</a:t>
+          </a:r>
+        </a:p>
+      </dsp:txBody>
+      <dsp:txXfrm>
+        <a:off x="5234694" y="820803"/>
+        <a:ext cx="1155278" cy="577639"/>
+      </dsp:txXfrm>
+    </dsp:sp>
+    <dsp:sp modelId="{29DC30C4-7DE7-455A-9850-9A545CEA9740}">
+      <dsp:nvSpPr>
+        <dsp:cNvPr id="0" name=""/>
+        <dsp:cNvSpPr/>
+      </dsp:nvSpPr>
+      <dsp:spPr>
+        <a:xfrm>
+          <a:off x="5523514" y="1641051"/>
+          <a:ext cx="1155278" cy="577639"/>
+        </a:xfrm>
+        <a:prstGeom prst="rect">
+          <a:avLst/>
+        </a:prstGeom>
+        <a:solidFill>
+          <a:schemeClr val="accent1">
+            <a:hueOff val="0"/>
+            <a:satOff val="0"/>
+            <a:lumOff val="0"/>
+            <a:alphaOff val="0"/>
+          </a:schemeClr>
+        </a:solidFill>
+        <a:ln w="12700" cap="flat" cmpd="sng" algn="ctr">
+          <a:solidFill>
+            <a:schemeClr val="lt1">
+              <a:hueOff val="0"/>
+              <a:satOff val="0"/>
+              <a:lumOff val="0"/>
+              <a:alphaOff val="0"/>
+            </a:schemeClr>
+          </a:solidFill>
+          <a:prstDash val="solid"/>
+          <a:miter lim="800000"/>
+        </a:ln>
+        <a:effectLst/>
+      </dsp:spPr>
+      <dsp:style>
+        <a:lnRef idx="2">
+          <a:scrgbClr r="0" g="0" b="0"/>
+        </a:lnRef>
+        <a:fillRef idx="1">
+          <a:scrgbClr r="0" g="0" b="0"/>
+        </a:fillRef>
+        <a:effectRef idx="0">
+          <a:scrgbClr r="0" g="0" b="0"/>
+        </a:effectRef>
+        <a:fontRef idx="minor">
+          <a:schemeClr val="lt1"/>
+        </a:fontRef>
+      </dsp:style>
+      <dsp:txBody>
+        <a:bodyPr spcFirstLastPara="0" vert="horz" wrap="square" lIns="7620" tIns="7620" rIns="7620" bIns="7620" numCol="1" spcCol="1270" anchor="ctr" anchorCtr="0">
+          <a:noAutofit/>
+        </a:bodyPr>
+        <a:lstStyle/>
+        <a:p>
+          <a:pPr marL="0" lvl="0" indent="0" algn="ctr" defTabSz="533400">
+            <a:lnSpc>
+              <a:spcPct val="90000"/>
+            </a:lnSpc>
+            <a:spcBef>
+              <a:spcPct val="0"/>
+            </a:spcBef>
+            <a:spcAft>
+              <a:spcPct val="35000"/>
+            </a:spcAft>
+            <a:buNone/>
+          </a:pPr>
+          <a:r>
+            <a:rPr lang="en-US" sz="1200" kern="1200"/>
+            <a:t>Computer Science</a:t>
+          </a:r>
+        </a:p>
+      </dsp:txBody>
+      <dsp:txXfrm>
+        <a:off x="5523514" y="1641051"/>
+        <a:ext cx="1155278" cy="577639"/>
+      </dsp:txXfrm>
+    </dsp:sp>
+    <dsp:sp modelId="{3C51A09C-A7D8-4EC0-A1EB-3B1B00A5DBB6}">
+      <dsp:nvSpPr>
+        <dsp:cNvPr id="0" name=""/>
+        <dsp:cNvSpPr/>
+      </dsp:nvSpPr>
+      <dsp:spPr>
+        <a:xfrm>
+          <a:off x="5523514" y="2461299"/>
+          <a:ext cx="1155278" cy="577639"/>
+        </a:xfrm>
+        <a:prstGeom prst="rect">
+          <a:avLst/>
+        </a:prstGeom>
+        <a:solidFill>
+          <a:schemeClr val="accent1">
+            <a:hueOff val="0"/>
+            <a:satOff val="0"/>
+            <a:lumOff val="0"/>
+            <a:alphaOff val="0"/>
+          </a:schemeClr>
+        </a:solidFill>
+        <a:ln w="12700" cap="flat" cmpd="sng" algn="ctr">
+          <a:solidFill>
+            <a:schemeClr val="lt1">
+              <a:hueOff val="0"/>
+              <a:satOff val="0"/>
+              <a:lumOff val="0"/>
+              <a:alphaOff val="0"/>
+            </a:schemeClr>
+          </a:solidFill>
+          <a:prstDash val="solid"/>
+          <a:miter lim="800000"/>
+        </a:ln>
+        <a:effectLst/>
+      </dsp:spPr>
+      <dsp:style>
+        <a:lnRef idx="2">
+          <a:scrgbClr r="0" g="0" b="0"/>
+        </a:lnRef>
+        <a:fillRef idx="1">
+          <a:scrgbClr r="0" g="0" b="0"/>
+        </a:fillRef>
+        <a:effectRef idx="0">
+          <a:scrgbClr r="0" g="0" b="0"/>
+        </a:effectRef>
+        <a:fontRef idx="minor">
+          <a:schemeClr val="lt1"/>
+        </a:fontRef>
+      </dsp:style>
+      <dsp:txBody>
+        <a:bodyPr spcFirstLastPara="0" vert="horz" wrap="square" lIns="7620" tIns="7620" rIns="7620" bIns="7620" numCol="1" spcCol="1270" anchor="ctr" anchorCtr="0">
+          <a:noAutofit/>
+        </a:bodyPr>
+        <a:lstStyle/>
+        <a:p>
+          <a:pPr marL="0" lvl="0" indent="0" algn="ctr" defTabSz="533400">
+            <a:lnSpc>
+              <a:spcPct val="90000"/>
+            </a:lnSpc>
+            <a:spcBef>
+              <a:spcPct val="0"/>
+            </a:spcBef>
+            <a:spcAft>
+              <a:spcPct val="35000"/>
+            </a:spcAft>
+            <a:buNone/>
+          </a:pPr>
+          <a:r>
+            <a:rPr lang="en-US" sz="1200" kern="1200"/>
+            <a:t>Data Science</a:t>
+          </a:r>
+        </a:p>
+      </dsp:txBody>
+      <dsp:txXfrm>
+        <a:off x="5523514" y="2461299"/>
+        <a:ext cx="1155278" cy="577639"/>
+      </dsp:txXfrm>
+    </dsp:sp>
+    <dsp:sp modelId="{370C9D23-BAC2-4334-8513-3D1E4FADA9F4}">
+      <dsp:nvSpPr>
+        <dsp:cNvPr id="0" name=""/>
+        <dsp:cNvSpPr/>
+      </dsp:nvSpPr>
+      <dsp:spPr>
+        <a:xfrm>
+          <a:off x="5523514" y="3281546"/>
+          <a:ext cx="1155278" cy="577639"/>
+        </a:xfrm>
+        <a:prstGeom prst="rect">
+          <a:avLst/>
+        </a:prstGeom>
+        <a:solidFill>
+          <a:schemeClr val="accent1">
+            <a:hueOff val="0"/>
+            <a:satOff val="0"/>
+            <a:lumOff val="0"/>
+            <a:alphaOff val="0"/>
+          </a:schemeClr>
+        </a:solidFill>
+        <a:ln w="12700" cap="flat" cmpd="sng" algn="ctr">
+          <a:solidFill>
+            <a:schemeClr val="lt1">
+              <a:hueOff val="0"/>
+              <a:satOff val="0"/>
+              <a:lumOff val="0"/>
+              <a:alphaOff val="0"/>
+            </a:schemeClr>
+          </a:solidFill>
+          <a:prstDash val="solid"/>
+          <a:miter lim="800000"/>
+        </a:ln>
+        <a:effectLst/>
+      </dsp:spPr>
+      <dsp:style>
+        <a:lnRef idx="2">
+          <a:scrgbClr r="0" g="0" b="0"/>
+        </a:lnRef>
+        <a:fillRef idx="1">
+          <a:scrgbClr r="0" g="0" b="0"/>
+        </a:fillRef>
+        <a:effectRef idx="0">
+          <a:scrgbClr r="0" g="0" b="0"/>
+        </a:effectRef>
+        <a:fontRef idx="minor">
+          <a:schemeClr val="lt1"/>
+        </a:fontRef>
+      </dsp:style>
+      <dsp:txBody>
+        <a:bodyPr spcFirstLastPara="0" vert="horz" wrap="square" lIns="7620" tIns="7620" rIns="7620" bIns="7620" numCol="1" spcCol="1270" anchor="ctr" anchorCtr="0">
+          <a:noAutofit/>
+        </a:bodyPr>
+        <a:lstStyle/>
+        <a:p>
+          <a:pPr marL="0" lvl="0" indent="0" algn="ctr" defTabSz="533400">
+            <a:lnSpc>
+              <a:spcPct val="90000"/>
+            </a:lnSpc>
+            <a:spcBef>
+              <a:spcPct val="0"/>
+            </a:spcBef>
+            <a:spcAft>
+              <a:spcPct val="35000"/>
+            </a:spcAft>
+            <a:buNone/>
+          </a:pPr>
+          <a:r>
+            <a:rPr lang="en-US" sz="1200" kern="1200"/>
+            <a:t>Cybersecurity</a:t>
+          </a:r>
+        </a:p>
+      </dsp:txBody>
+      <dsp:txXfrm>
+        <a:off x="5523514" y="3281546"/>
+        <a:ext cx="1155278" cy="577639"/>
+      </dsp:txXfrm>
+    </dsp:sp>
+  </dsp:spTree>
+</dsp:drawing>
+</file>
+
+<file path=ppt/diagrams/drawing4.xml><?xml version="1.0" encoding="utf-8"?>
 <dsp:drawing xmlns:dgm="http://schemas.openxmlformats.org/drawingml/2006/diagram" xmlns:dsp="http://schemas.microsoft.com/office/drawing/2008/diagram" xmlns:a="http://schemas.openxmlformats.org/drawingml/2006/main">
   <dsp:spTree>
     <dsp:nvGrpSpPr>
@@ -4883,6 +7386,1152 @@
 </file>
 
 <file path=ppt/diagrams/layout3.xml><?xml version="1.0" encoding="utf-8"?>
+<dgm:layoutDef xmlns:dgm="http://schemas.openxmlformats.org/drawingml/2006/diagram" xmlns:a="http://schemas.openxmlformats.org/drawingml/2006/main" uniqueId="urn:microsoft.com/office/officeart/2005/8/layout/orgChart1">
+  <dgm:title val=""/>
+  <dgm:desc val=""/>
+  <dgm:catLst>
+    <dgm:cat type="hierarchy" pri="1000"/>
+    <dgm:cat type="convert" pri="6000"/>
+  </dgm:catLst>
+  <dgm:sampData>
+    <dgm:dataModel>
+      <dgm:ptLst>
+        <dgm:pt modelId="0" type="doc"/>
+        <dgm:pt modelId="1">
+          <dgm:prSet phldr="1"/>
+        </dgm:pt>
+        <dgm:pt modelId="2" type="asst">
+          <dgm:prSet phldr="1"/>
+        </dgm:pt>
+        <dgm:pt modelId="3">
+          <dgm:prSet phldr="1"/>
+        </dgm:pt>
+        <dgm:pt modelId="4">
+          <dgm:prSet phldr="1"/>
+        </dgm:pt>
+        <dgm:pt modelId="5">
+          <dgm:prSet phldr="1"/>
+        </dgm:pt>
+      </dgm:ptLst>
+      <dgm:cxnLst>
+        <dgm:cxn modelId="5" srcId="0" destId="1" srcOrd="0" destOrd="0"/>
+        <dgm:cxn modelId="6" srcId="1" destId="2" srcOrd="0" destOrd="0"/>
+        <dgm:cxn modelId="7" srcId="1" destId="3" srcOrd="1" destOrd="0"/>
+        <dgm:cxn modelId="8" srcId="1" destId="4" srcOrd="2" destOrd="0"/>
+        <dgm:cxn modelId="9" srcId="1" destId="5" srcOrd="3" destOrd="0"/>
+      </dgm:cxnLst>
+      <dgm:bg/>
+      <dgm:whole/>
+    </dgm:dataModel>
+  </dgm:sampData>
+  <dgm:styleData>
+    <dgm:dataModel>
+      <dgm:ptLst>
+        <dgm:pt modelId="0" type="doc"/>
+        <dgm:pt modelId="1"/>
+        <dgm:pt modelId="12"/>
+        <dgm:pt modelId="13"/>
+      </dgm:ptLst>
+      <dgm:cxnLst>
+        <dgm:cxn modelId="2" srcId="0" destId="1" srcOrd="0" destOrd="0"/>
+        <dgm:cxn modelId="16" srcId="1" destId="12" srcOrd="1" destOrd="0"/>
+        <dgm:cxn modelId="17" srcId="1" destId="13" srcOrd="2" destOrd="0"/>
+      </dgm:cxnLst>
+      <dgm:bg/>
+      <dgm:whole/>
+    </dgm:dataModel>
+  </dgm:styleData>
+  <dgm:clrData>
+    <dgm:dataModel>
+      <dgm:ptLst>
+        <dgm:pt modelId="0" type="doc"/>
+        <dgm:pt modelId="1"/>
+        <dgm:pt modelId="11" type="asst"/>
+        <dgm:pt modelId="12"/>
+        <dgm:pt modelId="13"/>
+        <dgm:pt modelId="14"/>
+      </dgm:ptLst>
+      <dgm:cxnLst>
+        <dgm:cxn modelId="2" srcId="0" destId="1" srcOrd="0" destOrd="0"/>
+        <dgm:cxn modelId="15" srcId="1" destId="11" srcOrd="0" destOrd="0"/>
+        <dgm:cxn modelId="16" srcId="1" destId="12" srcOrd="1" destOrd="0"/>
+        <dgm:cxn modelId="17" srcId="1" destId="13" srcOrd="2" destOrd="0"/>
+        <dgm:cxn modelId="18" srcId="1" destId="14" srcOrd="2" destOrd="0"/>
+      </dgm:cxnLst>
+      <dgm:bg/>
+      <dgm:whole/>
+    </dgm:dataModel>
+  </dgm:clrData>
+  <dgm:layoutNode name="hierChild1">
+    <dgm:varLst>
+      <dgm:orgChart val="1"/>
+      <dgm:chPref val="1"/>
+      <dgm:dir/>
+      <dgm:animOne val="branch"/>
+      <dgm:animLvl val="lvl"/>
+      <dgm:resizeHandles/>
+    </dgm:varLst>
+    <dgm:choose name="Name0">
+      <dgm:if name="Name1" func="var" arg="dir" op="equ" val="norm">
+        <dgm:alg type="hierChild">
+          <dgm:param type="linDir" val="fromL"/>
+        </dgm:alg>
+      </dgm:if>
+      <dgm:else name="Name2">
+        <dgm:alg type="hierChild">
+          <dgm:param type="linDir" val="fromR"/>
+        </dgm:alg>
+      </dgm:else>
+    </dgm:choose>
+    <dgm:shape xmlns:r="http://schemas.openxmlformats.org/officeDocument/2006/relationships" r:blip="">
+      <dgm:adjLst/>
+    </dgm:shape>
+    <dgm:presOf/>
+    <dgm:constrLst>
+      <dgm:constr type="w" for="des" forName="rootComposite1" refType="w" fact="10"/>
+      <dgm:constr type="h" for="des" forName="rootComposite1" refType="w" refFor="des" refForName="rootComposite1" fact="0.5"/>
+      <dgm:constr type="w" for="des" forName="rootComposite" refType="w" fact="10"/>
+      <dgm:constr type="h" for="des" forName="rootComposite" refType="w" refFor="des" refForName="rootComposite1" fact="0.5"/>
+      <dgm:constr type="w" for="des" forName="rootComposite3" refType="w" fact="10"/>
+      <dgm:constr type="h" for="des" forName="rootComposite3" refType="w" refFor="des" refForName="rootComposite1" fact="0.5"/>
+      <dgm:constr type="primFontSz" for="des" ptType="node" op="equ"/>
+      <dgm:constr type="sp" for="des" op="equ"/>
+      <dgm:constr type="sp" for="des" forName="hierRoot1" refType="w" refFor="des" refForName="rootComposite1" fact="0.21"/>
+      <dgm:constr type="sp" for="des" forName="hierRoot2" refType="sp" refFor="des" refForName="hierRoot1"/>
+      <dgm:constr type="sp" for="des" forName="hierRoot3" refType="sp" refFor="des" refForName="hierRoot1"/>
+      <dgm:constr type="sibSp" refType="w" refFor="des" refForName="rootComposite1" fact="0.21"/>
+      <dgm:constr type="sibSp" for="des" forName="hierChild2" refType="sibSp"/>
+      <dgm:constr type="sibSp" for="des" forName="hierChild3" refType="sibSp"/>
+      <dgm:constr type="sibSp" for="des" forName="hierChild4" refType="sibSp"/>
+      <dgm:constr type="sibSp" for="des" forName="hierChild5" refType="sibSp"/>
+      <dgm:constr type="sibSp" for="des" forName="hierChild6" refType="sibSp"/>
+      <dgm:constr type="sibSp" for="des" forName="hierChild7" refType="sibSp"/>
+      <dgm:constr type="secSibSp" refType="w" refFor="des" refForName="rootComposite1" fact="0.21"/>
+      <dgm:constr type="secSibSp" for="des" forName="hierChild2" refType="secSibSp"/>
+      <dgm:constr type="secSibSp" for="des" forName="hierChild3" refType="secSibSp"/>
+      <dgm:constr type="secSibSp" for="des" forName="hierChild4" refType="secSibSp"/>
+      <dgm:constr type="secSibSp" for="des" forName="hierChild5" refType="secSibSp"/>
+      <dgm:constr type="secSibSp" for="des" forName="hierChild6" refType="secSibSp"/>
+      <dgm:constr type="secSibSp" for="des" forName="hierChild7" refType="secSibSp"/>
+    </dgm:constrLst>
+    <dgm:ruleLst/>
+    <dgm:forEach name="Name3" axis="ch">
+      <dgm:forEach name="Name4" axis="self" ptType="node">
+        <dgm:layoutNode name="hierRoot1">
+          <dgm:varLst>
+            <dgm:hierBranch val="init"/>
+          </dgm:varLst>
+          <dgm:choose name="Name5">
+            <dgm:if name="Name6" func="var" arg="hierBranch" op="equ" val="l">
+              <dgm:choose name="Name7">
+                <dgm:if name="Name8" axis="ch" ptType="asst" func="cnt" op="gte" val="1">
+                  <dgm:alg type="hierRoot">
+                    <dgm:param type="hierAlign" val="tR"/>
+                  </dgm:alg>
+                  <dgm:constrLst>
+                    <dgm:constr type="alignOff" val="0.65"/>
+                  </dgm:constrLst>
+                </dgm:if>
+                <dgm:else name="Name9">
+                  <dgm:alg type="hierRoot">
+                    <dgm:param type="hierAlign" val="tR"/>
+                  </dgm:alg>
+                  <dgm:constrLst>
+                    <dgm:constr type="alignOff" val="0.25"/>
+                  </dgm:constrLst>
+                </dgm:else>
+              </dgm:choose>
+            </dgm:if>
+            <dgm:if name="Name10" func="var" arg="hierBranch" op="equ" val="r">
+              <dgm:choose name="Name11">
+                <dgm:if name="Name12" axis="ch" ptType="asst" func="cnt" op="gte" val="1">
+                  <dgm:alg type="hierRoot">
+                    <dgm:param type="hierAlign" val="tL"/>
+                  </dgm:alg>
+                  <dgm:constrLst>
+                    <dgm:constr type="alignOff" val="0.65"/>
+                  </dgm:constrLst>
+                </dgm:if>
+                <dgm:else name="Name13">
+                  <dgm:alg type="hierRoot">
+                    <dgm:param type="hierAlign" val="tL"/>
+                  </dgm:alg>
+                  <dgm:constrLst>
+                    <dgm:constr type="alignOff" val="0.25"/>
+                  </dgm:constrLst>
+                </dgm:else>
+              </dgm:choose>
+            </dgm:if>
+            <dgm:if name="Name14" func="var" arg="hierBranch" op="equ" val="hang">
+              <dgm:alg type="hierRoot"/>
+              <dgm:constrLst>
+                <dgm:constr type="alignOff" val="0.65"/>
+              </dgm:constrLst>
+            </dgm:if>
+            <dgm:else name="Name15">
+              <dgm:alg type="hierRoot"/>
+              <dgm:constrLst>
+                <dgm:constr type="alignOff"/>
+                <dgm:constr type="bendDist" for="des" ptType="parTrans" refType="sp" fact="0.5"/>
+              </dgm:constrLst>
+            </dgm:else>
+          </dgm:choose>
+          <dgm:shape xmlns:r="http://schemas.openxmlformats.org/officeDocument/2006/relationships" r:blip="">
+            <dgm:adjLst/>
+          </dgm:shape>
+          <dgm:presOf/>
+          <dgm:ruleLst/>
+          <dgm:layoutNode name="rootComposite1">
+            <dgm:alg type="composite"/>
+            <dgm:shape xmlns:r="http://schemas.openxmlformats.org/officeDocument/2006/relationships" r:blip="">
+              <dgm:adjLst/>
+            </dgm:shape>
+            <dgm:presOf axis="self" ptType="node" cnt="1"/>
+            <dgm:choose name="Name16">
+              <dgm:if name="Name17" func="var" arg="hierBranch" op="equ" val="init">
+                <dgm:constrLst>
+                  <dgm:constr type="l" for="ch" forName="rootText1"/>
+                  <dgm:constr type="t" for="ch" forName="rootText1"/>
+                  <dgm:constr type="w" for="ch" forName="rootText1" refType="w"/>
+                  <dgm:constr type="h" for="ch" forName="rootText1" refType="h"/>
+                  <dgm:constr type="l" for="ch" forName="rootConnector1"/>
+                  <dgm:constr type="t" for="ch" forName="rootConnector1"/>
+                  <dgm:constr type="w" for="ch" forName="rootConnector1" refType="w" refFor="ch" refForName="rootText1" fact="0.2"/>
+                  <dgm:constr type="h" for="ch" forName="rootConnector1" refType="h" refFor="ch" refForName="rootText1"/>
+                </dgm:constrLst>
+              </dgm:if>
+              <dgm:if name="Name18" func="var" arg="hierBranch" op="equ" val="l">
+                <dgm:constrLst>
+                  <dgm:constr type="l" for="ch" forName="rootText1"/>
+                  <dgm:constr type="t" for="ch" forName="rootText1"/>
+                  <dgm:constr type="w" for="ch" forName="rootText1" refType="w"/>
+                  <dgm:constr type="h" for="ch" forName="rootText1" refType="h"/>
+                  <dgm:constr type="r" for="ch" forName="rootConnector1" refType="w"/>
+                  <dgm:constr type="t" for="ch" forName="rootConnector1"/>
+                  <dgm:constr type="w" for="ch" forName="rootConnector1" refType="w" refFor="ch" refForName="rootText1" fact="0.2"/>
+                  <dgm:constr type="h" for="ch" forName="rootConnector1" refType="h" refFor="ch" refForName="rootText1"/>
+                </dgm:constrLst>
+              </dgm:if>
+              <dgm:if name="Name19" func="var" arg="hierBranch" op="equ" val="r">
+                <dgm:constrLst>
+                  <dgm:constr type="l" for="ch" forName="rootText1"/>
+                  <dgm:constr type="t" for="ch" forName="rootText1"/>
+                  <dgm:constr type="w" for="ch" forName="rootText1" refType="w"/>
+                  <dgm:constr type="h" for="ch" forName="rootText1" refType="h"/>
+                  <dgm:constr type="l" for="ch" forName="rootConnector1"/>
+                  <dgm:constr type="t" for="ch" forName="rootConnector1"/>
+                  <dgm:constr type="w" for="ch" forName="rootConnector1" refType="w" refFor="ch" refForName="rootText1" fact="0.2"/>
+                  <dgm:constr type="h" for="ch" forName="rootConnector1" refType="h" refFor="ch" refForName="rootText1"/>
+                </dgm:constrLst>
+              </dgm:if>
+              <dgm:else name="Name20">
+                <dgm:constrLst>
+                  <dgm:constr type="l" for="ch" forName="rootText1"/>
+                  <dgm:constr type="t" for="ch" forName="rootText1"/>
+                  <dgm:constr type="w" for="ch" forName="rootText1" refType="w"/>
+                  <dgm:constr type="h" for="ch" forName="rootText1" refType="h"/>
+                  <dgm:constr type="r" for="ch" forName="rootConnector1" refType="w"/>
+                  <dgm:constr type="t" for="ch" forName="rootConnector1"/>
+                  <dgm:constr type="w" for="ch" forName="rootConnector1" refType="w" refFor="ch" refForName="rootText1" fact="0.2"/>
+                  <dgm:constr type="h" for="ch" forName="rootConnector1" refType="h" refFor="ch" refForName="rootText1"/>
+                </dgm:constrLst>
+              </dgm:else>
+            </dgm:choose>
+            <dgm:ruleLst/>
+            <dgm:layoutNode name="rootText1" styleLbl="node0">
+              <dgm:varLst>
+                <dgm:chPref val="3"/>
+              </dgm:varLst>
+              <dgm:alg type="tx"/>
+              <dgm:shape xmlns:r="http://schemas.openxmlformats.org/officeDocument/2006/relationships" type="rect" r:blip="">
+                <dgm:adjLst/>
+              </dgm:shape>
+              <dgm:presOf axis="self" ptType="node" cnt="1"/>
+              <dgm:constrLst>
+                <dgm:constr type="primFontSz" val="65"/>
+                <dgm:constr type="lMarg" refType="primFontSz" fact="0.05"/>
+                <dgm:constr type="rMarg" refType="primFontSz" fact="0.05"/>
+                <dgm:constr type="tMarg" refType="primFontSz" fact="0.05"/>
+                <dgm:constr type="bMarg" refType="primFontSz" fact="0.05"/>
+              </dgm:constrLst>
+              <dgm:ruleLst>
+                <dgm:rule type="primFontSz" val="5" fact="NaN" max="NaN"/>
+              </dgm:ruleLst>
+            </dgm:layoutNode>
+            <dgm:layoutNode name="rootConnector1" moveWith="rootText1">
+              <dgm:alg type="sp"/>
+              <dgm:shape xmlns:r="http://schemas.openxmlformats.org/officeDocument/2006/relationships" type="rect" r:blip="" hideGeom="1">
+                <dgm:adjLst/>
+              </dgm:shape>
+              <dgm:presOf axis="self" ptType="node" cnt="1"/>
+              <dgm:constrLst/>
+              <dgm:ruleLst/>
+            </dgm:layoutNode>
+          </dgm:layoutNode>
+          <dgm:layoutNode name="hierChild2">
+            <dgm:choose name="Name21">
+              <dgm:if name="Name22" func="var" arg="hierBranch" op="equ" val="l">
+                <dgm:alg type="hierChild">
+                  <dgm:param type="chAlign" val="r"/>
+                  <dgm:param type="linDir" val="fromT"/>
+                </dgm:alg>
+              </dgm:if>
+              <dgm:if name="Name23" func="var" arg="hierBranch" op="equ" val="r">
+                <dgm:alg type="hierChild">
+                  <dgm:param type="chAlign" val="l"/>
+                  <dgm:param type="linDir" val="fromT"/>
+                </dgm:alg>
+              </dgm:if>
+              <dgm:if name="Name24" func="var" arg="hierBranch" op="equ" val="hang">
+                <dgm:choose name="Name25">
+                  <dgm:if name="Name26" func="var" arg="dir" op="equ" val="norm">
+                    <dgm:alg type="hierChild">
+                      <dgm:param type="chAlign" val="l"/>
+                      <dgm:param type="linDir" val="fromL"/>
+                      <dgm:param type="secChAlign" val="t"/>
+                      <dgm:param type="secLinDir" val="fromT"/>
+                    </dgm:alg>
+                  </dgm:if>
+                  <dgm:else name="Name27">
+                    <dgm:alg type="hierChild">
+                      <dgm:param type="chAlign" val="l"/>
+                      <dgm:param type="linDir" val="fromR"/>
+                      <dgm:param type="secChAlign" val="t"/>
+                      <dgm:param type="secLinDir" val="fromT"/>
+                    </dgm:alg>
+                  </dgm:else>
+                </dgm:choose>
+              </dgm:if>
+              <dgm:else name="Name28">
+                <dgm:choose name="Name29">
+                  <dgm:if name="Name30" func="var" arg="dir" op="equ" val="norm">
+                    <dgm:alg type="hierChild"/>
+                  </dgm:if>
+                  <dgm:else name="Name31">
+                    <dgm:alg type="hierChild">
+                      <dgm:param type="linDir" val="fromR"/>
+                    </dgm:alg>
+                  </dgm:else>
+                </dgm:choose>
+              </dgm:else>
+            </dgm:choose>
+            <dgm:shape xmlns:r="http://schemas.openxmlformats.org/officeDocument/2006/relationships" r:blip="">
+              <dgm:adjLst/>
+            </dgm:shape>
+            <dgm:presOf/>
+            <dgm:constrLst/>
+            <dgm:ruleLst/>
+            <dgm:forEach name="rep2a" axis="ch" ptType="nonAsst">
+              <dgm:forEach name="Name32" axis="precedSib" ptType="parTrans" st="-1" cnt="1">
+                <dgm:choose name="Name33">
+                  <dgm:if name="Name34" func="var" arg="hierBranch" op="equ" val="std">
+                    <dgm:layoutNode name="Name35">
+                      <dgm:alg type="conn">
+                        <dgm:param type="connRout" val="bend"/>
+                        <dgm:param type="dim" val="1D"/>
+                        <dgm:param type="endSty" val="noArr"/>
+                        <dgm:param type="begPts" val="bCtr"/>
+                        <dgm:param type="endPts" val="tCtr"/>
+                        <dgm:param type="bendPt" val="end"/>
+                      </dgm:alg>
+                      <dgm:shape xmlns:r="http://schemas.openxmlformats.org/officeDocument/2006/relationships" type="conn" r:blip="" zOrderOff="-99999">
+                        <dgm:adjLst/>
+                      </dgm:shape>
+                      <dgm:presOf axis="self"/>
+                      <dgm:constrLst>
+                        <dgm:constr type="begPad"/>
+                        <dgm:constr type="endPad"/>
+                      </dgm:constrLst>
+                      <dgm:ruleLst/>
+                    </dgm:layoutNode>
+                  </dgm:if>
+                  <dgm:if name="Name36" func="var" arg="hierBranch" op="equ" val="init">
+                    <dgm:layoutNode name="Name37">
+                      <dgm:choose name="Name38">
+                        <dgm:if name="Name39" axis="self" func="depth" op="lte" val="2">
+                          <dgm:alg type="conn">
+                            <dgm:param type="connRout" val="bend"/>
+                            <dgm:param type="dim" val="1D"/>
+                            <dgm:param type="endSty" val="noArr"/>
+                            <dgm:param type="begPts" val="bCtr"/>
+                            <dgm:param type="endPts" val="tCtr"/>
+                            <dgm:param type="bendPt" val="end"/>
+                          </dgm:alg>
+                        </dgm:if>
+                        <dgm:else name="Name40">
+                          <dgm:choose name="Name41">
+                            <dgm:if name="Name42" axis="par des" func="maxDepth" op="lte" val="1">
+                              <dgm:choose name="Name43">
+                                <dgm:if name="Name44" axis="par ch" ptType="node asst" func="cnt" op="gte" val="1">
+                                  <dgm:alg type="conn">
+                                    <dgm:param type="connRout" val="bend"/>
+                                    <dgm:param type="dim" val="1D"/>
+                                    <dgm:param type="endSty" val="noArr"/>
+                                    <dgm:param type="begPts" val="bCtr"/>
+                                    <dgm:param type="endPts" val="midL midR"/>
+                                  </dgm:alg>
+                                </dgm:if>
+                                <dgm:else name="Name45">
+                                  <dgm:alg type="conn">
+                                    <dgm:param type="connRout" val="bend"/>
+                                    <dgm:param type="dim" val="1D"/>
+                                    <dgm:param type="endSty" val="noArr"/>
+                                    <dgm:param type="begPts" val="bCtr"/>
+                                    <dgm:param type="endPts" val="midL midR"/>
+                                    <dgm:param type="srcNode" val="rootConnector"/>
+                                  </dgm:alg>
+                                </dgm:else>
+                              </dgm:choose>
+                            </dgm:if>
+                            <dgm:else name="Name46">
+                              <dgm:alg type="conn">
+                                <dgm:param type="connRout" val="bend"/>
+                                <dgm:param type="dim" val="1D"/>
+                                <dgm:param type="endSty" val="noArr"/>
+                                <dgm:param type="begPts" val="bCtr"/>
+                                <dgm:param type="endPts" val="tCtr"/>
+                                <dgm:param type="bendPt" val="end"/>
+                              </dgm:alg>
+                            </dgm:else>
+                          </dgm:choose>
+                        </dgm:else>
+                      </dgm:choose>
+                      <dgm:shape xmlns:r="http://schemas.openxmlformats.org/officeDocument/2006/relationships" type="conn" r:blip="" zOrderOff="-99999">
+                        <dgm:adjLst/>
+                      </dgm:shape>
+                      <dgm:presOf axis="self"/>
+                      <dgm:constrLst>
+                        <dgm:constr type="begPad"/>
+                        <dgm:constr type="endPad"/>
+                      </dgm:constrLst>
+                      <dgm:ruleLst/>
+                    </dgm:layoutNode>
+                  </dgm:if>
+                  <dgm:if name="Name47" func="var" arg="hierBranch" op="equ" val="hang">
+                    <dgm:layoutNode name="Name48">
+                      <dgm:alg type="conn">
+                        <dgm:param type="connRout" val="bend"/>
+                        <dgm:param type="dim" val="1D"/>
+                        <dgm:param type="endSty" val="noArr"/>
+                        <dgm:param type="begPts" val="bCtr"/>
+                        <dgm:param type="endPts" val="midL midR"/>
+                      </dgm:alg>
+                      <dgm:shape xmlns:r="http://schemas.openxmlformats.org/officeDocument/2006/relationships" type="conn" r:blip="" zOrderOff="-99999">
+                        <dgm:adjLst/>
+                      </dgm:shape>
+                      <dgm:presOf axis="self"/>
+                      <dgm:constrLst>
+                        <dgm:constr type="begPad"/>
+                        <dgm:constr type="endPad"/>
+                      </dgm:constrLst>
+                      <dgm:ruleLst/>
+                    </dgm:layoutNode>
+                  </dgm:if>
+                  <dgm:else name="Name49">
+                    <dgm:layoutNode name="Name50">
+                      <dgm:choose name="Name51">
+                        <dgm:if name="Name52" axis="self" func="depth" op="lte" val="2">
+                          <dgm:choose name="Name53">
+                            <dgm:if name="Name54" axis="par ch" ptType="node asst" func="cnt" op="gte" val="1">
+                              <dgm:alg type="conn">
+                                <dgm:param type="connRout" val="bend"/>
+                                <dgm:param type="dim" val="1D"/>
+                                <dgm:param type="endSty" val="noArr"/>
+                                <dgm:param type="begPts" val="bCtr"/>
+                                <dgm:param type="endPts" val="midL midR"/>
+                              </dgm:alg>
+                            </dgm:if>
+                            <dgm:else name="Name55">
+                              <dgm:alg type="conn">
+                                <dgm:param type="connRout" val="bend"/>
+                                <dgm:param type="dim" val="1D"/>
+                                <dgm:param type="endSty" val="noArr"/>
+                                <dgm:param type="begPts" val="bCtr"/>
+                                <dgm:param type="endPts" val="midL midR"/>
+                                <dgm:param type="srcNode" val="rootConnector1"/>
+                              </dgm:alg>
+                            </dgm:else>
+                          </dgm:choose>
+                        </dgm:if>
+                        <dgm:else name="Name56">
+                          <dgm:choose name="Name57">
+                            <dgm:if name="Name58" axis="par ch" ptType="node asst" func="cnt" op="gte" val="1">
+                              <dgm:alg type="conn">
+                                <dgm:param type="connRout" val="bend"/>
+                                <dgm:param type="dim" val="1D"/>
+                                <dgm:param type="endSty" val="noArr"/>
+                                <dgm:param type="begPts" val="bCtr"/>
+                                <dgm:param type="endPts" val="midL midR"/>
+                              </dgm:alg>
+                            </dgm:if>
+                            <dgm:else name="Name59">
+                              <dgm:alg type="conn">
+                                <dgm:param type="connRout" val="bend"/>
+                                <dgm:param type="dim" val="1D"/>
+                                <dgm:param type="endSty" val="noArr"/>
+                                <dgm:param type="begPts" val="bCtr"/>
+                                <dgm:param type="endPts" val="midL midR"/>
+                                <dgm:param type="srcNode" val="rootConnector"/>
+                              </dgm:alg>
+                            </dgm:else>
+                          </dgm:choose>
+                        </dgm:else>
+                      </dgm:choose>
+                      <dgm:shape xmlns:r="http://schemas.openxmlformats.org/officeDocument/2006/relationships" type="conn" r:blip="" zOrderOff="-99999">
+                        <dgm:adjLst/>
+                      </dgm:shape>
+                      <dgm:presOf axis="self"/>
+                      <dgm:constrLst>
+                        <dgm:constr type="begPad"/>
+                        <dgm:constr type="endPad"/>
+                      </dgm:constrLst>
+                      <dgm:ruleLst/>
+                    </dgm:layoutNode>
+                  </dgm:else>
+                </dgm:choose>
+              </dgm:forEach>
+              <dgm:layoutNode name="hierRoot2">
+                <dgm:varLst>
+                  <dgm:hierBranch val="init"/>
+                </dgm:varLst>
+                <dgm:choose name="Name60">
+                  <dgm:if name="Name61" func="var" arg="hierBranch" op="equ" val="l">
+                    <dgm:choose name="Name62">
+                      <dgm:if name="Name63" axis="ch" ptType="asst" func="cnt" op="gte" val="1">
+                        <dgm:alg type="hierRoot">
+                          <dgm:param type="hierAlign" val="tR"/>
+                        </dgm:alg>
+                        <dgm:shape xmlns:r="http://schemas.openxmlformats.org/officeDocument/2006/relationships" r:blip="">
+                          <dgm:adjLst/>
+                        </dgm:shape>
+                        <dgm:presOf/>
+                        <dgm:constrLst>
+                          <dgm:constr type="alignOff" val="0.65"/>
+                        </dgm:constrLst>
+                      </dgm:if>
+                      <dgm:else name="Name64">
+                        <dgm:alg type="hierRoot">
+                          <dgm:param type="hierAlign" val="tR"/>
+                        </dgm:alg>
+                        <dgm:shape xmlns:r="http://schemas.openxmlformats.org/officeDocument/2006/relationships" r:blip="">
+                          <dgm:adjLst/>
+                        </dgm:shape>
+                        <dgm:presOf/>
+                        <dgm:constrLst>
+                          <dgm:constr type="alignOff" val="0.25"/>
+                        </dgm:constrLst>
+                      </dgm:else>
+                    </dgm:choose>
+                  </dgm:if>
+                  <dgm:if name="Name65" func="var" arg="hierBranch" op="equ" val="r">
+                    <dgm:choose name="Name66">
+                      <dgm:if name="Name67" axis="ch" ptType="asst" func="cnt" op="gte" val="1">
+                        <dgm:alg type="hierRoot">
+                          <dgm:param type="hierAlign" val="tL"/>
+                        </dgm:alg>
+                        <dgm:shape xmlns:r="http://schemas.openxmlformats.org/officeDocument/2006/relationships" r:blip="">
+                          <dgm:adjLst/>
+                        </dgm:shape>
+                        <dgm:presOf/>
+                        <dgm:constrLst>
+                          <dgm:constr type="alignOff" val="0.65"/>
+                        </dgm:constrLst>
+                      </dgm:if>
+                      <dgm:else name="Name68">
+                        <dgm:alg type="hierRoot">
+                          <dgm:param type="hierAlign" val="tL"/>
+                        </dgm:alg>
+                        <dgm:shape xmlns:r="http://schemas.openxmlformats.org/officeDocument/2006/relationships" r:blip="">
+                          <dgm:adjLst/>
+                        </dgm:shape>
+                        <dgm:presOf/>
+                        <dgm:constrLst>
+                          <dgm:constr type="alignOff" val="0.25"/>
+                        </dgm:constrLst>
+                      </dgm:else>
+                    </dgm:choose>
+                  </dgm:if>
+                  <dgm:if name="Name69" func="var" arg="hierBranch" op="equ" val="std">
+                    <dgm:alg type="hierRoot"/>
+                    <dgm:shape xmlns:r="http://schemas.openxmlformats.org/officeDocument/2006/relationships" r:blip="">
+                      <dgm:adjLst/>
+                    </dgm:shape>
+                    <dgm:presOf/>
+                    <dgm:constrLst>
+                      <dgm:constr type="alignOff"/>
+                      <dgm:constr type="bendDist" for="des" ptType="parTrans" refType="sp" fact="0.5"/>
+                    </dgm:constrLst>
+                  </dgm:if>
+                  <dgm:if name="Name70" func="var" arg="hierBranch" op="equ" val="init">
+                    <dgm:choose name="Name71">
+                      <dgm:if name="Name72" axis="des" func="maxDepth" op="lte" val="1">
+                        <dgm:choose name="Name73">
+                          <dgm:if name="Name74" axis="ch" ptType="asst" func="cnt" op="gte" val="1">
+                            <dgm:alg type="hierRoot">
+                              <dgm:param type="hierAlign" val="tL"/>
+                            </dgm:alg>
+                            <dgm:shape xmlns:r="http://schemas.openxmlformats.org/officeDocument/2006/relationships" r:blip="">
+                              <dgm:adjLst/>
+                            </dgm:shape>
+                            <dgm:presOf/>
+                            <dgm:constrLst>
+                              <dgm:constr type="alignOff" val="0.65"/>
+                            </dgm:constrLst>
+                          </dgm:if>
+                          <dgm:else name="Name75">
+                            <dgm:alg type="hierRoot">
+                              <dgm:param type="hierAlign" val="tL"/>
+                            </dgm:alg>
+                            <dgm:shape xmlns:r="http://schemas.openxmlformats.org/officeDocument/2006/relationships" r:blip="">
+                              <dgm:adjLst/>
+                            </dgm:shape>
+                            <dgm:presOf/>
+                            <dgm:constrLst>
+                              <dgm:constr type="alignOff" val="0.25"/>
+                            </dgm:constrLst>
+                          </dgm:else>
+                        </dgm:choose>
+                      </dgm:if>
+                      <dgm:else name="Name76">
+                        <dgm:alg type="hierRoot"/>
+                        <dgm:shape xmlns:r="http://schemas.openxmlformats.org/officeDocument/2006/relationships" r:blip="">
+                          <dgm:adjLst/>
+                        </dgm:shape>
+                        <dgm:presOf/>
+                        <dgm:constrLst>
+                          <dgm:constr type="alignOff"/>
+                          <dgm:constr type="bendDist" for="des" ptType="parTrans" refType="sp" fact="0.5"/>
+                        </dgm:constrLst>
+                      </dgm:else>
+                    </dgm:choose>
+                  </dgm:if>
+                  <dgm:else name="Name77">
+                    <dgm:alg type="hierRoot"/>
+                    <dgm:shape xmlns:r="http://schemas.openxmlformats.org/officeDocument/2006/relationships" r:blip="">
+                      <dgm:adjLst/>
+                    </dgm:shape>
+                    <dgm:presOf/>
+                    <dgm:constrLst>
+                      <dgm:constr type="alignOff" val="0.65"/>
+                    </dgm:constrLst>
+                  </dgm:else>
+                </dgm:choose>
+                <dgm:ruleLst/>
+                <dgm:layoutNode name="rootComposite">
+                  <dgm:alg type="composite"/>
+                  <dgm:shape xmlns:r="http://schemas.openxmlformats.org/officeDocument/2006/relationships" r:blip="">
+                    <dgm:adjLst/>
+                  </dgm:shape>
+                  <dgm:presOf axis="self" ptType="node" cnt="1"/>
+                  <dgm:choose name="Name78">
+                    <dgm:if name="Name79" func="var" arg="hierBranch" op="equ" val="init">
+                      <dgm:constrLst>
+                        <dgm:constr type="l" for="ch" forName="rootText"/>
+                        <dgm:constr type="t" for="ch" forName="rootText"/>
+                        <dgm:constr type="w" for="ch" forName="rootText" refType="w"/>
+                        <dgm:constr type="h" for="ch" forName="rootText" refType="h"/>
+                        <dgm:constr type="l" for="ch" forName="rootConnector"/>
+                        <dgm:constr type="t" for="ch" forName="rootConnector"/>
+                        <dgm:constr type="w" for="ch" forName="rootConnector" refType="w" refFor="ch" refForName="rootText" fact="0.2"/>
+                        <dgm:constr type="h" for="ch" forName="rootConnector" refType="h" refFor="ch" refForName="rootText"/>
+                      </dgm:constrLst>
+                    </dgm:if>
+                    <dgm:if name="Name80" func="var" arg="hierBranch" op="equ" val="l">
+                      <dgm:constrLst>
+                        <dgm:constr type="l" for="ch" forName="rootText"/>
+                        <dgm:constr type="t" for="ch" forName="rootText"/>
+                        <dgm:constr type="w" for="ch" forName="rootText" refType="w"/>
+                        <dgm:constr type="h" for="ch" forName="rootText" refType="h"/>
+                        <dgm:constr type="r" for="ch" forName="rootConnector" refType="w"/>
+                        <dgm:constr type="t" for="ch" forName="rootConnector"/>
+                        <dgm:constr type="w" for="ch" forName="rootConnector" refType="w" refFor="ch" refForName="rootText" fact="0.2"/>
+                        <dgm:constr type="h" for="ch" forName="rootConnector" refType="h" refFor="ch" refForName="rootText"/>
+                      </dgm:constrLst>
+                    </dgm:if>
+                    <dgm:if name="Name81" func="var" arg="hierBranch" op="equ" val="r">
+                      <dgm:constrLst>
+                        <dgm:constr type="l" for="ch" forName="rootText"/>
+                        <dgm:constr type="t" for="ch" forName="rootText"/>
+                        <dgm:constr type="w" for="ch" forName="rootText" refType="w"/>
+                        <dgm:constr type="h" for="ch" forName="rootText" refType="h"/>
+                        <dgm:constr type="l" for="ch" forName="rootConnector"/>
+                        <dgm:constr type="t" for="ch" forName="rootConnector"/>
+                        <dgm:constr type="w" for="ch" forName="rootConnector" refType="w" refFor="ch" refForName="rootText" fact="0.2"/>
+                        <dgm:constr type="h" for="ch" forName="rootConnector" refType="h" refFor="ch" refForName="rootText"/>
+                      </dgm:constrLst>
+                    </dgm:if>
+                    <dgm:else name="Name82">
+                      <dgm:constrLst>
+                        <dgm:constr type="l" for="ch" forName="rootText"/>
+                        <dgm:constr type="t" for="ch" forName="rootText"/>
+                        <dgm:constr type="w" for="ch" forName="rootText" refType="w"/>
+                        <dgm:constr type="h" for="ch" forName="rootText" refType="h"/>
+                        <dgm:constr type="r" for="ch" forName="rootConnector" refType="w"/>
+                        <dgm:constr type="t" for="ch" forName="rootConnector"/>
+                        <dgm:constr type="w" for="ch" forName="rootConnector" refType="w" refFor="ch" refForName="rootText" fact="0.2"/>
+                        <dgm:constr type="h" for="ch" forName="rootConnector" refType="h" refFor="ch" refForName="rootText"/>
+                      </dgm:constrLst>
+                    </dgm:else>
+                  </dgm:choose>
+                  <dgm:ruleLst/>
+                  <dgm:layoutNode name="rootText">
+                    <dgm:varLst>
+                      <dgm:chPref val="3"/>
+                    </dgm:varLst>
+                    <dgm:alg type="tx"/>
+                    <dgm:shape xmlns:r="http://schemas.openxmlformats.org/officeDocument/2006/relationships" type="rect" r:blip="">
+                      <dgm:adjLst/>
+                    </dgm:shape>
+                    <dgm:presOf axis="self" ptType="node" cnt="1"/>
+                    <dgm:constrLst>
+                      <dgm:constr type="primFontSz" val="65"/>
+                      <dgm:constr type="lMarg" refType="primFontSz" fact="0.05"/>
+                      <dgm:constr type="rMarg" refType="primFontSz" fact="0.05"/>
+                      <dgm:constr type="tMarg" refType="primFontSz" fact="0.05"/>
+                      <dgm:constr type="bMarg" refType="primFontSz" fact="0.05"/>
+                    </dgm:constrLst>
+                    <dgm:ruleLst>
+                      <dgm:rule type="primFontSz" val="5" fact="NaN" max="NaN"/>
+                    </dgm:ruleLst>
+                  </dgm:layoutNode>
+                  <dgm:layoutNode name="rootConnector" moveWith="rootText">
+                    <dgm:alg type="sp"/>
+                    <dgm:shape xmlns:r="http://schemas.openxmlformats.org/officeDocument/2006/relationships" type="rect" r:blip="" hideGeom="1">
+                      <dgm:adjLst/>
+                    </dgm:shape>
+                    <dgm:presOf axis="self" ptType="node" cnt="1"/>
+                    <dgm:constrLst/>
+                    <dgm:ruleLst/>
+                  </dgm:layoutNode>
+                </dgm:layoutNode>
+                <dgm:layoutNode name="hierChild4">
+                  <dgm:choose name="Name83">
+                    <dgm:if name="Name84" func="var" arg="hierBranch" op="equ" val="l">
+                      <dgm:alg type="hierChild">
+                        <dgm:param type="chAlign" val="r"/>
+                        <dgm:param type="linDir" val="fromT"/>
+                      </dgm:alg>
+                    </dgm:if>
+                    <dgm:if name="Name85" func="var" arg="hierBranch" op="equ" val="r">
+                      <dgm:alg type="hierChild">
+                        <dgm:param type="chAlign" val="l"/>
+                        <dgm:param type="linDir" val="fromT"/>
+                      </dgm:alg>
+                    </dgm:if>
+                    <dgm:if name="Name86" func="var" arg="hierBranch" op="equ" val="hang">
+                      <dgm:choose name="Name87">
+                        <dgm:if name="Name88" func="var" arg="dir" op="equ" val="norm">
+                          <dgm:alg type="hierChild">
+                            <dgm:param type="chAlign" val="l"/>
+                            <dgm:param type="linDir" val="fromL"/>
+                            <dgm:param type="secChAlign" val="t"/>
+                            <dgm:param type="secLinDir" val="fromT"/>
+                          </dgm:alg>
+                        </dgm:if>
+                        <dgm:else name="Name89">
+                          <dgm:alg type="hierChild">
+                            <dgm:param type="chAlign" val="l"/>
+                            <dgm:param type="linDir" val="fromR"/>
+                            <dgm:param type="secChAlign" val="t"/>
+                            <dgm:param type="secLinDir" val="fromT"/>
+                          </dgm:alg>
+                        </dgm:else>
+                      </dgm:choose>
+                    </dgm:if>
+                    <dgm:if name="Name90" func="var" arg="hierBranch" op="equ" val="std">
+                      <dgm:choose name="Name91">
+                        <dgm:if name="Name92" func="var" arg="dir" op="equ" val="norm">
+                          <dgm:alg type="hierChild"/>
+                        </dgm:if>
+                        <dgm:else name="Name93">
+                          <dgm:alg type="hierChild">
+                            <dgm:param type="linDir" val="fromR"/>
+                          </dgm:alg>
+                        </dgm:else>
+                      </dgm:choose>
+                    </dgm:if>
+                    <dgm:if name="Name94" func="var" arg="hierBranch" op="equ" val="init">
+                      <dgm:choose name="Name95">
+                        <dgm:if name="Name96" axis="des" func="maxDepth" op="lte" val="1">
+                          <dgm:alg type="hierChild">
+                            <dgm:param type="chAlign" val="l"/>
+                            <dgm:param type="linDir" val="fromT"/>
+                          </dgm:alg>
+                        </dgm:if>
+                        <dgm:else name="Name97">
+                          <dgm:choose name="Name98">
+                            <dgm:if name="Name99" func="var" arg="dir" op="equ" val="norm">
+                              <dgm:alg type="hierChild"/>
+                            </dgm:if>
+                            <dgm:else name="Name100">
+                              <dgm:alg type="hierChild">
+                                <dgm:param type="linDir" val="fromR"/>
+                              </dgm:alg>
+                            </dgm:else>
+                          </dgm:choose>
+                        </dgm:else>
+                      </dgm:choose>
+                    </dgm:if>
+                    <dgm:else name="Name101"/>
+                  </dgm:choose>
+                  <dgm:shape xmlns:r="http://schemas.openxmlformats.org/officeDocument/2006/relationships" r:blip="">
+                    <dgm:adjLst/>
+                  </dgm:shape>
+                  <dgm:presOf/>
+                  <dgm:constrLst/>
+                  <dgm:ruleLst/>
+                  <dgm:forEach name="Name102" ref="rep2a"/>
+                </dgm:layoutNode>
+                <dgm:layoutNode name="hierChild5">
+                  <dgm:choose name="Name103">
+                    <dgm:if name="Name104" func="var" arg="dir" op="equ" val="norm">
+                      <dgm:alg type="hierChild">
+                        <dgm:param type="chAlign" val="l"/>
+                        <dgm:param type="linDir" val="fromL"/>
+                        <dgm:param type="secChAlign" val="t"/>
+                        <dgm:param type="secLinDir" val="fromT"/>
+                      </dgm:alg>
+                    </dgm:if>
+                    <dgm:else name="Name105">
+                      <dgm:alg type="hierChild">
+                        <dgm:param type="chAlign" val="l"/>
+                        <dgm:param type="linDir" val="fromR"/>
+                        <dgm:param type="secChAlign" val="t"/>
+                        <dgm:param type="secLinDir" val="fromT"/>
+                      </dgm:alg>
+                    </dgm:else>
+                  </dgm:choose>
+                  <dgm:shape xmlns:r="http://schemas.openxmlformats.org/officeDocument/2006/relationships" r:blip="">
+                    <dgm:adjLst/>
+                  </dgm:shape>
+                  <dgm:presOf/>
+                  <dgm:constrLst/>
+                  <dgm:ruleLst/>
+                  <dgm:forEach name="Name106" ref="rep2b"/>
+                </dgm:layoutNode>
+              </dgm:layoutNode>
+            </dgm:forEach>
+          </dgm:layoutNode>
+          <dgm:layoutNode name="hierChild3">
+            <dgm:choose name="Name107">
+              <dgm:if name="Name108" func="var" arg="dir" op="equ" val="norm">
+                <dgm:alg type="hierChild">
+                  <dgm:param type="chAlign" val="l"/>
+                  <dgm:param type="linDir" val="fromL"/>
+                  <dgm:param type="secChAlign" val="t"/>
+                  <dgm:param type="secLinDir" val="fromT"/>
+                </dgm:alg>
+              </dgm:if>
+              <dgm:else name="Name109">
+                <dgm:alg type="hierChild">
+                  <dgm:param type="chAlign" val="l"/>
+                  <dgm:param type="linDir" val="fromR"/>
+                  <dgm:param type="secChAlign" val="t"/>
+                  <dgm:param type="secLinDir" val="fromT"/>
+                </dgm:alg>
+              </dgm:else>
+            </dgm:choose>
+            <dgm:shape xmlns:r="http://schemas.openxmlformats.org/officeDocument/2006/relationships" r:blip="">
+              <dgm:adjLst/>
+            </dgm:shape>
+            <dgm:presOf/>
+            <dgm:constrLst/>
+            <dgm:ruleLst/>
+            <dgm:forEach name="rep2b" axis="ch" ptType="asst">
+              <dgm:forEach name="Name110" axis="precedSib" ptType="parTrans" st="-1" cnt="1">
+                <dgm:layoutNode name="Name111">
+                  <dgm:alg type="conn">
+                    <dgm:param type="connRout" val="bend"/>
+                    <dgm:param type="dim" val="1D"/>
+                    <dgm:param type="endSty" val="noArr"/>
+                    <dgm:param type="begPts" val="bCtr"/>
+                    <dgm:param type="endPts" val="midL midR"/>
+                  </dgm:alg>
+                  <dgm:shape xmlns:r="http://schemas.openxmlformats.org/officeDocument/2006/relationships" type="conn" r:blip="" zOrderOff="-99999">
+                    <dgm:adjLst/>
+                  </dgm:shape>
+                  <dgm:presOf axis="self"/>
+                  <dgm:constrLst>
+                    <dgm:constr type="begPad"/>
+                    <dgm:constr type="endPad"/>
+                  </dgm:constrLst>
+                  <dgm:ruleLst/>
+                </dgm:layoutNode>
+              </dgm:forEach>
+              <dgm:layoutNode name="hierRoot3">
+                <dgm:varLst>
+                  <dgm:hierBranch val="init"/>
+                </dgm:varLst>
+                <dgm:choose name="Name112">
+                  <dgm:if name="Name113" func="var" arg="hierBranch" op="equ" val="l">
+                    <dgm:alg type="hierRoot">
+                      <dgm:param type="hierAlign" val="tR"/>
+                    </dgm:alg>
+                    <dgm:shape xmlns:r="http://schemas.openxmlformats.org/officeDocument/2006/relationships" r:blip="">
+                      <dgm:adjLst/>
+                    </dgm:shape>
+                    <dgm:presOf/>
+                    <dgm:constrLst>
+                      <dgm:constr type="alignOff" val="0.65"/>
+                    </dgm:constrLst>
+                  </dgm:if>
+                  <dgm:if name="Name114" func="var" arg="hierBranch" op="equ" val="r">
+                    <dgm:alg type="hierRoot">
+                      <dgm:param type="hierAlign" val="tL"/>
+                    </dgm:alg>
+                    <dgm:shape xmlns:r="http://schemas.openxmlformats.org/officeDocument/2006/relationships" r:blip="">
+                      <dgm:adjLst/>
+                    </dgm:shape>
+                    <dgm:presOf/>
+                    <dgm:constrLst>
+                      <dgm:constr type="alignOff" val="0.65"/>
+                    </dgm:constrLst>
+                  </dgm:if>
+                  <dgm:if name="Name115" func="var" arg="hierBranch" op="equ" val="hang">
+                    <dgm:alg type="hierRoot"/>
+                    <dgm:shape xmlns:r="http://schemas.openxmlformats.org/officeDocument/2006/relationships" r:blip="">
+                      <dgm:adjLst/>
+                    </dgm:shape>
+                    <dgm:presOf/>
+                    <dgm:constrLst>
+                      <dgm:constr type="alignOff" val="0.65"/>
+                    </dgm:constrLst>
+                  </dgm:if>
+                  <dgm:if name="Name116" func="var" arg="hierBranch" op="equ" val="std">
+                    <dgm:alg type="hierRoot"/>
+                    <dgm:shape xmlns:r="http://schemas.openxmlformats.org/officeDocument/2006/relationships" r:blip="">
+                      <dgm:adjLst/>
+                    </dgm:shape>
+                    <dgm:presOf/>
+                    <dgm:constrLst>
+                      <dgm:constr type="alignOff"/>
+                      <dgm:constr type="bendDist" for="des" ptType="parTrans" refType="sp" fact="0.5"/>
+                    </dgm:constrLst>
+                  </dgm:if>
+                  <dgm:if name="Name117" func="var" arg="hierBranch" op="equ" val="init">
+                    <dgm:choose name="Name118">
+                      <dgm:if name="Name119" axis="des" func="maxDepth" op="lte" val="1">
+                        <dgm:alg type="hierRoot">
+                          <dgm:param type="hierAlign" val="tL"/>
+                        </dgm:alg>
+                        <dgm:shape xmlns:r="http://schemas.openxmlformats.org/officeDocument/2006/relationships" r:blip="">
+                          <dgm:adjLst/>
+                        </dgm:shape>
+                        <dgm:presOf/>
+                        <dgm:constrLst>
+                          <dgm:constr type="alignOff" val="0.65"/>
+                        </dgm:constrLst>
+                      </dgm:if>
+                      <dgm:else name="Name120">
+                        <dgm:alg type="hierRoot"/>
+                        <dgm:shape xmlns:r="http://schemas.openxmlformats.org/officeDocument/2006/relationships" r:blip="">
+                          <dgm:adjLst/>
+                        </dgm:shape>
+                        <dgm:presOf/>
+                        <dgm:constrLst>
+                          <dgm:constr type="alignOff"/>
+                          <dgm:constr type="bendDist" for="des" ptType="parTrans" refType="sp" fact="0.5"/>
+                        </dgm:constrLst>
+                      </dgm:else>
+                    </dgm:choose>
+                  </dgm:if>
+                  <dgm:else name="Name121"/>
+                </dgm:choose>
+                <dgm:ruleLst/>
+                <dgm:layoutNode name="rootComposite3">
+                  <dgm:alg type="composite"/>
+                  <dgm:shape xmlns:r="http://schemas.openxmlformats.org/officeDocument/2006/relationships" r:blip="">
+                    <dgm:adjLst/>
+                  </dgm:shape>
+                  <dgm:presOf axis="self" ptType="node" cnt="1"/>
+                  <dgm:choose name="Name122">
+                    <dgm:if name="Name123" func="var" arg="hierBranch" op="equ" val="init">
+                      <dgm:constrLst>
+                        <dgm:constr type="l" for="ch" forName="rootText3"/>
+                        <dgm:constr type="t" for="ch" forName="rootText3"/>
+                        <dgm:constr type="w" for="ch" forName="rootText3" refType="w"/>
+                        <dgm:constr type="h" for="ch" forName="rootText3" refType="h"/>
+                        <dgm:constr type="l" for="ch" forName="rootConnector3"/>
+                        <dgm:constr type="t" for="ch" forName="rootConnector3"/>
+                        <dgm:constr type="w" for="ch" forName="rootConnector3" refType="w" refFor="ch" refForName="rootText3" fact="0.2"/>
+                        <dgm:constr type="h" for="ch" forName="rootConnector3" refType="h" refFor="ch" refForName="rootText3"/>
+                      </dgm:constrLst>
+                    </dgm:if>
+                    <dgm:if name="Name124" func="var" arg="hierBranch" op="equ" val="l">
+                      <dgm:constrLst>
+                        <dgm:constr type="l" for="ch" forName="rootText3"/>
+                        <dgm:constr type="t" for="ch" forName="rootText3"/>
+                        <dgm:constr type="w" for="ch" forName="rootText3" refType="w"/>
+                        <dgm:constr type="h" for="ch" forName="rootText3" refType="h"/>
+                        <dgm:constr type="r" for="ch" forName="rootConnector3" refType="w"/>
+                        <dgm:constr type="t" for="ch" forName="rootConnector3"/>
+                        <dgm:constr type="w" for="ch" forName="rootConnector3" refType="w" refFor="ch" refForName="rootText3" fact="0.2"/>
+                        <dgm:constr type="h" for="ch" forName="rootConnector3" refType="h" refFor="ch" refForName="rootText3"/>
+                      </dgm:constrLst>
+                    </dgm:if>
+                    <dgm:if name="Name125" func="var" arg="hierBranch" op="equ" val="r">
+                      <dgm:constrLst>
+                        <dgm:constr type="l" for="ch" forName="rootText3"/>
+                        <dgm:constr type="t" for="ch" forName="rootText3"/>
+                        <dgm:constr type="w" for="ch" forName="rootText3" refType="w"/>
+                        <dgm:constr type="h" for="ch" forName="rootText3" refType="h"/>
+                        <dgm:constr type="l" for="ch" forName="rootConnector3"/>
+                        <dgm:constr type="t" for="ch" forName="rootConnector3"/>
+                        <dgm:constr type="w" for="ch" forName="rootConnector3" refType="w" refFor="ch" refForName="rootText3" fact="0.2"/>
+                        <dgm:constr type="h" for="ch" forName="rootConnector3" refType="h" refFor="ch" refForName="rootText3"/>
+                      </dgm:constrLst>
+                    </dgm:if>
+                    <dgm:else name="Name126">
+                      <dgm:constrLst>
+                        <dgm:constr type="l" for="ch" forName="rootText3"/>
+                        <dgm:constr type="t" for="ch" forName="rootText3"/>
+                        <dgm:constr type="w" for="ch" forName="rootText3" refType="w"/>
+                        <dgm:constr type="h" for="ch" forName="rootText3" refType="h"/>
+                        <dgm:constr type="r" for="ch" forName="rootConnector3" refType="w"/>
+                        <dgm:constr type="t" for="ch" forName="rootConnector3"/>
+                        <dgm:constr type="w" for="ch" forName="rootConnector3" refType="w" refFor="ch" refForName="rootText3" fact="0.2"/>
+                        <dgm:constr type="h" for="ch" forName="rootConnector3" refType="h" refFor="ch" refForName="rootText3"/>
+                      </dgm:constrLst>
+                    </dgm:else>
+                  </dgm:choose>
+                  <dgm:ruleLst/>
+                  <dgm:layoutNode name="rootText3">
+                    <dgm:varLst>
+                      <dgm:chPref val="3"/>
+                    </dgm:varLst>
+                    <dgm:alg type="tx"/>
+                    <dgm:shape xmlns:r="http://schemas.openxmlformats.org/officeDocument/2006/relationships" type="rect" r:blip="">
+                      <dgm:adjLst/>
+                    </dgm:shape>
+                    <dgm:presOf axis="self" ptType="node" cnt="1"/>
+                    <dgm:constrLst>
+                      <dgm:constr type="primFontSz" val="65"/>
+                      <dgm:constr type="lMarg" refType="primFontSz" fact="0.05"/>
+                      <dgm:constr type="rMarg" refType="primFontSz" fact="0.05"/>
+                      <dgm:constr type="tMarg" refType="primFontSz" fact="0.05"/>
+                      <dgm:constr type="bMarg" refType="primFontSz" fact="0.05"/>
+                    </dgm:constrLst>
+                    <dgm:ruleLst>
+                      <dgm:rule type="primFontSz" val="5" fact="NaN" max="NaN"/>
+                    </dgm:ruleLst>
+                  </dgm:layoutNode>
+                  <dgm:layoutNode name="rootConnector3" moveWith="rootText1">
+                    <dgm:alg type="sp"/>
+                    <dgm:shape xmlns:r="http://schemas.openxmlformats.org/officeDocument/2006/relationships" type="rect" r:blip="" hideGeom="1">
+                      <dgm:adjLst/>
+                    </dgm:shape>
+                    <dgm:presOf axis="self" ptType="node" cnt="1"/>
+                    <dgm:constrLst/>
+                    <dgm:ruleLst/>
+                  </dgm:layoutNode>
+                </dgm:layoutNode>
+                <dgm:layoutNode name="hierChild6">
+                  <dgm:choose name="Name127">
+                    <dgm:if name="Name128" func="var" arg="hierBranch" op="equ" val="l">
+                      <dgm:alg type="hierChild">
+                        <dgm:param type="chAlign" val="r"/>
+                        <dgm:param type="linDir" val="fromT"/>
+                      </dgm:alg>
+                    </dgm:if>
+                    <dgm:if name="Name129" func="var" arg="hierBranch" op="equ" val="r">
+                      <dgm:alg type="hierChild">
+                        <dgm:param type="chAlign" val="l"/>
+                        <dgm:param type="linDir" val="fromT"/>
+                      </dgm:alg>
+                    </dgm:if>
+                    <dgm:if name="Name130" func="var" arg="hierBranch" op="equ" val="hang">
+                      <dgm:choose name="Name131">
+                        <dgm:if name="Name132" func="var" arg="dir" op="equ" val="norm">
+                          <dgm:alg type="hierChild">
+                            <dgm:param type="chAlign" val="l"/>
+                            <dgm:param type="linDir" val="fromL"/>
+                            <dgm:param type="secChAlign" val="t"/>
+                            <dgm:param type="secLinDir" val="fromT"/>
+                          </dgm:alg>
+                        </dgm:if>
+                        <dgm:else name="Name133">
+                          <dgm:alg type="hierChild">
+                            <dgm:param type="chAlign" val="l"/>
+                            <dgm:param type="linDir" val="fromR"/>
+                            <dgm:param type="secChAlign" val="t"/>
+                            <dgm:param type="secLinDir" val="fromT"/>
+                          </dgm:alg>
+                        </dgm:else>
+                      </dgm:choose>
+                    </dgm:if>
+                    <dgm:if name="Name134" func="var" arg="hierBranch" op="equ" val="std">
+                      <dgm:choose name="Name135">
+                        <dgm:if name="Name136" func="var" arg="dir" op="equ" val="norm">
+                          <dgm:alg type="hierChild"/>
+                        </dgm:if>
+                        <dgm:else name="Name137">
+                          <dgm:alg type="hierChild">
+                            <dgm:param type="linDir" val="fromR"/>
+                          </dgm:alg>
+                        </dgm:else>
+                      </dgm:choose>
+                    </dgm:if>
+                    <dgm:if name="Name138" func="var" arg="hierBranch" op="equ" val="init">
+                      <dgm:choose name="Name139">
+                        <dgm:if name="Name140" axis="des" func="maxDepth" op="lte" val="1">
+                          <dgm:alg type="hierChild">
+                            <dgm:param type="chAlign" val="l"/>
+                            <dgm:param type="linDir" val="fromT"/>
+                          </dgm:alg>
+                        </dgm:if>
+                        <dgm:else name="Name141">
+                          <dgm:alg type="hierChild"/>
+                        </dgm:else>
+                      </dgm:choose>
+                    </dgm:if>
+                    <dgm:else name="Name142"/>
+                  </dgm:choose>
+                  <dgm:shape xmlns:r="http://schemas.openxmlformats.org/officeDocument/2006/relationships" r:blip="">
+                    <dgm:adjLst/>
+                  </dgm:shape>
+                  <dgm:presOf/>
+                  <dgm:constrLst/>
+                  <dgm:ruleLst/>
+                  <dgm:forEach name="Name143" ref="rep2a"/>
+                </dgm:layoutNode>
+                <dgm:layoutNode name="hierChild7">
+                  <dgm:choose name="Name144">
+                    <dgm:if name="Name145" func="var" arg="dir" op="equ" val="norm">
+                      <dgm:alg type="hierChild">
+                        <dgm:param type="chAlign" val="l"/>
+                        <dgm:param type="linDir" val="fromL"/>
+                        <dgm:param type="secChAlign" val="t"/>
+                        <dgm:param type="secLinDir" val="fromT"/>
+                      </dgm:alg>
+                    </dgm:if>
+                    <dgm:else name="Name146">
+                      <dgm:alg type="hierChild">
+                        <dgm:param type="chAlign" val="l"/>
+                        <dgm:param type="linDir" val="fromR"/>
+                        <dgm:param type="secChAlign" val="t"/>
+                        <dgm:param type="secLinDir" val="fromT"/>
+                      </dgm:alg>
+                    </dgm:else>
+                  </dgm:choose>
+                  <dgm:shape xmlns:r="http://schemas.openxmlformats.org/officeDocument/2006/relationships" r:blip="">
+                    <dgm:adjLst/>
+                  </dgm:shape>
+                  <dgm:presOf/>
+                  <dgm:constrLst/>
+                  <dgm:ruleLst/>
+                  <dgm:forEach name="Name147" ref="rep2b"/>
+                </dgm:layoutNode>
+              </dgm:layoutNode>
+            </dgm:forEach>
+          </dgm:layoutNode>
+        </dgm:layoutNode>
+      </dgm:forEach>
+    </dgm:forEach>
+  </dgm:layoutNode>
+</dgm:layoutDef>
+</file>
+
+<file path=ppt/diagrams/layout4.xml><?xml version="1.0" encoding="utf-8"?>
 <dgm:layoutDef xmlns:dgm="http://schemas.openxmlformats.org/drawingml/2006/diagram" xmlns:a="http://schemas.openxmlformats.org/drawingml/2006/main" uniqueId="urn:microsoft.com/office/officeart/2005/8/layout/vList2">
   <dgm:title val=""/>
   <dgm:desc val=""/>
@@ -8151,6 +11800,1040 @@
 </dgm:styleDef>
 </file>
 
+<file path=ppt/diagrams/quickStyle4.xml><?xml version="1.0" encoding="utf-8"?>
+<dgm:styleDef xmlns:dgm="http://schemas.openxmlformats.org/drawingml/2006/diagram" xmlns:a="http://schemas.openxmlformats.org/drawingml/2006/main" uniqueId="urn:microsoft.com/office/officeart/2005/8/quickstyle/simple1">
+  <dgm:title val=""/>
+  <dgm:desc val=""/>
+  <dgm:catLst>
+    <dgm:cat type="simple" pri="10100"/>
+  </dgm:catLst>
+  <dgm:scene3d>
+    <a:camera prst="orthographicFront"/>
+    <a:lightRig rig="threePt" dir="t"/>
+  </dgm:scene3d>
+  <dgm:styleLbl name="node0">
+    <dgm:scene3d>
+      <a:camera prst="orthographicFront"/>
+      <a:lightRig rig="threePt" dir="t"/>
+    </dgm:scene3d>
+    <dgm:sp3d/>
+    <dgm:txPr/>
+    <dgm:style>
+      <a:lnRef idx="2">
+        <a:scrgbClr r="0" g="0" b="0"/>
+      </a:lnRef>
+      <a:fillRef idx="1">
+        <a:scrgbClr r="0" g="0" b="0"/>
+      </a:fillRef>
+      <a:effectRef idx="0">
+        <a:scrgbClr r="0" g="0" b="0"/>
+      </a:effectRef>
+      <a:fontRef idx="minor">
+        <a:schemeClr val="lt1"/>
+      </a:fontRef>
+    </dgm:style>
+  </dgm:styleLbl>
+  <dgm:styleLbl name="lnNode1">
+    <dgm:scene3d>
+      <a:camera prst="orthographicFront"/>
+      <a:lightRig rig="threePt" dir="t"/>
+    </dgm:scene3d>
+    <dgm:sp3d/>
+    <dgm:txPr/>
+    <dgm:style>
+      <a:lnRef idx="2">
+        <a:scrgbClr r="0" g="0" b="0"/>
+      </a:lnRef>
+      <a:fillRef idx="1">
+        <a:scrgbClr r="0" g="0" b="0"/>
+      </a:fillRef>
+      <a:effectRef idx="0">
+        <a:scrgbClr r="0" g="0" b="0"/>
+      </a:effectRef>
+      <a:fontRef idx="minor">
+        <a:schemeClr val="lt1"/>
+      </a:fontRef>
+    </dgm:style>
+  </dgm:styleLbl>
+  <dgm:styleLbl name="vennNode1">
+    <dgm:scene3d>
+      <a:camera prst="orthographicFront"/>
+      <a:lightRig rig="threePt" dir="t"/>
+    </dgm:scene3d>
+    <dgm:sp3d/>
+    <dgm:txPr/>
+    <dgm:style>
+      <a:lnRef idx="2">
+        <a:scrgbClr r="0" g="0" b="0"/>
+      </a:lnRef>
+      <a:fillRef idx="1">
+        <a:scrgbClr r="0" g="0" b="0"/>
+      </a:fillRef>
+      <a:effectRef idx="0">
+        <a:scrgbClr r="0" g="0" b="0"/>
+      </a:effectRef>
+      <a:fontRef idx="minor">
+        <a:schemeClr val="tx1"/>
+      </a:fontRef>
+    </dgm:style>
+  </dgm:styleLbl>
+  <dgm:styleLbl name="alignNode1">
+    <dgm:scene3d>
+      <a:camera prst="orthographicFront"/>
+      <a:lightRig rig="threePt" dir="t"/>
+    </dgm:scene3d>
+    <dgm:sp3d/>
+    <dgm:txPr/>
+    <dgm:style>
+      <a:lnRef idx="2">
+        <a:scrgbClr r="0" g="0" b="0"/>
+      </a:lnRef>
+      <a:fillRef idx="1">
+        <a:scrgbClr r="0" g="0" b="0"/>
+      </a:fillRef>
+      <a:effectRef idx="0">
+        <a:scrgbClr r="0" g="0" b="0"/>
+      </a:effectRef>
+      <a:fontRef idx="minor">
+        <a:schemeClr val="lt1"/>
+      </a:fontRef>
+    </dgm:style>
+  </dgm:styleLbl>
+  <dgm:styleLbl name="node1">
+    <dgm:scene3d>
+      <a:camera prst="orthographicFront"/>
+      <a:lightRig rig="threePt" dir="t"/>
+    </dgm:scene3d>
+    <dgm:sp3d/>
+    <dgm:txPr/>
+    <dgm:style>
+      <a:lnRef idx="2">
+        <a:scrgbClr r="0" g="0" b="0"/>
+      </a:lnRef>
+      <a:fillRef idx="1">
+        <a:scrgbClr r="0" g="0" b="0"/>
+      </a:fillRef>
+      <a:effectRef idx="0">
+        <a:scrgbClr r="0" g="0" b="0"/>
+      </a:effectRef>
+      <a:fontRef idx="minor">
+        <a:schemeClr val="lt1"/>
+      </a:fontRef>
+    </dgm:style>
+  </dgm:styleLbl>
+  <dgm:styleLbl name="node2">
+    <dgm:scene3d>
+      <a:camera prst="orthographicFront"/>
+      <a:lightRig rig="threePt" dir="t"/>
+    </dgm:scene3d>
+    <dgm:sp3d/>
+    <dgm:txPr/>
+    <dgm:style>
+      <a:lnRef idx="2">
+        <a:scrgbClr r="0" g="0" b="0"/>
+      </a:lnRef>
+      <a:fillRef idx="1">
+        <a:scrgbClr r="0" g="0" b="0"/>
+      </a:fillRef>
+      <a:effectRef idx="0">
+        <a:scrgbClr r="0" g="0" b="0"/>
+      </a:effectRef>
+      <a:fontRef idx="minor">
+        <a:schemeClr val="lt1"/>
+      </a:fontRef>
+    </dgm:style>
+  </dgm:styleLbl>
+  <dgm:styleLbl name="node3">
+    <dgm:scene3d>
+      <a:camera prst="orthographicFront"/>
+      <a:lightRig rig="threePt" dir="t"/>
+    </dgm:scene3d>
+    <dgm:sp3d/>
+    <dgm:txPr/>
+    <dgm:style>
+      <a:lnRef idx="2">
+        <a:scrgbClr r="0" g="0" b="0"/>
+      </a:lnRef>
+      <a:fillRef idx="1">
+        <a:scrgbClr r="0" g="0" b="0"/>
+      </a:fillRef>
+      <a:effectRef idx="0">
+        <a:scrgbClr r="0" g="0" b="0"/>
+      </a:effectRef>
+      <a:fontRef idx="minor">
+        <a:schemeClr val="lt1"/>
+      </a:fontRef>
+    </dgm:style>
+  </dgm:styleLbl>
+  <dgm:styleLbl name="node4">
+    <dgm:scene3d>
+      <a:camera prst="orthographicFront"/>
+      <a:lightRig rig="threePt" dir="t"/>
+    </dgm:scene3d>
+    <dgm:sp3d/>
+    <dgm:txPr/>
+    <dgm:style>
+      <a:lnRef idx="2">
+        <a:scrgbClr r="0" g="0" b="0"/>
+      </a:lnRef>
+      <a:fillRef idx="1">
+        <a:scrgbClr r="0" g="0" b="0"/>
+      </a:fillRef>
+      <a:effectRef idx="0">
+        <a:scrgbClr r="0" g="0" b="0"/>
+      </a:effectRef>
+      <a:fontRef idx="minor">
+        <a:schemeClr val="lt1"/>
+      </a:fontRef>
+    </dgm:style>
+  </dgm:styleLbl>
+  <dgm:styleLbl name="fgImgPlace1">
+    <dgm:scene3d>
+      <a:camera prst="orthographicFront"/>
+      <a:lightRig rig="threePt" dir="t"/>
+    </dgm:scene3d>
+    <dgm:sp3d/>
+    <dgm:txPr/>
+    <dgm:style>
+      <a:lnRef idx="2">
+        <a:scrgbClr r="0" g="0" b="0"/>
+      </a:lnRef>
+      <a:fillRef idx="1">
+        <a:scrgbClr r="0" g="0" b="0"/>
+      </a:fillRef>
+      <a:effectRef idx="0">
+        <a:scrgbClr r="0" g="0" b="0"/>
+      </a:effectRef>
+      <a:fontRef idx="minor"/>
+    </dgm:style>
+  </dgm:styleLbl>
+  <dgm:styleLbl name="alignImgPlace1">
+    <dgm:scene3d>
+      <a:camera prst="orthographicFront"/>
+      <a:lightRig rig="threePt" dir="t"/>
+    </dgm:scene3d>
+    <dgm:sp3d/>
+    <dgm:txPr/>
+    <dgm:style>
+      <a:lnRef idx="2">
+        <a:scrgbClr r="0" g="0" b="0"/>
+      </a:lnRef>
+      <a:fillRef idx="1">
+        <a:scrgbClr r="0" g="0" b="0"/>
+      </a:fillRef>
+      <a:effectRef idx="0">
+        <a:scrgbClr r="0" g="0" b="0"/>
+      </a:effectRef>
+      <a:fontRef idx="minor"/>
+    </dgm:style>
+  </dgm:styleLbl>
+  <dgm:styleLbl name="bgImgPlace1">
+    <dgm:scene3d>
+      <a:camera prst="orthographicFront"/>
+      <a:lightRig rig="threePt" dir="t"/>
+    </dgm:scene3d>
+    <dgm:sp3d/>
+    <dgm:txPr/>
+    <dgm:style>
+      <a:lnRef idx="2">
+        <a:scrgbClr r="0" g="0" b="0"/>
+      </a:lnRef>
+      <a:fillRef idx="1">
+        <a:scrgbClr r="0" g="0" b="0"/>
+      </a:fillRef>
+      <a:effectRef idx="0">
+        <a:scrgbClr r="0" g="0" b="0"/>
+      </a:effectRef>
+      <a:fontRef idx="minor"/>
+    </dgm:style>
+  </dgm:styleLbl>
+  <dgm:styleLbl name="sibTrans2D1">
+    <dgm:scene3d>
+      <a:camera prst="orthographicFront"/>
+      <a:lightRig rig="threePt" dir="t"/>
+    </dgm:scene3d>
+    <dgm:sp3d/>
+    <dgm:txPr/>
+    <dgm:style>
+      <a:lnRef idx="0">
+        <a:scrgbClr r="0" g="0" b="0"/>
+      </a:lnRef>
+      <a:fillRef idx="1">
+        <a:scrgbClr r="0" g="0" b="0"/>
+      </a:fillRef>
+      <a:effectRef idx="0">
+        <a:scrgbClr r="0" g="0" b="0"/>
+      </a:effectRef>
+      <a:fontRef idx="minor">
+        <a:schemeClr val="lt1"/>
+      </a:fontRef>
+    </dgm:style>
+  </dgm:styleLbl>
+  <dgm:styleLbl name="fgSibTrans2D1">
+    <dgm:scene3d>
+      <a:camera prst="orthographicFront"/>
+      <a:lightRig rig="threePt" dir="t"/>
+    </dgm:scene3d>
+    <dgm:sp3d/>
+    <dgm:txPr/>
+    <dgm:style>
+      <a:lnRef idx="0">
+        <a:scrgbClr r="0" g="0" b="0"/>
+      </a:lnRef>
+      <a:fillRef idx="1">
+        <a:scrgbClr r="0" g="0" b="0"/>
+      </a:fillRef>
+      <a:effectRef idx="0">
+        <a:scrgbClr r="0" g="0" b="0"/>
+      </a:effectRef>
+      <a:fontRef idx="minor">
+        <a:schemeClr val="lt1"/>
+      </a:fontRef>
+    </dgm:style>
+  </dgm:styleLbl>
+  <dgm:styleLbl name="bgSibTrans2D1">
+    <dgm:scene3d>
+      <a:camera prst="orthographicFront"/>
+      <a:lightRig rig="threePt" dir="t"/>
+    </dgm:scene3d>
+    <dgm:sp3d/>
+    <dgm:txPr/>
+    <dgm:style>
+      <a:lnRef idx="0">
+        <a:scrgbClr r="0" g="0" b="0"/>
+      </a:lnRef>
+      <a:fillRef idx="1">
+        <a:scrgbClr r="0" g="0" b="0"/>
+      </a:fillRef>
+      <a:effectRef idx="0">
+        <a:scrgbClr r="0" g="0" b="0"/>
+      </a:effectRef>
+      <a:fontRef idx="minor">
+        <a:schemeClr val="lt1"/>
+      </a:fontRef>
+    </dgm:style>
+  </dgm:styleLbl>
+  <dgm:styleLbl name="sibTrans1D1">
+    <dgm:scene3d>
+      <a:camera prst="orthographicFront"/>
+      <a:lightRig rig="threePt" dir="t"/>
+    </dgm:scene3d>
+    <dgm:sp3d/>
+    <dgm:txPr/>
+    <dgm:style>
+      <a:lnRef idx="1">
+        <a:scrgbClr r="0" g="0" b="0"/>
+      </a:lnRef>
+      <a:fillRef idx="0">
+        <a:scrgbClr r="0" g="0" b="0"/>
+      </a:fillRef>
+      <a:effectRef idx="0">
+        <a:scrgbClr r="0" g="0" b="0"/>
+      </a:effectRef>
+      <a:fontRef idx="minor"/>
+    </dgm:style>
+  </dgm:styleLbl>
+  <dgm:styleLbl name="callout">
+    <dgm:scene3d>
+      <a:camera prst="orthographicFront"/>
+      <a:lightRig rig="threePt" dir="t"/>
+    </dgm:scene3d>
+    <dgm:sp3d/>
+    <dgm:txPr/>
+    <dgm:style>
+      <a:lnRef idx="2">
+        <a:scrgbClr r="0" g="0" b="0"/>
+      </a:lnRef>
+      <a:fillRef idx="1">
+        <a:scrgbClr r="0" g="0" b="0"/>
+      </a:fillRef>
+      <a:effectRef idx="0">
+        <a:scrgbClr r="0" g="0" b="0"/>
+      </a:effectRef>
+      <a:fontRef idx="minor"/>
+    </dgm:style>
+  </dgm:styleLbl>
+  <dgm:styleLbl name="asst0">
+    <dgm:scene3d>
+      <a:camera prst="orthographicFront"/>
+      <a:lightRig rig="threePt" dir="t"/>
+    </dgm:scene3d>
+    <dgm:sp3d/>
+    <dgm:txPr/>
+    <dgm:style>
+      <a:lnRef idx="2">
+        <a:scrgbClr r="0" g="0" b="0"/>
+      </a:lnRef>
+      <a:fillRef idx="1">
+        <a:scrgbClr r="0" g="0" b="0"/>
+      </a:fillRef>
+      <a:effectRef idx="0">
+        <a:scrgbClr r="0" g="0" b="0"/>
+      </a:effectRef>
+      <a:fontRef idx="minor">
+        <a:schemeClr val="lt1"/>
+      </a:fontRef>
+    </dgm:style>
+  </dgm:styleLbl>
+  <dgm:styleLbl name="asst1">
+    <dgm:scene3d>
+      <a:camera prst="orthographicFront"/>
+      <a:lightRig rig="threePt" dir="t"/>
+    </dgm:scene3d>
+    <dgm:sp3d/>
+    <dgm:txPr/>
+    <dgm:style>
+      <a:lnRef idx="2">
+        <a:scrgbClr r="0" g="0" b="0"/>
+      </a:lnRef>
+      <a:fillRef idx="1">
+        <a:scrgbClr r="0" g="0" b="0"/>
+      </a:fillRef>
+      <a:effectRef idx="0">
+        <a:scrgbClr r="0" g="0" b="0"/>
+      </a:effectRef>
+      <a:fontRef idx="minor">
+        <a:schemeClr val="lt1"/>
+      </a:fontRef>
+    </dgm:style>
+  </dgm:styleLbl>
+  <dgm:styleLbl name="asst2">
+    <dgm:scene3d>
+      <a:camera prst="orthographicFront"/>
+      <a:lightRig rig="threePt" dir="t"/>
+    </dgm:scene3d>
+    <dgm:sp3d/>
+    <dgm:txPr/>
+    <dgm:style>
+      <a:lnRef idx="2">
+        <a:scrgbClr r="0" g="0" b="0"/>
+      </a:lnRef>
+      <a:fillRef idx="1">
+        <a:scrgbClr r="0" g="0" b="0"/>
+      </a:fillRef>
+      <a:effectRef idx="0">
+        <a:scrgbClr r="0" g="0" b="0"/>
+      </a:effectRef>
+      <a:fontRef idx="minor">
+        <a:schemeClr val="lt1"/>
+      </a:fontRef>
+    </dgm:style>
+  </dgm:styleLbl>
+  <dgm:styleLbl name="asst3">
+    <dgm:scene3d>
+      <a:camera prst="orthographicFront"/>
+      <a:lightRig rig="threePt" dir="t"/>
+    </dgm:scene3d>
+    <dgm:sp3d/>
+    <dgm:txPr/>
+    <dgm:style>
+      <a:lnRef idx="2">
+        <a:scrgbClr r="0" g="0" b="0"/>
+      </a:lnRef>
+      <a:fillRef idx="1">
+        <a:scrgbClr r="0" g="0" b="0"/>
+      </a:fillRef>
+      <a:effectRef idx="0">
+        <a:scrgbClr r="0" g="0" b="0"/>
+      </a:effectRef>
+      <a:fontRef idx="minor">
+        <a:schemeClr val="lt1"/>
+      </a:fontRef>
+    </dgm:style>
+  </dgm:styleLbl>
+  <dgm:styleLbl name="asst4">
+    <dgm:scene3d>
+      <a:camera prst="orthographicFront"/>
+      <a:lightRig rig="threePt" dir="t"/>
+    </dgm:scene3d>
+    <dgm:sp3d/>
+    <dgm:txPr/>
+    <dgm:style>
+      <a:lnRef idx="2">
+        <a:scrgbClr r="0" g="0" b="0"/>
+      </a:lnRef>
+      <a:fillRef idx="1">
+        <a:scrgbClr r="0" g="0" b="0"/>
+      </a:fillRef>
+      <a:effectRef idx="0">
+        <a:scrgbClr r="0" g="0" b="0"/>
+      </a:effectRef>
+      <a:fontRef idx="minor">
+        <a:schemeClr val="lt1"/>
+      </a:fontRef>
+    </dgm:style>
+  </dgm:styleLbl>
+  <dgm:styleLbl name="parChTrans2D1">
+    <dgm:scene3d>
+      <a:camera prst="orthographicFront"/>
+      <a:lightRig rig="threePt" dir="t"/>
+    </dgm:scene3d>
+    <dgm:sp3d/>
+    <dgm:txPr/>
+    <dgm:style>
+      <a:lnRef idx="2">
+        <a:scrgbClr r="0" g="0" b="0"/>
+      </a:lnRef>
+      <a:fillRef idx="1">
+        <a:scrgbClr r="0" g="0" b="0"/>
+      </a:fillRef>
+      <a:effectRef idx="0">
+        <a:scrgbClr r="0" g="0" b="0"/>
+      </a:effectRef>
+      <a:fontRef idx="minor">
+        <a:schemeClr val="lt1"/>
+      </a:fontRef>
+    </dgm:style>
+  </dgm:styleLbl>
+  <dgm:styleLbl name="parChTrans2D2">
+    <dgm:scene3d>
+      <a:camera prst="orthographicFront"/>
+      <a:lightRig rig="threePt" dir="t"/>
+    </dgm:scene3d>
+    <dgm:sp3d/>
+    <dgm:txPr/>
+    <dgm:style>
+      <a:lnRef idx="2">
+        <a:scrgbClr r="0" g="0" b="0"/>
+      </a:lnRef>
+      <a:fillRef idx="1">
+        <a:scrgbClr r="0" g="0" b="0"/>
+      </a:fillRef>
+      <a:effectRef idx="0">
+        <a:scrgbClr r="0" g="0" b="0"/>
+      </a:effectRef>
+      <a:fontRef idx="minor">
+        <a:schemeClr val="lt1"/>
+      </a:fontRef>
+    </dgm:style>
+  </dgm:styleLbl>
+  <dgm:styleLbl name="parChTrans2D3">
+    <dgm:scene3d>
+      <a:camera prst="orthographicFront"/>
+      <a:lightRig rig="threePt" dir="t"/>
+    </dgm:scene3d>
+    <dgm:sp3d/>
+    <dgm:txPr/>
+    <dgm:style>
+      <a:lnRef idx="2">
+        <a:scrgbClr r="0" g="0" b="0"/>
+      </a:lnRef>
+      <a:fillRef idx="1">
+        <a:scrgbClr r="0" g="0" b="0"/>
+      </a:fillRef>
+      <a:effectRef idx="0">
+        <a:scrgbClr r="0" g="0" b="0"/>
+      </a:effectRef>
+      <a:fontRef idx="minor">
+        <a:schemeClr val="lt1"/>
+      </a:fontRef>
+    </dgm:style>
+  </dgm:styleLbl>
+  <dgm:styleLbl name="parChTrans2D4">
+    <dgm:scene3d>
+      <a:camera prst="orthographicFront"/>
+      <a:lightRig rig="threePt" dir="t"/>
+    </dgm:scene3d>
+    <dgm:sp3d/>
+    <dgm:txPr/>
+    <dgm:style>
+      <a:lnRef idx="2">
+        <a:scrgbClr r="0" g="0" b="0"/>
+      </a:lnRef>
+      <a:fillRef idx="1">
+        <a:scrgbClr r="0" g="0" b="0"/>
+      </a:fillRef>
+      <a:effectRef idx="0">
+        <a:scrgbClr r="0" g="0" b="0"/>
+      </a:effectRef>
+      <a:fontRef idx="minor">
+        <a:schemeClr val="lt1"/>
+      </a:fontRef>
+    </dgm:style>
+  </dgm:styleLbl>
+  <dgm:styleLbl name="parChTrans1D1">
+    <dgm:scene3d>
+      <a:camera prst="orthographicFront"/>
+      <a:lightRig rig="threePt" dir="t"/>
+    </dgm:scene3d>
+    <dgm:sp3d/>
+    <dgm:txPr/>
+    <dgm:style>
+      <a:lnRef idx="2">
+        <a:scrgbClr r="0" g="0" b="0"/>
+      </a:lnRef>
+      <a:fillRef idx="0">
+        <a:scrgbClr r="0" g="0" b="0"/>
+      </a:fillRef>
+      <a:effectRef idx="0">
+        <a:scrgbClr r="0" g="0" b="0"/>
+      </a:effectRef>
+      <a:fontRef idx="minor"/>
+    </dgm:style>
+  </dgm:styleLbl>
+  <dgm:styleLbl name="parChTrans1D2">
+    <dgm:scene3d>
+      <a:camera prst="orthographicFront"/>
+      <a:lightRig rig="threePt" dir="t"/>
+    </dgm:scene3d>
+    <dgm:sp3d/>
+    <dgm:txPr/>
+    <dgm:style>
+      <a:lnRef idx="2">
+        <a:scrgbClr r="0" g="0" b="0"/>
+      </a:lnRef>
+      <a:fillRef idx="0">
+        <a:scrgbClr r="0" g="0" b="0"/>
+      </a:fillRef>
+      <a:effectRef idx="0">
+        <a:scrgbClr r="0" g="0" b="0"/>
+      </a:effectRef>
+      <a:fontRef idx="minor"/>
+    </dgm:style>
+  </dgm:styleLbl>
+  <dgm:styleLbl name="parChTrans1D3">
+    <dgm:scene3d>
+      <a:camera prst="orthographicFront"/>
+      <a:lightRig rig="threePt" dir="t"/>
+    </dgm:scene3d>
+    <dgm:sp3d/>
+    <dgm:txPr/>
+    <dgm:style>
+      <a:lnRef idx="2">
+        <a:scrgbClr r="0" g="0" b="0"/>
+      </a:lnRef>
+      <a:fillRef idx="0">
+        <a:scrgbClr r="0" g="0" b="0"/>
+      </a:fillRef>
+      <a:effectRef idx="0">
+        <a:scrgbClr r="0" g="0" b="0"/>
+      </a:effectRef>
+      <a:fontRef idx="minor"/>
+    </dgm:style>
+  </dgm:styleLbl>
+  <dgm:styleLbl name="parChTrans1D4">
+    <dgm:scene3d>
+      <a:camera prst="orthographicFront"/>
+      <a:lightRig rig="threePt" dir="t"/>
+    </dgm:scene3d>
+    <dgm:sp3d/>
+    <dgm:txPr/>
+    <dgm:style>
+      <a:lnRef idx="2">
+        <a:scrgbClr r="0" g="0" b="0"/>
+      </a:lnRef>
+      <a:fillRef idx="0">
+        <a:scrgbClr r="0" g="0" b="0"/>
+      </a:fillRef>
+      <a:effectRef idx="0">
+        <a:scrgbClr r="0" g="0" b="0"/>
+      </a:effectRef>
+      <a:fontRef idx="minor"/>
+    </dgm:style>
+  </dgm:styleLbl>
+  <dgm:styleLbl name="fgAcc1">
+    <dgm:scene3d>
+      <a:camera prst="orthographicFront"/>
+      <a:lightRig rig="threePt" dir="t"/>
+    </dgm:scene3d>
+    <dgm:sp3d/>
+    <dgm:txPr/>
+    <dgm:style>
+      <a:lnRef idx="2">
+        <a:scrgbClr r="0" g="0" b="0"/>
+      </a:lnRef>
+      <a:fillRef idx="1">
+        <a:scrgbClr r="0" g="0" b="0"/>
+      </a:fillRef>
+      <a:effectRef idx="0">
+        <a:scrgbClr r="0" g="0" b="0"/>
+      </a:effectRef>
+      <a:fontRef idx="minor"/>
+    </dgm:style>
+  </dgm:styleLbl>
+  <dgm:styleLbl name="conFgAcc1">
+    <dgm:scene3d>
+      <a:camera prst="orthographicFront"/>
+      <a:lightRig rig="threePt" dir="t"/>
+    </dgm:scene3d>
+    <dgm:sp3d/>
+    <dgm:txPr/>
+    <dgm:style>
+      <a:lnRef idx="2">
+        <a:scrgbClr r="0" g="0" b="0"/>
+      </a:lnRef>
+      <a:fillRef idx="1">
+        <a:scrgbClr r="0" g="0" b="0"/>
+      </a:fillRef>
+      <a:effectRef idx="0">
+        <a:scrgbClr r="0" g="0" b="0"/>
+      </a:effectRef>
+      <a:fontRef idx="minor"/>
+    </dgm:style>
+  </dgm:styleLbl>
+  <dgm:styleLbl name="alignAcc1">
+    <dgm:scene3d>
+      <a:camera prst="orthographicFront"/>
+      <a:lightRig rig="threePt" dir="t"/>
+    </dgm:scene3d>
+    <dgm:sp3d/>
+    <dgm:txPr/>
+    <dgm:style>
+      <a:lnRef idx="2">
+        <a:scrgbClr r="0" g="0" b="0"/>
+      </a:lnRef>
+      <a:fillRef idx="1">
+        <a:scrgbClr r="0" g="0" b="0"/>
+      </a:fillRef>
+      <a:effectRef idx="0">
+        <a:scrgbClr r="0" g="0" b="0"/>
+      </a:effectRef>
+      <a:fontRef idx="minor"/>
+    </dgm:style>
+  </dgm:styleLbl>
+  <dgm:styleLbl name="trAlignAcc1">
+    <dgm:scene3d>
+      <a:camera prst="orthographicFront"/>
+      <a:lightRig rig="threePt" dir="t"/>
+    </dgm:scene3d>
+    <dgm:sp3d/>
+    <dgm:txPr/>
+    <dgm:style>
+      <a:lnRef idx="1">
+        <a:scrgbClr r="0" g="0" b="0"/>
+      </a:lnRef>
+      <a:fillRef idx="1">
+        <a:scrgbClr r="0" g="0" b="0"/>
+      </a:fillRef>
+      <a:effectRef idx="0">
+        <a:scrgbClr r="0" g="0" b="0"/>
+      </a:effectRef>
+      <a:fontRef idx="minor"/>
+    </dgm:style>
+  </dgm:styleLbl>
+  <dgm:styleLbl name="bgAcc1">
+    <dgm:scene3d>
+      <a:camera prst="orthographicFront"/>
+      <a:lightRig rig="threePt" dir="t"/>
+    </dgm:scene3d>
+    <dgm:sp3d/>
+    <dgm:txPr/>
+    <dgm:style>
+      <a:lnRef idx="2">
+        <a:scrgbClr r="0" g="0" b="0"/>
+      </a:lnRef>
+      <a:fillRef idx="1">
+        <a:scrgbClr r="0" g="0" b="0"/>
+      </a:fillRef>
+      <a:effectRef idx="0">
+        <a:scrgbClr r="0" g="0" b="0"/>
+      </a:effectRef>
+      <a:fontRef idx="minor"/>
+    </dgm:style>
+  </dgm:styleLbl>
+  <dgm:styleLbl name="solidFgAcc1">
+    <dgm:scene3d>
+      <a:camera prst="orthographicFront"/>
+      <a:lightRig rig="threePt" dir="t"/>
+    </dgm:scene3d>
+    <dgm:sp3d/>
+    <dgm:txPr/>
+    <dgm:style>
+      <a:lnRef idx="2">
+        <a:scrgbClr r="0" g="0" b="0"/>
+      </a:lnRef>
+      <a:fillRef idx="1">
+        <a:scrgbClr r="0" g="0" b="0"/>
+      </a:fillRef>
+      <a:effectRef idx="0">
+        <a:scrgbClr r="0" g="0" b="0"/>
+      </a:effectRef>
+      <a:fontRef idx="minor"/>
+    </dgm:style>
+  </dgm:styleLbl>
+  <dgm:styleLbl name="solidAlignAcc1">
+    <dgm:scene3d>
+      <a:camera prst="orthographicFront"/>
+      <a:lightRig rig="threePt" dir="t"/>
+    </dgm:scene3d>
+    <dgm:sp3d/>
+    <dgm:txPr/>
+    <dgm:style>
+      <a:lnRef idx="2">
+        <a:scrgbClr r="0" g="0" b="0"/>
+      </a:lnRef>
+      <a:fillRef idx="1">
+        <a:scrgbClr r="0" g="0" b="0"/>
+      </a:fillRef>
+      <a:effectRef idx="0">
+        <a:scrgbClr r="0" g="0" b="0"/>
+      </a:effectRef>
+      <a:fontRef idx="minor"/>
+    </dgm:style>
+  </dgm:styleLbl>
+  <dgm:styleLbl name="solidBgAcc1">
+    <dgm:scene3d>
+      <a:camera prst="orthographicFront"/>
+      <a:lightRig rig="threePt" dir="t"/>
+    </dgm:scene3d>
+    <dgm:sp3d/>
+    <dgm:txPr/>
+    <dgm:style>
+      <a:lnRef idx="2">
+        <a:scrgbClr r="0" g="0" b="0"/>
+      </a:lnRef>
+      <a:fillRef idx="1">
+        <a:scrgbClr r="0" g="0" b="0"/>
+      </a:fillRef>
+      <a:effectRef idx="0">
+        <a:scrgbClr r="0" g="0" b="0"/>
+      </a:effectRef>
+      <a:fontRef idx="minor"/>
+    </dgm:style>
+  </dgm:styleLbl>
+  <dgm:styleLbl name="fgAccFollowNode1">
+    <dgm:scene3d>
+      <a:camera prst="orthographicFront"/>
+      <a:lightRig rig="threePt" dir="t"/>
+    </dgm:scene3d>
+    <dgm:sp3d/>
+    <dgm:txPr/>
+    <dgm:style>
+      <a:lnRef idx="2">
+        <a:scrgbClr r="0" g="0" b="0"/>
+      </a:lnRef>
+      <a:fillRef idx="1">
+        <a:scrgbClr r="0" g="0" b="0"/>
+      </a:fillRef>
+      <a:effectRef idx="0">
+        <a:scrgbClr r="0" g="0" b="0"/>
+      </a:effectRef>
+      <a:fontRef idx="minor"/>
+    </dgm:style>
+  </dgm:styleLbl>
+  <dgm:styleLbl name="alignAccFollowNode1">
+    <dgm:scene3d>
+      <a:camera prst="orthographicFront"/>
+      <a:lightRig rig="threePt" dir="t"/>
+    </dgm:scene3d>
+    <dgm:sp3d/>
+    <dgm:txPr/>
+    <dgm:style>
+      <a:lnRef idx="2">
+        <a:scrgbClr r="0" g="0" b="0"/>
+      </a:lnRef>
+      <a:fillRef idx="1">
+        <a:scrgbClr r="0" g="0" b="0"/>
+      </a:fillRef>
+      <a:effectRef idx="0">
+        <a:scrgbClr r="0" g="0" b="0"/>
+      </a:effectRef>
+      <a:fontRef idx="minor"/>
+    </dgm:style>
+  </dgm:styleLbl>
+  <dgm:styleLbl name="bgAccFollowNode1">
+    <dgm:scene3d>
+      <a:camera prst="orthographicFront"/>
+      <a:lightRig rig="threePt" dir="t"/>
+    </dgm:scene3d>
+    <dgm:sp3d/>
+    <dgm:txPr/>
+    <dgm:style>
+      <a:lnRef idx="2">
+        <a:scrgbClr r="0" g="0" b="0"/>
+      </a:lnRef>
+      <a:fillRef idx="1">
+        <a:scrgbClr r="0" g="0" b="0"/>
+      </a:fillRef>
+      <a:effectRef idx="0">
+        <a:scrgbClr r="0" g="0" b="0"/>
+      </a:effectRef>
+      <a:fontRef idx="minor"/>
+    </dgm:style>
+  </dgm:styleLbl>
+  <dgm:styleLbl name="fgAcc0">
+    <dgm:scene3d>
+      <a:camera prst="orthographicFront"/>
+      <a:lightRig rig="threePt" dir="t"/>
+    </dgm:scene3d>
+    <dgm:sp3d/>
+    <dgm:txPr/>
+    <dgm:style>
+      <a:lnRef idx="2">
+        <a:scrgbClr r="0" g="0" b="0"/>
+      </a:lnRef>
+      <a:fillRef idx="1">
+        <a:scrgbClr r="0" g="0" b="0"/>
+      </a:fillRef>
+      <a:effectRef idx="0">
+        <a:scrgbClr r="0" g="0" b="0"/>
+      </a:effectRef>
+      <a:fontRef idx="minor"/>
+    </dgm:style>
+  </dgm:styleLbl>
+  <dgm:styleLbl name="fgAcc2">
+    <dgm:scene3d>
+      <a:camera prst="orthographicFront"/>
+      <a:lightRig rig="threePt" dir="t"/>
+    </dgm:scene3d>
+    <dgm:sp3d/>
+    <dgm:txPr/>
+    <dgm:style>
+      <a:lnRef idx="2">
+        <a:scrgbClr r="0" g="0" b="0"/>
+      </a:lnRef>
+      <a:fillRef idx="1">
+        <a:scrgbClr r="0" g="0" b="0"/>
+      </a:fillRef>
+      <a:effectRef idx="0">
+        <a:scrgbClr r="0" g="0" b="0"/>
+      </a:effectRef>
+      <a:fontRef idx="minor"/>
+    </dgm:style>
+  </dgm:styleLbl>
+  <dgm:styleLbl name="fgAcc3">
+    <dgm:scene3d>
+      <a:camera prst="orthographicFront"/>
+      <a:lightRig rig="threePt" dir="t"/>
+    </dgm:scene3d>
+    <dgm:sp3d/>
+    <dgm:txPr/>
+    <dgm:style>
+      <a:lnRef idx="2">
+        <a:scrgbClr r="0" g="0" b="0"/>
+      </a:lnRef>
+      <a:fillRef idx="1">
+        <a:scrgbClr r="0" g="0" b="0"/>
+      </a:fillRef>
+      <a:effectRef idx="0">
+        <a:scrgbClr r="0" g="0" b="0"/>
+      </a:effectRef>
+      <a:fontRef idx="minor"/>
+    </dgm:style>
+  </dgm:styleLbl>
+  <dgm:styleLbl name="fgAcc4">
+    <dgm:scene3d>
+      <a:camera prst="orthographicFront"/>
+      <a:lightRig rig="threePt" dir="t"/>
+    </dgm:scene3d>
+    <dgm:sp3d/>
+    <dgm:txPr/>
+    <dgm:style>
+      <a:lnRef idx="2">
+        <a:scrgbClr r="0" g="0" b="0"/>
+      </a:lnRef>
+      <a:fillRef idx="1">
+        <a:scrgbClr r="0" g="0" b="0"/>
+      </a:fillRef>
+      <a:effectRef idx="0">
+        <a:scrgbClr r="0" g="0" b="0"/>
+      </a:effectRef>
+      <a:fontRef idx="minor"/>
+    </dgm:style>
+  </dgm:styleLbl>
+  <dgm:styleLbl name="bgShp">
+    <dgm:scene3d>
+      <a:camera prst="orthographicFront"/>
+      <a:lightRig rig="threePt" dir="t"/>
+    </dgm:scene3d>
+    <dgm:sp3d/>
+    <dgm:txPr/>
+    <dgm:style>
+      <a:lnRef idx="0">
+        <a:scrgbClr r="0" g="0" b="0"/>
+      </a:lnRef>
+      <a:fillRef idx="1">
+        <a:scrgbClr r="0" g="0" b="0"/>
+      </a:fillRef>
+      <a:effectRef idx="0">
+        <a:scrgbClr r="0" g="0" b="0"/>
+      </a:effectRef>
+      <a:fontRef idx="minor"/>
+    </dgm:style>
+  </dgm:styleLbl>
+  <dgm:styleLbl name="dkBgShp">
+    <dgm:scene3d>
+      <a:camera prst="orthographicFront"/>
+      <a:lightRig rig="threePt" dir="t"/>
+    </dgm:scene3d>
+    <dgm:sp3d/>
+    <dgm:txPr/>
+    <dgm:style>
+      <a:lnRef idx="0">
+        <a:scrgbClr r="0" g="0" b="0"/>
+      </a:lnRef>
+      <a:fillRef idx="1">
+        <a:scrgbClr r="0" g="0" b="0"/>
+      </a:fillRef>
+      <a:effectRef idx="0">
+        <a:scrgbClr r="0" g="0" b="0"/>
+      </a:effectRef>
+      <a:fontRef idx="minor"/>
+    </dgm:style>
+  </dgm:styleLbl>
+  <dgm:styleLbl name="trBgShp">
+    <dgm:scene3d>
+      <a:camera prst="orthographicFront"/>
+      <a:lightRig rig="threePt" dir="t"/>
+    </dgm:scene3d>
+    <dgm:sp3d/>
+    <dgm:txPr/>
+    <dgm:style>
+      <a:lnRef idx="0">
+        <a:scrgbClr r="0" g="0" b="0"/>
+      </a:lnRef>
+      <a:fillRef idx="1">
+        <a:scrgbClr r="0" g="0" b="0"/>
+      </a:fillRef>
+      <a:effectRef idx="0">
+        <a:scrgbClr r="0" g="0" b="0"/>
+      </a:effectRef>
+      <a:fontRef idx="minor"/>
+    </dgm:style>
+  </dgm:styleLbl>
+  <dgm:styleLbl name="fgShp">
+    <dgm:scene3d>
+      <a:camera prst="orthographicFront"/>
+      <a:lightRig rig="threePt" dir="t"/>
+    </dgm:scene3d>
+    <dgm:sp3d/>
+    <dgm:txPr/>
+    <dgm:style>
+      <a:lnRef idx="2">
+        <a:scrgbClr r="0" g="0" b="0"/>
+      </a:lnRef>
+      <a:fillRef idx="1">
+        <a:scrgbClr r="0" g="0" b="0"/>
+      </a:fillRef>
+      <a:effectRef idx="0">
+        <a:scrgbClr r="0" g="0" b="0"/>
+      </a:effectRef>
+      <a:fontRef idx="minor"/>
+    </dgm:style>
+  </dgm:styleLbl>
+  <dgm:styleLbl name="revTx">
+    <dgm:scene3d>
+      <a:camera prst="orthographicFront"/>
+      <a:lightRig rig="threePt" dir="t"/>
+    </dgm:scene3d>
+    <dgm:sp3d/>
+    <dgm:txPr/>
+    <dgm:style>
+      <a:lnRef idx="0">
+        <a:scrgbClr r="0" g="0" b="0"/>
+      </a:lnRef>
+      <a:fillRef idx="0">
+        <a:scrgbClr r="0" g="0" b="0"/>
+      </a:fillRef>
+      <a:effectRef idx="0">
+        <a:scrgbClr r="0" g="0" b="0"/>
+      </a:effectRef>
+      <a:fontRef idx="minor"/>
+    </dgm:style>
+  </dgm:styleLbl>
+</dgm:styleDef>
+</file>
+
 <file path=ppt/slideLayouts/slideLayout1.xml><?xml version="1.0" encoding="utf-8"?>
 <p:sldLayout xmlns:a="http://schemas.openxmlformats.org/drawingml/2006/main" xmlns:r="http://schemas.openxmlformats.org/officeDocument/2006/relationships" xmlns:p="http://schemas.openxmlformats.org/presentationml/2006/main" type="title" preserve="1">
   <p:cSld name="Title Slide">
@@ -8298,7 +12981,7 @@
           <a:p>
             <a:fld id="{82EDB8D0-98ED-4B86-9D5F-E61ADC70144D}" type="datetimeFigureOut">
               <a:rPr lang="en-US" smtClean="0"/>
-              <a:t>11/21/2021</a:t>
+              <a:t>11/23/2021</a:t>
             </a:fld>
             <a:endParaRPr lang="en-US" dirty="0"/>
           </a:p>
@@ -8713,7 +13396,7 @@
           <a:p>
             <a:fld id="{82EDB8D0-98ED-4B86-9D5F-E61ADC70144D}" type="datetimeFigureOut">
               <a:rPr lang="en-US" smtClean="0"/>
-              <a:t>11/21/2021</a:t>
+              <a:t>11/23/2021</a:t>
             </a:fld>
             <a:endParaRPr lang="en-US"/>
           </a:p>
@@ -9205,7 +13888,7 @@
           <a:p>
             <a:fld id="{82EDB8D0-98ED-4B86-9D5F-E61ADC70144D}" type="datetimeFigureOut">
               <a:rPr lang="en-US" smtClean="0"/>
-              <a:t>11/21/2021</a:t>
+              <a:t>11/23/2021</a:t>
             </a:fld>
             <a:endParaRPr lang="en-US"/>
           </a:p>
@@ -9692,7 +14375,7 @@
           <a:p>
             <a:fld id="{82EDB8D0-98ED-4B86-9D5F-E61ADC70144D}" type="datetimeFigureOut">
               <a:rPr lang="en-US" smtClean="0"/>
-              <a:t>11/21/2021</a:t>
+              <a:t>11/23/2021</a:t>
             </a:fld>
             <a:endParaRPr lang="en-US" dirty="0"/>
           </a:p>
@@ -10461,7 +15144,7 @@
           <a:p>
             <a:fld id="{82EDB8D0-98ED-4B86-9D5F-E61ADC70144D}" type="datetimeFigureOut">
               <a:rPr lang="en-US" smtClean="0"/>
-              <a:t>11/21/2021</a:t>
+              <a:t>11/23/2021</a:t>
             </a:fld>
             <a:endParaRPr lang="en-US"/>
           </a:p>
@@ -10943,7 +15626,7 @@
           <a:p>
             <a:fld id="{82EDB8D0-98ED-4B86-9D5F-E61ADC70144D}" type="datetimeFigureOut">
               <a:rPr lang="en-US" smtClean="0"/>
-              <a:t>11/21/2021</a:t>
+              <a:t>11/23/2021</a:t>
             </a:fld>
             <a:endParaRPr lang="en-US"/>
           </a:p>
@@ -11639,7 +16322,7 @@
           <a:p>
             <a:fld id="{82EDB8D0-98ED-4B86-9D5F-E61ADC70144D}" type="datetimeFigureOut">
               <a:rPr lang="en-US" smtClean="0"/>
-              <a:t>11/21/2021</a:t>
+              <a:t>11/23/2021</a:t>
             </a:fld>
             <a:endParaRPr lang="en-US"/>
           </a:p>
@@ -12064,7 +16747,7 @@
           <a:p>
             <a:fld id="{82EDB8D0-98ED-4B86-9D5F-E61ADC70144D}" type="datetimeFigureOut">
               <a:rPr lang="en-US" smtClean="0"/>
-              <a:t>11/21/2021</a:t>
+              <a:t>11/23/2021</a:t>
             </a:fld>
             <a:endParaRPr lang="en-US"/>
           </a:p>
@@ -12461,7 +17144,7 @@
           <a:p>
             <a:fld id="{82EDB8D0-98ED-4B86-9D5F-E61ADC70144D}" type="datetimeFigureOut">
               <a:rPr lang="en-US" smtClean="0"/>
-              <a:t>11/21/2021</a:t>
+              <a:t>11/23/2021</a:t>
             </a:fld>
             <a:endParaRPr lang="en-US"/>
           </a:p>
@@ -13056,7 +17739,7 @@
           <a:p>
             <a:fld id="{82EDB8D0-98ED-4B86-9D5F-E61ADC70144D}" type="datetimeFigureOut">
               <a:rPr lang="en-US" smtClean="0"/>
-              <a:t>11/21/2021</a:t>
+              <a:t>11/23/2021</a:t>
             </a:fld>
             <a:endParaRPr lang="en-US"/>
           </a:p>
@@ -13631,7 +18314,7 @@
           <a:p>
             <a:fld id="{82EDB8D0-98ED-4B86-9D5F-E61ADC70144D}" type="datetimeFigureOut">
               <a:rPr lang="en-US" smtClean="0"/>
-              <a:t>11/21/2021</a:t>
+              <a:t>11/23/2021</a:t>
             </a:fld>
             <a:endParaRPr lang="en-US"/>
           </a:p>
@@ -14158,7 +18841,7 @@
             <a:fld id="{82EDB8D0-98ED-4B86-9D5F-E61ADC70144D}" type="datetimeFigureOut">
               <a:rPr lang="en-US" smtClean="0"/>
               <a:pPr/>
-              <a:t>11/21/2021</a:t>
+              <a:t>11/23/2021</a:t>
             </a:fld>
             <a:endParaRPr lang="en-US" dirty="0"/>
           </a:p>
@@ -15162,6 +19845,124 @@
           <p:cNvPr id="2" name="Title 1">
             <a:extLst>
               <a:ext uri="{FF2B5EF4-FFF2-40B4-BE49-F238E27FC236}">
+                <a16:creationId xmlns:a16="http://schemas.microsoft.com/office/drawing/2014/main" id="{426B852E-8FBA-4255-8790-D745DF3FE64B}"/>
+              </a:ext>
+            </a:extLst>
+          </p:cNvPr>
+          <p:cNvSpPr>
+            <a:spLocks noGrp="1"/>
+          </p:cNvSpPr>
+          <p:nvPr>
+            <p:ph type="title"/>
+          </p:nvPr>
+        </p:nvSpPr>
+        <p:spPr/>
+        <p:txBody>
+          <a:bodyPr/>
+          <a:lstStyle/>
+          <a:p>
+            <a:r>
+              <a:rPr lang="en-US" dirty="0"/>
+              <a:t>What is Wireframe?  </a:t>
+            </a:r>
+          </a:p>
+        </p:txBody>
+      </p:sp>
+      <p:sp>
+        <p:nvSpPr>
+          <p:cNvPr id="3" name="Content Placeholder 2">
+            <a:extLst>
+              <a:ext uri="{FF2B5EF4-FFF2-40B4-BE49-F238E27FC236}">
+                <a16:creationId xmlns:a16="http://schemas.microsoft.com/office/drawing/2014/main" id="{28A46F0B-5B53-46B1-B348-5BFE9180AD17}"/>
+              </a:ext>
+            </a:extLst>
+          </p:cNvPr>
+          <p:cNvSpPr>
+            <a:spLocks noGrp="1"/>
+          </p:cNvSpPr>
+          <p:nvPr>
+            <p:ph idx="1"/>
+          </p:nvPr>
+        </p:nvSpPr>
+        <p:spPr/>
+        <p:txBody>
+          <a:bodyPr/>
+          <a:lstStyle/>
+          <a:p>
+            <a:r>
+              <a:rPr lang="en-US" dirty="0"/>
+              <a:t>Power point</a:t>
+            </a:r>
+          </a:p>
+          <a:p>
+            <a:r>
+              <a:rPr lang="en-US" dirty="0" err="1"/>
+              <a:t>MockFlow</a:t>
+            </a:r>
+            <a:r>
+              <a:rPr lang="en-US" dirty="0"/>
+              <a:t> </a:t>
+            </a:r>
+          </a:p>
+          <a:p>
+            <a:r>
+              <a:rPr lang="en-US" dirty="0"/>
+              <a:t>Draw.io</a:t>
+            </a:r>
+          </a:p>
+          <a:p>
+            <a:r>
+              <a:rPr lang="en-US" dirty="0"/>
+              <a:t>Proto.io</a:t>
+            </a:r>
+          </a:p>
+          <a:p>
+            <a:r>
+              <a:rPr lang="en-US" dirty="0" err="1"/>
+              <a:t>JustInMind</a:t>
+            </a:r>
+            <a:r>
+              <a:rPr lang="en-US" dirty="0"/>
+              <a:t>  </a:t>
+            </a:r>
+          </a:p>
+        </p:txBody>
+      </p:sp>
+    </p:spTree>
+    <p:extLst>
+      <p:ext uri="{BB962C8B-B14F-4D97-AF65-F5344CB8AC3E}">
+        <p14:creationId xmlns:p14="http://schemas.microsoft.com/office/powerpoint/2010/main" val="917669258"/>
+      </p:ext>
+    </p:extLst>
+  </p:cSld>
+  <p:clrMapOvr>
+    <a:masterClrMapping/>
+  </p:clrMapOvr>
+</p:sld>
+</file>
+
+<file path=ppt/slides/slide11.xml><?xml version="1.0" encoding="utf-8"?>
+<p:sld xmlns:a="http://schemas.openxmlformats.org/drawingml/2006/main" xmlns:r="http://schemas.openxmlformats.org/officeDocument/2006/relationships" xmlns:p="http://schemas.openxmlformats.org/presentationml/2006/main">
+  <p:cSld>
+    <p:spTree>
+      <p:nvGrpSpPr>
+        <p:cNvPr id="1" name=""/>
+        <p:cNvGrpSpPr/>
+        <p:nvPr/>
+      </p:nvGrpSpPr>
+      <p:grpSpPr>
+        <a:xfrm>
+          <a:off x="0" y="0"/>
+          <a:ext cx="0" cy="0"/>
+          <a:chOff x="0" y="0"/>
+          <a:chExt cx="0" cy="0"/>
+        </a:xfrm>
+      </p:grpSpPr>
+      <p:sp>
+        <p:nvSpPr>
+          <p:cNvPr id="2" name="Title 1">
+            <a:extLst>
+              <a:ext uri="{FF2B5EF4-FFF2-40B4-BE49-F238E27FC236}">
                 <a16:creationId xmlns:a16="http://schemas.microsoft.com/office/drawing/2014/main" id="{F8EBAE54-FE86-4722-828A-5F6F6FB7F7E0}"/>
               </a:ext>
             </a:extLst>
@@ -15250,7 +20051,7 @@
 </p:sld>
 </file>
 
-<file path=ppt/slides/slide11.xml><?xml version="1.0" encoding="utf-8"?>
+<file path=ppt/slides/slide12.xml><?xml version="1.0" encoding="utf-8"?>
 <p:sld xmlns:a="http://schemas.openxmlformats.org/drawingml/2006/main" xmlns:r="http://schemas.openxmlformats.org/officeDocument/2006/relationships" xmlns:p="http://schemas.openxmlformats.org/presentationml/2006/main">
   <p:cSld>
     <p:spTree>
@@ -15976,7 +20777,7 @@
 </p:sld>
 </file>
 
-<file path=ppt/slides/slide12.xml><?xml version="1.0" encoding="utf-8"?>
+<file path=ppt/slides/slide13.xml><?xml version="1.0" encoding="utf-8"?>
 <p:sld xmlns:a="http://schemas.openxmlformats.org/drawingml/2006/main" xmlns:r="http://schemas.openxmlformats.org/officeDocument/2006/relationships" xmlns:p="http://schemas.openxmlformats.org/presentationml/2006/main">
   <p:cSld>
     <p:spTree>
@@ -16080,7 +20881,7 @@
 </p:sld>
 </file>
 
-<file path=ppt/slides/slide13.xml><?xml version="1.0" encoding="utf-8"?>
+<file path=ppt/slides/slide14.xml><?xml version="1.0" encoding="utf-8"?>
 <p:sld xmlns:a="http://schemas.openxmlformats.org/drawingml/2006/main" xmlns:r="http://schemas.openxmlformats.org/officeDocument/2006/relationships" xmlns:p="http://schemas.openxmlformats.org/presentationml/2006/main">
   <p:cSld>
     <p:spTree>
@@ -16163,7 +20964,7 @@
 </p:sld>
 </file>
 
-<file path=ppt/slides/slide14.xml><?xml version="1.0" encoding="utf-8"?>
+<file path=ppt/slides/slide15.xml><?xml version="1.0" encoding="utf-8"?>
 <p:sld xmlns:a="http://schemas.openxmlformats.org/drawingml/2006/main" xmlns:r="http://schemas.openxmlformats.org/officeDocument/2006/relationships" xmlns:p="http://schemas.openxmlformats.org/presentationml/2006/main">
   <p:cSld>
     <p:spTree>
@@ -16261,7 +21062,7 @@
 </p:sld>
 </file>
 
-<file path=ppt/slides/slide15.xml><?xml version="1.0" encoding="utf-8"?>
+<file path=ppt/slides/slide16.xml><?xml version="1.0" encoding="utf-8"?>
 <p:sld xmlns:a="http://schemas.openxmlformats.org/drawingml/2006/main" xmlns:r="http://schemas.openxmlformats.org/officeDocument/2006/relationships" xmlns:p="http://schemas.openxmlformats.org/presentationml/2006/main">
   <p:cSld>
     <p:spTree>
@@ -16391,7 +21192,7 @@
 </p:sld>
 </file>
 
-<file path=ppt/slides/slide16.xml><?xml version="1.0" encoding="utf-8"?>
+<file path=ppt/slides/slide17.xml><?xml version="1.0" encoding="utf-8"?>
 <p:sld xmlns:a="http://schemas.openxmlformats.org/drawingml/2006/main" xmlns:r="http://schemas.openxmlformats.org/officeDocument/2006/relationships" xmlns:p="http://schemas.openxmlformats.org/presentationml/2006/main">
   <p:cSld>
     <p:spTree>
@@ -16668,7 +21469,7 @@
 </p:sld>
 </file>
 
-<file path=ppt/slides/slide17.xml><?xml version="1.0" encoding="utf-8"?>
+<file path=ppt/slides/slide18.xml><?xml version="1.0" encoding="utf-8"?>
 <p:sld xmlns:a="http://schemas.openxmlformats.org/drawingml/2006/main" xmlns:r="http://schemas.openxmlformats.org/officeDocument/2006/relationships" xmlns:p="http://schemas.openxmlformats.org/presentationml/2006/main">
   <p:cSld>
     <p:spTree>
@@ -16797,7 +21598,7 @@
 </p:sld>
 </file>
 
-<file path=ppt/slides/slide18.xml><?xml version="1.0" encoding="utf-8"?>
+<file path=ppt/slides/slide19.xml><?xml version="1.0" encoding="utf-8"?>
 <p:sld xmlns:a="http://schemas.openxmlformats.org/drawingml/2006/main" xmlns:r="http://schemas.openxmlformats.org/officeDocument/2006/relationships" xmlns:p="http://schemas.openxmlformats.org/presentationml/2006/main">
   <p:cSld>
     <p:spTree>
@@ -16880,157 +21681,6 @@
     <p:extLst>
       <p:ext uri="{BB962C8B-B14F-4D97-AF65-F5344CB8AC3E}">
         <p14:creationId xmlns:p14="http://schemas.microsoft.com/office/powerpoint/2010/main" val="409199808"/>
-      </p:ext>
-    </p:extLst>
-  </p:cSld>
-  <p:clrMapOvr>
-    <a:masterClrMapping/>
-  </p:clrMapOvr>
-</p:sld>
-</file>
-
-<file path=ppt/slides/slide19.xml><?xml version="1.0" encoding="utf-8"?>
-<p:sld xmlns:a="http://schemas.openxmlformats.org/drawingml/2006/main" xmlns:r="http://schemas.openxmlformats.org/officeDocument/2006/relationships" xmlns:p="http://schemas.openxmlformats.org/presentationml/2006/main">
-  <p:cSld>
-    <p:spTree>
-      <p:nvGrpSpPr>
-        <p:cNvPr id="1" name=""/>
-        <p:cNvGrpSpPr/>
-        <p:nvPr/>
-      </p:nvGrpSpPr>
-      <p:grpSpPr>
-        <a:xfrm>
-          <a:off x="0" y="0"/>
-          <a:ext cx="0" cy="0"/>
-          <a:chOff x="0" y="0"/>
-          <a:chExt cx="0" cy="0"/>
-        </a:xfrm>
-      </p:grpSpPr>
-      <p:sp>
-        <p:nvSpPr>
-          <p:cNvPr id="2" name="Title 1">
-            <a:extLst>
-              <a:ext uri="{FF2B5EF4-FFF2-40B4-BE49-F238E27FC236}">
-                <a16:creationId xmlns:a16="http://schemas.microsoft.com/office/drawing/2014/main" id="{8BBD8A25-F30B-4EC7-8801-A580316472E8}"/>
-              </a:ext>
-            </a:extLst>
-          </p:cNvPr>
-          <p:cNvSpPr>
-            <a:spLocks noGrp="1"/>
-          </p:cNvSpPr>
-          <p:nvPr>
-            <p:ph type="title"/>
-          </p:nvPr>
-        </p:nvSpPr>
-        <p:spPr/>
-        <p:txBody>
-          <a:bodyPr/>
-          <a:lstStyle/>
-          <a:p>
-            <a:r>
-              <a:rPr lang="en-US" dirty="0"/>
-              <a:t>Semantic Tags</a:t>
-            </a:r>
-          </a:p>
-        </p:txBody>
-      </p:sp>
-      <p:sp>
-        <p:nvSpPr>
-          <p:cNvPr id="3" name="Content Placeholder 2">
-            <a:extLst>
-              <a:ext uri="{FF2B5EF4-FFF2-40B4-BE49-F238E27FC236}">
-                <a16:creationId xmlns:a16="http://schemas.microsoft.com/office/drawing/2014/main" id="{0C983D0B-4590-440D-A654-649AD387DD16}"/>
-              </a:ext>
-            </a:extLst>
-          </p:cNvPr>
-          <p:cNvSpPr>
-            <a:spLocks noGrp="1"/>
-          </p:cNvSpPr>
-          <p:nvPr>
-            <p:ph idx="1"/>
-          </p:nvPr>
-        </p:nvSpPr>
-        <p:spPr>
-          <a:xfrm>
-            <a:off x="1123950" y="1292224"/>
-            <a:ext cx="10515600" cy="4556125"/>
-          </a:xfrm>
-        </p:spPr>
-        <p:txBody>
-          <a:bodyPr>
-            <a:normAutofit fontScale="92500" lnSpcReduction="10000"/>
-          </a:bodyPr>
-          <a:lstStyle/>
-          <a:p>
-            <a:r>
-              <a:rPr lang="en-US" dirty="0"/>
-              <a:t>Form </a:t>
-            </a:r>
-          </a:p>
-          <a:p>
-            <a:r>
-              <a:rPr lang="en-US" dirty="0"/>
-              <a:t>Table </a:t>
-            </a:r>
-          </a:p>
-          <a:p>
-            <a:endParaRPr lang="en-US" dirty="0"/>
-          </a:p>
-          <a:p>
-            <a:r>
-              <a:rPr lang="en-US" dirty="0"/>
-              <a:t>HTML 5 – </a:t>
-            </a:r>
-          </a:p>
-          <a:p>
-            <a:r>
-              <a:rPr lang="en-US" dirty="0"/>
-              <a:t>&lt;header&gt; </a:t>
-            </a:r>
-          </a:p>
-          <a:p>
-            <a:r>
-              <a:rPr lang="en-US" dirty="0"/>
-              <a:t>&lt;nav&gt;</a:t>
-            </a:r>
-            <a:r>
-              <a:rPr lang="ar-SA" dirty="0"/>
-              <a:t> </a:t>
-            </a:r>
-          </a:p>
-          <a:p>
-            <a:r>
-              <a:rPr lang="en-US" dirty="0"/>
-              <a:t>&lt;section&gt;</a:t>
-            </a:r>
-          </a:p>
-          <a:p>
-            <a:r>
-              <a:rPr lang="en-US" dirty="0"/>
-              <a:t>&lt;article&gt;</a:t>
-            </a:r>
-          </a:p>
-          <a:p>
-            <a:r>
-              <a:rPr lang="en-US" dirty="0"/>
-              <a:t>&lt;aside&gt;</a:t>
-            </a:r>
-          </a:p>
-          <a:p>
-            <a:r>
-              <a:rPr lang="en-US" dirty="0"/>
-              <a:t>&lt;footer&gt;</a:t>
-            </a:r>
-          </a:p>
-          <a:p>
-            <a:endParaRPr lang="en-US" dirty="0"/>
-          </a:p>
-        </p:txBody>
-      </p:sp>
-    </p:spTree>
-    <p:extLst>
-      <p:ext uri="{BB962C8B-B14F-4D97-AF65-F5344CB8AC3E}">
-        <p14:creationId xmlns:p14="http://schemas.microsoft.com/office/powerpoint/2010/main" val="3239817305"/>
       </p:ext>
     </p:extLst>
   </p:cSld>
@@ -17146,6 +21796,157 @@
           <p:cNvPr id="2" name="Title 1">
             <a:extLst>
               <a:ext uri="{FF2B5EF4-FFF2-40B4-BE49-F238E27FC236}">
+                <a16:creationId xmlns:a16="http://schemas.microsoft.com/office/drawing/2014/main" id="{8BBD8A25-F30B-4EC7-8801-A580316472E8}"/>
+              </a:ext>
+            </a:extLst>
+          </p:cNvPr>
+          <p:cNvSpPr>
+            <a:spLocks noGrp="1"/>
+          </p:cNvSpPr>
+          <p:nvPr>
+            <p:ph type="title"/>
+          </p:nvPr>
+        </p:nvSpPr>
+        <p:spPr/>
+        <p:txBody>
+          <a:bodyPr/>
+          <a:lstStyle/>
+          <a:p>
+            <a:r>
+              <a:rPr lang="en-US" dirty="0"/>
+              <a:t>Semantic Tags</a:t>
+            </a:r>
+          </a:p>
+        </p:txBody>
+      </p:sp>
+      <p:sp>
+        <p:nvSpPr>
+          <p:cNvPr id="3" name="Content Placeholder 2">
+            <a:extLst>
+              <a:ext uri="{FF2B5EF4-FFF2-40B4-BE49-F238E27FC236}">
+                <a16:creationId xmlns:a16="http://schemas.microsoft.com/office/drawing/2014/main" id="{0C983D0B-4590-440D-A654-649AD387DD16}"/>
+              </a:ext>
+            </a:extLst>
+          </p:cNvPr>
+          <p:cNvSpPr>
+            <a:spLocks noGrp="1"/>
+          </p:cNvSpPr>
+          <p:nvPr>
+            <p:ph idx="1"/>
+          </p:nvPr>
+        </p:nvSpPr>
+        <p:spPr>
+          <a:xfrm>
+            <a:off x="1123950" y="1292224"/>
+            <a:ext cx="10515600" cy="4556125"/>
+          </a:xfrm>
+        </p:spPr>
+        <p:txBody>
+          <a:bodyPr>
+            <a:normAutofit fontScale="92500" lnSpcReduction="10000"/>
+          </a:bodyPr>
+          <a:lstStyle/>
+          <a:p>
+            <a:r>
+              <a:rPr lang="en-US" dirty="0"/>
+              <a:t>Form </a:t>
+            </a:r>
+          </a:p>
+          <a:p>
+            <a:r>
+              <a:rPr lang="en-US" dirty="0"/>
+              <a:t>Table </a:t>
+            </a:r>
+          </a:p>
+          <a:p>
+            <a:endParaRPr lang="en-US" dirty="0"/>
+          </a:p>
+          <a:p>
+            <a:r>
+              <a:rPr lang="en-US" dirty="0"/>
+              <a:t>HTML 5 – </a:t>
+            </a:r>
+          </a:p>
+          <a:p>
+            <a:r>
+              <a:rPr lang="en-US" dirty="0"/>
+              <a:t>&lt;header&gt; </a:t>
+            </a:r>
+          </a:p>
+          <a:p>
+            <a:r>
+              <a:rPr lang="en-US" dirty="0"/>
+              <a:t>&lt;nav&gt;</a:t>
+            </a:r>
+            <a:r>
+              <a:rPr lang="ar-SA" dirty="0"/>
+              <a:t> </a:t>
+            </a:r>
+          </a:p>
+          <a:p>
+            <a:r>
+              <a:rPr lang="en-US" dirty="0"/>
+              <a:t>&lt;section&gt;</a:t>
+            </a:r>
+          </a:p>
+          <a:p>
+            <a:r>
+              <a:rPr lang="en-US" dirty="0"/>
+              <a:t>&lt;article&gt;</a:t>
+            </a:r>
+          </a:p>
+          <a:p>
+            <a:r>
+              <a:rPr lang="en-US" dirty="0"/>
+              <a:t>&lt;aside&gt;</a:t>
+            </a:r>
+          </a:p>
+          <a:p>
+            <a:r>
+              <a:rPr lang="en-US" dirty="0"/>
+              <a:t>&lt;footer&gt;</a:t>
+            </a:r>
+          </a:p>
+          <a:p>
+            <a:endParaRPr lang="en-US" dirty="0"/>
+          </a:p>
+        </p:txBody>
+      </p:sp>
+    </p:spTree>
+    <p:extLst>
+      <p:ext uri="{BB962C8B-B14F-4D97-AF65-F5344CB8AC3E}">
+        <p14:creationId xmlns:p14="http://schemas.microsoft.com/office/powerpoint/2010/main" val="3239817305"/>
+      </p:ext>
+    </p:extLst>
+  </p:cSld>
+  <p:clrMapOvr>
+    <a:masterClrMapping/>
+  </p:clrMapOvr>
+</p:sld>
+</file>
+
+<file path=ppt/slides/slide21.xml><?xml version="1.0" encoding="utf-8"?>
+<p:sld xmlns:a="http://schemas.openxmlformats.org/drawingml/2006/main" xmlns:r="http://schemas.openxmlformats.org/officeDocument/2006/relationships" xmlns:p="http://schemas.openxmlformats.org/presentationml/2006/main">
+  <p:cSld>
+    <p:spTree>
+      <p:nvGrpSpPr>
+        <p:cNvPr id="1" name=""/>
+        <p:cNvGrpSpPr/>
+        <p:nvPr/>
+      </p:nvGrpSpPr>
+      <p:grpSpPr>
+        <a:xfrm>
+          <a:off x="0" y="0"/>
+          <a:ext cx="0" cy="0"/>
+          <a:chOff x="0" y="0"/>
+          <a:chExt cx="0" cy="0"/>
+        </a:xfrm>
+      </p:grpSpPr>
+      <p:sp>
+        <p:nvSpPr>
+          <p:cNvPr id="2" name="Title 1">
+            <a:extLst>
+              <a:ext uri="{FF2B5EF4-FFF2-40B4-BE49-F238E27FC236}">
                 <a16:creationId xmlns:a16="http://schemas.microsoft.com/office/drawing/2014/main" id="{D7A443D9-3DEC-4366-9731-B846DC85D0E5}"/>
               </a:ext>
             </a:extLst>
@@ -17240,7 +22041,7 @@
 </p:sld>
 </file>
 
-<file path=ppt/slides/slide21.xml><?xml version="1.0" encoding="utf-8"?>
+<file path=ppt/slides/slide22.xml><?xml version="1.0" encoding="utf-8"?>
 <p:sld xmlns:a="http://schemas.openxmlformats.org/drawingml/2006/main" xmlns:r="http://schemas.openxmlformats.org/officeDocument/2006/relationships" xmlns:p="http://schemas.openxmlformats.org/presentationml/2006/main">
   <p:cSld>
     <p:bg>
@@ -17631,149 +22432,6 @@
 </p:sld>
 </file>
 
-<file path=ppt/slides/slide22.xml><?xml version="1.0" encoding="utf-8"?>
-<p:sld xmlns:a="http://schemas.openxmlformats.org/drawingml/2006/main" xmlns:r="http://schemas.openxmlformats.org/officeDocument/2006/relationships" xmlns:p="http://schemas.openxmlformats.org/presentationml/2006/main">
-  <p:cSld>
-    <p:spTree>
-      <p:nvGrpSpPr>
-        <p:cNvPr id="1" name=""/>
-        <p:cNvGrpSpPr/>
-        <p:nvPr/>
-      </p:nvGrpSpPr>
-      <p:grpSpPr>
-        <a:xfrm>
-          <a:off x="0" y="0"/>
-          <a:ext cx="0" cy="0"/>
-          <a:chOff x="0" y="0"/>
-          <a:chExt cx="0" cy="0"/>
-        </a:xfrm>
-      </p:grpSpPr>
-      <p:sp>
-        <p:nvSpPr>
-          <p:cNvPr id="2" name="Title 1">
-            <a:extLst>
-              <a:ext uri="{FF2B5EF4-FFF2-40B4-BE49-F238E27FC236}">
-                <a16:creationId xmlns:a16="http://schemas.microsoft.com/office/drawing/2014/main" id="{C90296A6-08B5-425F-A015-D01ED8FAE4BE}"/>
-              </a:ext>
-            </a:extLst>
-          </p:cNvPr>
-          <p:cNvSpPr>
-            <a:spLocks noGrp="1"/>
-          </p:cNvSpPr>
-          <p:nvPr>
-            <p:ph type="title"/>
-          </p:nvPr>
-        </p:nvSpPr>
-        <p:spPr/>
-        <p:txBody>
-          <a:bodyPr/>
-          <a:lstStyle/>
-          <a:p>
-            <a:r>
-              <a:rPr lang="en-US" dirty="0"/>
-              <a:t>Inline way of inserting </a:t>
-            </a:r>
-            <a:r>
-              <a:rPr lang="en-US" dirty="0" err="1"/>
-              <a:t>css</a:t>
-            </a:r>
-            <a:r>
-              <a:rPr lang="en-US" dirty="0"/>
-              <a:t> </a:t>
-            </a:r>
-          </a:p>
-        </p:txBody>
-      </p:sp>
-      <p:sp>
-        <p:nvSpPr>
-          <p:cNvPr id="3" name="Content Placeholder 2">
-            <a:extLst>
-              <a:ext uri="{FF2B5EF4-FFF2-40B4-BE49-F238E27FC236}">
-                <a16:creationId xmlns:a16="http://schemas.microsoft.com/office/drawing/2014/main" id="{27AB1FCD-16B9-406E-BAE9-30E2C3C7DF5E}"/>
-              </a:ext>
-            </a:extLst>
-          </p:cNvPr>
-          <p:cNvSpPr>
-            <a:spLocks noGrp="1"/>
-          </p:cNvSpPr>
-          <p:nvPr>
-            <p:ph idx="1"/>
-          </p:nvPr>
-        </p:nvSpPr>
-        <p:spPr>
-          <a:xfrm>
-            <a:off x="838199" y="1825625"/>
-            <a:ext cx="10772775" cy="3851275"/>
-          </a:xfrm>
-        </p:spPr>
-        <p:txBody>
-          <a:bodyPr/>
-          <a:lstStyle/>
-          <a:p>
-            <a:r>
-              <a:rPr lang="en-US" dirty="0"/>
-              <a:t>Inline </a:t>
-            </a:r>
-          </a:p>
-          <a:p>
-            <a:pPr marL="0" indent="0">
-              <a:buNone/>
-            </a:pPr>
-            <a:r>
-              <a:rPr lang="en-US" dirty="0"/>
-              <a:t>Inside the tag, use the style attribute.</a:t>
-            </a:r>
-          </a:p>
-          <a:p>
-            <a:pPr marL="0" indent="0">
-              <a:buNone/>
-            </a:pPr>
-            <a:r>
-              <a:rPr lang="en-US" dirty="0"/>
-              <a:t>&lt;header style=“</a:t>
-            </a:r>
-            <a:r>
-              <a:rPr lang="en-US" dirty="0" err="1"/>
-              <a:t>background-color:red</a:t>
-            </a:r>
-            <a:r>
-              <a:rPr lang="en-US" dirty="0"/>
-              <a:t>;”&gt; </a:t>
-            </a:r>
-          </a:p>
-          <a:p>
-            <a:pPr marL="0" indent="0">
-              <a:buNone/>
-            </a:pPr>
-            <a:r>
-              <a:rPr lang="en-US" dirty="0"/>
-              <a:t>Property: value; </a:t>
-            </a:r>
-          </a:p>
-          <a:p>
-            <a:pPr marL="0" indent="0">
-              <a:buNone/>
-            </a:pPr>
-            <a:r>
-              <a:rPr lang="en-US" dirty="0"/>
-              <a:t>Background-color:red;</a:t>
-            </a:r>
-          </a:p>
-        </p:txBody>
-      </p:sp>
-    </p:spTree>
-    <p:extLst>
-      <p:ext uri="{BB962C8B-B14F-4D97-AF65-F5344CB8AC3E}">
-        <p14:creationId xmlns:p14="http://schemas.microsoft.com/office/powerpoint/2010/main" val="3178663105"/>
-      </p:ext>
-    </p:extLst>
-  </p:cSld>
-  <p:clrMapOvr>
-    <a:masterClrMapping/>
-  </p:clrMapOvr>
-</p:sld>
-</file>
-
 <file path=ppt/slides/slide23.xml><?xml version="1.0" encoding="utf-8"?>
 <p:sld xmlns:a="http://schemas.openxmlformats.org/drawingml/2006/main" xmlns:r="http://schemas.openxmlformats.org/officeDocument/2006/relationships" xmlns:p="http://schemas.openxmlformats.org/presentationml/2006/main">
   <p:cSld>
@@ -17814,7 +22472,15 @@
           <a:p>
             <a:r>
               <a:rPr lang="en-US" dirty="0"/>
-              <a:t>Internally inside the &lt;style&gt; tag in &lt;head&gt;</a:t>
+              <a:t>Inline way of inserting </a:t>
+            </a:r>
+            <a:r>
+              <a:rPr lang="en-US" dirty="0" err="1"/>
+              <a:t>css</a:t>
+            </a:r>
+            <a:r>
+              <a:rPr lang="en-US" dirty="0"/>
+              <a:t> </a:t>
             </a:r>
           </a:p>
         </p:txBody>
@@ -17847,51 +22513,51 @@
           <a:p>
             <a:r>
               <a:rPr lang="en-US" dirty="0"/>
-              <a:t>Style tag inside the document.</a:t>
-            </a:r>
-          </a:p>
-          <a:p>
+              <a:t>Inline </a:t>
+            </a:r>
+          </a:p>
+          <a:p>
+            <a:pPr marL="0" indent="0">
+              <a:buNone/>
+            </a:pPr>
             <a:r>
               <a:rPr lang="en-US" dirty="0"/>
-              <a:t>Selectors :</a:t>
-            </a:r>
-          </a:p>
-          <a:p>
+              <a:t>Inside the tag, use the style attribute.</a:t>
+            </a:r>
+          </a:p>
+          <a:p>
+            <a:pPr marL="0" indent="0">
+              <a:buNone/>
+            </a:pPr>
             <a:r>
               <a:rPr lang="en-US" dirty="0"/>
-              <a:t>By tag name. </a:t>
-            </a:r>
-          </a:p>
-          <a:p>
+              <a:t>&lt;header style=“</a:t>
+            </a:r>
+            <a:r>
+              <a:rPr lang="en-US" dirty="0" err="1"/>
+              <a:t>background-color:red</a:t>
+            </a:r>
             <a:r>
               <a:rPr lang="en-US" dirty="0"/>
-              <a:t>P{</a:t>
-            </a:r>
-          </a:p>
-          <a:p>
-            <a:r>
-              <a:rPr lang="en-US" dirty="0" err="1"/>
-              <a:t>Property:value</a:t>
-            </a:r>
+              <a:t>;”&gt; </a:t>
+            </a:r>
+          </a:p>
+          <a:p>
+            <a:pPr marL="0" indent="0">
+              <a:buNone/>
+            </a:pPr>
             <a:r>
               <a:rPr lang="en-US" dirty="0"/>
-              <a:t>;</a:t>
-            </a:r>
-          </a:p>
-          <a:p>
-            <a:r>
-              <a:rPr lang="en-US" dirty="0" err="1"/>
-              <a:t>Property:value</a:t>
-            </a:r>
+              <a:t>Property: value; </a:t>
+            </a:r>
+          </a:p>
+          <a:p>
+            <a:pPr marL="0" indent="0">
+              <a:buNone/>
+            </a:pPr>
             <a:r>
               <a:rPr lang="en-US" dirty="0"/>
-              <a:t>;</a:t>
-            </a:r>
-          </a:p>
-          <a:p>
-            <a:r>
-              <a:rPr lang="en-US" dirty="0"/>
-              <a:t>}</a:t>
+              <a:t>Background-color:red;</a:t>
             </a:r>
           </a:p>
         </p:txBody>
@@ -17899,7 +22565,7 @@
     </p:spTree>
     <p:extLst>
       <p:ext uri="{BB962C8B-B14F-4D97-AF65-F5344CB8AC3E}">
-        <p14:creationId xmlns:p14="http://schemas.microsoft.com/office/powerpoint/2010/main" val="836571905"/>
+        <p14:creationId xmlns:p14="http://schemas.microsoft.com/office/powerpoint/2010/main" val="3178663105"/>
       </p:ext>
     </p:extLst>
   </p:cSld>
@@ -17949,7 +22615,7 @@
           <a:p>
             <a:r>
               <a:rPr lang="en-US" dirty="0"/>
-              <a:t>Ways of adding CSS to the document</a:t>
+              <a:t>Internally inside the &lt;style&gt; tag in &lt;head&gt;</a:t>
             </a:r>
           </a:p>
         </p:txBody>
@@ -17994,13 +22660,13 @@
           <a:p>
             <a:r>
               <a:rPr lang="en-US" dirty="0"/>
-              <a:t>By Id .   &lt;p id=“p1”&gt; &lt;/p&gt;</a:t>
+              <a:t>By tag name. </a:t>
             </a:r>
           </a:p>
           <a:p>
             <a:r>
               <a:rPr lang="en-US" dirty="0"/>
-              <a:t>#p1{</a:t>
+              <a:t>P{</a:t>
             </a:r>
           </a:p>
           <a:p>
@@ -18034,7 +22700,7 @@
     </p:spTree>
     <p:extLst>
       <p:ext uri="{BB962C8B-B14F-4D97-AF65-F5344CB8AC3E}">
-        <p14:creationId xmlns:p14="http://schemas.microsoft.com/office/powerpoint/2010/main" val="2220044681"/>
+        <p14:creationId xmlns:p14="http://schemas.microsoft.com/office/powerpoint/2010/main" val="836571905"/>
       </p:ext>
     </p:extLst>
   </p:cSld>
@@ -18129,6 +22795,141 @@
           <a:p>
             <a:r>
               <a:rPr lang="en-US" dirty="0"/>
+              <a:t>By Id .   &lt;p id=“p1”&gt; &lt;/p&gt;</a:t>
+            </a:r>
+          </a:p>
+          <a:p>
+            <a:r>
+              <a:rPr lang="en-US" dirty="0"/>
+              <a:t>#p1{</a:t>
+            </a:r>
+          </a:p>
+          <a:p>
+            <a:r>
+              <a:rPr lang="en-US" dirty="0" err="1"/>
+              <a:t>Property:value</a:t>
+            </a:r>
+            <a:r>
+              <a:rPr lang="en-US" dirty="0"/>
+              <a:t>;</a:t>
+            </a:r>
+          </a:p>
+          <a:p>
+            <a:r>
+              <a:rPr lang="en-US" dirty="0" err="1"/>
+              <a:t>Property:value</a:t>
+            </a:r>
+            <a:r>
+              <a:rPr lang="en-US" dirty="0"/>
+              <a:t>;</a:t>
+            </a:r>
+          </a:p>
+          <a:p>
+            <a:r>
+              <a:rPr lang="en-US" dirty="0"/>
+              <a:t>}</a:t>
+            </a:r>
+          </a:p>
+        </p:txBody>
+      </p:sp>
+    </p:spTree>
+    <p:extLst>
+      <p:ext uri="{BB962C8B-B14F-4D97-AF65-F5344CB8AC3E}">
+        <p14:creationId xmlns:p14="http://schemas.microsoft.com/office/powerpoint/2010/main" val="2220044681"/>
+      </p:ext>
+    </p:extLst>
+  </p:cSld>
+  <p:clrMapOvr>
+    <a:masterClrMapping/>
+  </p:clrMapOvr>
+</p:sld>
+</file>
+
+<file path=ppt/slides/slide26.xml><?xml version="1.0" encoding="utf-8"?>
+<p:sld xmlns:a="http://schemas.openxmlformats.org/drawingml/2006/main" xmlns:r="http://schemas.openxmlformats.org/officeDocument/2006/relationships" xmlns:p="http://schemas.openxmlformats.org/presentationml/2006/main">
+  <p:cSld>
+    <p:spTree>
+      <p:nvGrpSpPr>
+        <p:cNvPr id="1" name=""/>
+        <p:cNvGrpSpPr/>
+        <p:nvPr/>
+      </p:nvGrpSpPr>
+      <p:grpSpPr>
+        <a:xfrm>
+          <a:off x="0" y="0"/>
+          <a:ext cx="0" cy="0"/>
+          <a:chOff x="0" y="0"/>
+          <a:chExt cx="0" cy="0"/>
+        </a:xfrm>
+      </p:grpSpPr>
+      <p:sp>
+        <p:nvSpPr>
+          <p:cNvPr id="2" name="Title 1">
+            <a:extLst>
+              <a:ext uri="{FF2B5EF4-FFF2-40B4-BE49-F238E27FC236}">
+                <a16:creationId xmlns:a16="http://schemas.microsoft.com/office/drawing/2014/main" id="{C90296A6-08B5-425F-A015-D01ED8FAE4BE}"/>
+              </a:ext>
+            </a:extLst>
+          </p:cNvPr>
+          <p:cNvSpPr>
+            <a:spLocks noGrp="1"/>
+          </p:cNvSpPr>
+          <p:nvPr>
+            <p:ph type="title"/>
+          </p:nvPr>
+        </p:nvSpPr>
+        <p:spPr/>
+        <p:txBody>
+          <a:bodyPr/>
+          <a:lstStyle/>
+          <a:p>
+            <a:r>
+              <a:rPr lang="en-US" dirty="0"/>
+              <a:t>Ways of adding CSS to the document</a:t>
+            </a:r>
+          </a:p>
+        </p:txBody>
+      </p:sp>
+      <p:sp>
+        <p:nvSpPr>
+          <p:cNvPr id="3" name="Content Placeholder 2">
+            <a:extLst>
+              <a:ext uri="{FF2B5EF4-FFF2-40B4-BE49-F238E27FC236}">
+                <a16:creationId xmlns:a16="http://schemas.microsoft.com/office/drawing/2014/main" id="{27AB1FCD-16B9-406E-BAE9-30E2C3C7DF5E}"/>
+              </a:ext>
+            </a:extLst>
+          </p:cNvPr>
+          <p:cNvSpPr>
+            <a:spLocks noGrp="1"/>
+          </p:cNvSpPr>
+          <p:nvPr>
+            <p:ph idx="1"/>
+          </p:nvPr>
+        </p:nvSpPr>
+        <p:spPr>
+          <a:xfrm>
+            <a:off x="838199" y="1825625"/>
+            <a:ext cx="10772775" cy="3851275"/>
+          </a:xfrm>
+        </p:spPr>
+        <p:txBody>
+          <a:bodyPr/>
+          <a:lstStyle/>
+          <a:p>
+            <a:r>
+              <a:rPr lang="en-US" dirty="0"/>
+              <a:t>Style tag inside the document.</a:t>
+            </a:r>
+          </a:p>
+          <a:p>
+            <a:r>
+              <a:rPr lang="en-US" dirty="0"/>
+              <a:t>Selectors :</a:t>
+            </a:r>
+          </a:p>
+          <a:p>
+            <a:r>
+              <a:rPr lang="en-US" dirty="0"/>
               <a:t>By class .   &lt;p class=“p1”&gt; &lt;/p&gt;</a:t>
             </a:r>
           </a:p>
@@ -18179,7 +22980,7 @@
 </p:sld>
 </file>
 
-<file path=ppt/slides/slide26.xml><?xml version="1.0" encoding="utf-8"?>
+<file path=ppt/slides/slide27.xml><?xml version="1.0" encoding="utf-8"?>
 <p:sld xmlns:a="http://schemas.openxmlformats.org/drawingml/2006/main" xmlns:r="http://schemas.openxmlformats.org/officeDocument/2006/relationships" xmlns:p="http://schemas.openxmlformats.org/presentationml/2006/main">
   <p:cSld>
     <p:spTree>
@@ -18325,7 +23126,7 @@
 </p:sld>
 </file>
 
-<file path=ppt/slides/slide27.xml><?xml version="1.0" encoding="utf-8"?>
+<file path=ppt/slides/slide28.xml><?xml version="1.0" encoding="utf-8"?>
 <p:sld xmlns:a="http://schemas.openxmlformats.org/drawingml/2006/main" xmlns:r="http://schemas.openxmlformats.org/officeDocument/2006/relationships" xmlns:p="http://schemas.openxmlformats.org/presentationml/2006/main">
   <p:cSld>
     <p:spTree>
@@ -18418,250 +23219,6 @@
     <p:extLst>
       <p:ext uri="{BB962C8B-B14F-4D97-AF65-F5344CB8AC3E}">
         <p14:creationId xmlns:p14="http://schemas.microsoft.com/office/powerpoint/2010/main" val="299650181"/>
-      </p:ext>
-    </p:extLst>
-  </p:cSld>
-  <p:clrMapOvr>
-    <a:masterClrMapping/>
-  </p:clrMapOvr>
-</p:sld>
-</file>
-
-<file path=ppt/slides/slide28.xml><?xml version="1.0" encoding="utf-8"?>
-<p:sld xmlns:a="http://schemas.openxmlformats.org/drawingml/2006/main" xmlns:r="http://schemas.openxmlformats.org/officeDocument/2006/relationships" xmlns:p="http://schemas.openxmlformats.org/presentationml/2006/main">
-  <p:cSld>
-    <p:spTree>
-      <p:nvGrpSpPr>
-        <p:cNvPr id="1" name=""/>
-        <p:cNvGrpSpPr/>
-        <p:nvPr/>
-      </p:nvGrpSpPr>
-      <p:grpSpPr>
-        <a:xfrm>
-          <a:off x="0" y="0"/>
-          <a:ext cx="0" cy="0"/>
-          <a:chOff x="0" y="0"/>
-          <a:chExt cx="0" cy="0"/>
-        </a:xfrm>
-      </p:grpSpPr>
-      <p:sp>
-        <p:nvSpPr>
-          <p:cNvPr id="2" name="Title 1">
-            <a:extLst>
-              <a:ext uri="{FF2B5EF4-FFF2-40B4-BE49-F238E27FC236}">
-                <a16:creationId xmlns:a16="http://schemas.microsoft.com/office/drawing/2014/main" id="{AFD9DAAE-15CD-4036-A5CE-E6726E1FC650}"/>
-              </a:ext>
-            </a:extLst>
-          </p:cNvPr>
-          <p:cNvSpPr>
-            <a:spLocks noGrp="1"/>
-          </p:cNvSpPr>
-          <p:nvPr>
-            <p:ph type="title"/>
-          </p:nvPr>
-        </p:nvSpPr>
-        <p:spPr/>
-        <p:txBody>
-          <a:bodyPr/>
-          <a:lstStyle/>
-          <a:p>
-            <a:r>
-              <a:rPr lang="en-US" dirty="0"/>
-              <a:t>File location </a:t>
-            </a:r>
-          </a:p>
-        </p:txBody>
-      </p:sp>
-      <p:sp>
-        <p:nvSpPr>
-          <p:cNvPr id="3" name="TextBox 2">
-            <a:extLst>
-              <a:ext uri="{FF2B5EF4-FFF2-40B4-BE49-F238E27FC236}">
-                <a16:creationId xmlns:a16="http://schemas.microsoft.com/office/drawing/2014/main" id="{3B3F7666-112F-4515-8286-BA9BC1C4D8A6}"/>
-              </a:ext>
-            </a:extLst>
-          </p:cNvPr>
-          <p:cNvSpPr txBox="1"/>
-          <p:nvPr/>
-        </p:nvSpPr>
-        <p:spPr>
-          <a:xfrm>
-            <a:off x="3068955" y="4832142"/>
-            <a:ext cx="5560953" cy="646331"/>
-          </a:xfrm>
-          <a:prstGeom prst="rect">
-            <a:avLst/>
-          </a:prstGeom>
-          <a:solidFill>
-            <a:schemeClr val="tx1">
-              <a:lumMod val="75000"/>
-              <a:lumOff val="25000"/>
-            </a:schemeClr>
-          </a:solidFill>
-        </p:spPr>
-        <p:txBody>
-          <a:bodyPr wrap="square" rtlCol="0">
-            <a:spAutoFit/>
-          </a:bodyPr>
-          <a:lstStyle/>
-          <a:p>
-            <a:r>
-              <a:rPr lang="en-US" b="0" dirty="0">
-                <a:solidFill>
-                  <a:srgbClr val="808080"/>
-                </a:solidFill>
-                <a:effectLst/>
-                <a:latin typeface="Consolas" panose="020B0609020204030204" pitchFamily="49" charset="0"/>
-              </a:rPr>
-              <a:t>&lt;</a:t>
-            </a:r>
-            <a:r>
-              <a:rPr lang="en-US" b="0" dirty="0">
-                <a:solidFill>
-                  <a:srgbClr val="569CD6"/>
-                </a:solidFill>
-                <a:effectLst/>
-                <a:latin typeface="Consolas" panose="020B0609020204030204" pitchFamily="49" charset="0"/>
-              </a:rPr>
-              <a:t>link</a:t>
-            </a:r>
-            <a:r>
-              <a:rPr lang="en-US" b="0" dirty="0">
-                <a:solidFill>
-                  <a:srgbClr val="D4D4D4"/>
-                </a:solidFill>
-                <a:effectLst/>
-                <a:latin typeface="Consolas" panose="020B0609020204030204" pitchFamily="49" charset="0"/>
-              </a:rPr>
-              <a:t> </a:t>
-            </a:r>
-            <a:r>
-              <a:rPr lang="en-US" b="0" dirty="0" err="1">
-                <a:solidFill>
-                  <a:srgbClr val="9CDCFE"/>
-                </a:solidFill>
-                <a:effectLst/>
-                <a:latin typeface="Consolas" panose="020B0609020204030204" pitchFamily="49" charset="0"/>
-              </a:rPr>
-              <a:t>rel</a:t>
-            </a:r>
-            <a:r>
-              <a:rPr lang="en-US" b="0" dirty="0">
-                <a:solidFill>
-                  <a:srgbClr val="D4D4D4"/>
-                </a:solidFill>
-                <a:effectLst/>
-                <a:latin typeface="Consolas" panose="020B0609020204030204" pitchFamily="49" charset="0"/>
-              </a:rPr>
-              <a:t>=</a:t>
-            </a:r>
-            <a:r>
-              <a:rPr lang="en-US" b="0" dirty="0">
-                <a:solidFill>
-                  <a:srgbClr val="CE9178"/>
-                </a:solidFill>
-                <a:effectLst/>
-                <a:latin typeface="Consolas" panose="020B0609020204030204" pitchFamily="49" charset="0"/>
-              </a:rPr>
-              <a:t>"stylesheet"</a:t>
-            </a:r>
-            <a:r>
-              <a:rPr lang="en-US" b="0" dirty="0">
-                <a:solidFill>
-                  <a:srgbClr val="D4D4D4"/>
-                </a:solidFill>
-                <a:effectLst/>
-                <a:latin typeface="Consolas" panose="020B0609020204030204" pitchFamily="49" charset="0"/>
-              </a:rPr>
-              <a:t> </a:t>
-            </a:r>
-            <a:r>
-              <a:rPr lang="en-US" b="0" dirty="0" err="1">
-                <a:solidFill>
-                  <a:srgbClr val="9CDCFE"/>
-                </a:solidFill>
-                <a:effectLst/>
-                <a:latin typeface="Consolas" panose="020B0609020204030204" pitchFamily="49" charset="0"/>
-              </a:rPr>
-              <a:t>href</a:t>
-            </a:r>
-            <a:r>
-              <a:rPr lang="en-US" b="0" dirty="0">
-                <a:solidFill>
-                  <a:srgbClr val="D4D4D4"/>
-                </a:solidFill>
-                <a:effectLst/>
-                <a:latin typeface="Consolas" panose="020B0609020204030204" pitchFamily="49" charset="0"/>
-              </a:rPr>
-              <a:t>=</a:t>
-            </a:r>
-            <a:r>
-              <a:rPr lang="en-US" b="0" dirty="0">
-                <a:solidFill>
-                  <a:srgbClr val="CE9178"/>
-                </a:solidFill>
-                <a:effectLst/>
-                <a:latin typeface="Consolas" panose="020B0609020204030204" pitchFamily="49" charset="0"/>
-              </a:rPr>
-              <a:t>"style.css"</a:t>
-            </a:r>
-            <a:r>
-              <a:rPr lang="en-US" b="0" dirty="0">
-                <a:solidFill>
-                  <a:srgbClr val="808080"/>
-                </a:solidFill>
-                <a:effectLst/>
-                <a:latin typeface="Consolas" panose="020B0609020204030204" pitchFamily="49" charset="0"/>
-              </a:rPr>
-              <a:t>&gt;</a:t>
-            </a:r>
-            <a:endParaRPr lang="en-US" b="0" dirty="0">
-              <a:solidFill>
-                <a:srgbClr val="D4D4D4"/>
-              </a:solidFill>
-              <a:effectLst/>
-              <a:latin typeface="Consolas" panose="020B0609020204030204" pitchFamily="49" charset="0"/>
-            </a:endParaRPr>
-          </a:p>
-          <a:p>
-            <a:endParaRPr lang="en-US" dirty="0"/>
-          </a:p>
-        </p:txBody>
-      </p:sp>
-      <p:pic>
-        <p:nvPicPr>
-          <p:cNvPr id="7" name="Picture 6">
-            <a:extLst>
-              <a:ext uri="{FF2B5EF4-FFF2-40B4-BE49-F238E27FC236}">
-                <a16:creationId xmlns:a16="http://schemas.microsoft.com/office/drawing/2014/main" id="{8F1DDDDE-3800-4A98-87C8-FA844927DCB2}"/>
-              </a:ext>
-            </a:extLst>
-          </p:cNvPr>
-          <p:cNvPicPr>
-            <a:picLocks noChangeAspect="1"/>
-          </p:cNvPicPr>
-          <p:nvPr/>
-        </p:nvPicPr>
-        <p:blipFill>
-          <a:blip r:embed="rId2"/>
-          <a:stretch>
-            <a:fillRect/>
-          </a:stretch>
-        </p:blipFill>
-        <p:spPr>
-          <a:xfrm>
-            <a:off x="2499090" y="1690688"/>
-            <a:ext cx="6700681" cy="2468672"/>
-          </a:xfrm>
-          <a:prstGeom prst="rect">
-            <a:avLst/>
-          </a:prstGeom>
-        </p:spPr>
-      </p:pic>
-    </p:spTree>
-    <p:extLst>
-      <p:ext uri="{BB962C8B-B14F-4D97-AF65-F5344CB8AC3E}">
-        <p14:creationId xmlns:p14="http://schemas.microsoft.com/office/powerpoint/2010/main" val="2145604357"/>
       </p:ext>
     </p:extLst>
   </p:cSld>
@@ -18730,8 +23287,8 @@
         </p:nvSpPr>
         <p:spPr>
           <a:xfrm>
-            <a:off x="2962275" y="4839970"/>
-            <a:ext cx="6696075" cy="646331"/>
+            <a:off x="3068955" y="4832142"/>
+            <a:ext cx="5560953" cy="646331"/>
           </a:xfrm>
           <a:prstGeom prst="rect">
             <a:avLst/>
@@ -18847,27 +23404,7 @@
                 <a:effectLst/>
                 <a:latin typeface="Consolas" panose="020B0609020204030204" pitchFamily="49" charset="0"/>
               </a:rPr>
-              <a:t>"</a:t>
-            </a:r>
-            <a:r>
-              <a:rPr lang="en-US" b="0" dirty="0" err="1">
-                <a:solidFill>
-                  <a:srgbClr val="CE9178"/>
-                </a:solidFill>
-                <a:effectLst/>
-                <a:latin typeface="Consolas" panose="020B0609020204030204" pitchFamily="49" charset="0"/>
-              </a:rPr>
-              <a:t>css</a:t>
-            </a:r>
-            <a:r>
-              <a:rPr lang="en-US" b="0" dirty="0">
-                <a:solidFill>
-                  <a:srgbClr val="CE9178"/>
-                </a:solidFill>
-                <a:effectLst/>
-                <a:latin typeface="Consolas" panose="020B0609020204030204" pitchFamily="49" charset="0"/>
-              </a:rPr>
-              <a:t>/style.css"</a:t>
+              <a:t>"style.css"</a:t>
             </a:r>
             <a:r>
               <a:rPr lang="en-US" b="0" dirty="0">
@@ -18894,10 +23431,10 @@
       </p:sp>
       <p:pic>
         <p:nvPicPr>
-          <p:cNvPr id="12" name="Picture 11">
+          <p:cNvPr id="7" name="Picture 6">
             <a:extLst>
               <a:ext uri="{FF2B5EF4-FFF2-40B4-BE49-F238E27FC236}">
-                <a16:creationId xmlns:a16="http://schemas.microsoft.com/office/drawing/2014/main" id="{5D4E164F-1557-4469-B6D4-444A26417FA9}"/>
+                <a16:creationId xmlns:a16="http://schemas.microsoft.com/office/drawing/2014/main" id="{8F1DDDDE-3800-4A98-87C8-FA844927DCB2}"/>
               </a:ext>
             </a:extLst>
           </p:cNvPr>
@@ -18914,8 +23451,8 @@
         </p:blipFill>
         <p:spPr>
           <a:xfrm>
-            <a:off x="2848448" y="1928435"/>
-            <a:ext cx="6312224" cy="2330570"/>
+            <a:off x="2499090" y="1690688"/>
+            <a:ext cx="6700681" cy="2468672"/>
           </a:xfrm>
           <a:prstGeom prst="rect">
             <a:avLst/>
@@ -18925,7 +23462,7 @@
     </p:spTree>
     <p:extLst>
       <p:ext uri="{BB962C8B-B14F-4D97-AF65-F5344CB8AC3E}">
-        <p14:creationId xmlns:p14="http://schemas.microsoft.com/office/powerpoint/2010/main" val="2129406404"/>
+        <p14:creationId xmlns:p14="http://schemas.microsoft.com/office/powerpoint/2010/main" val="2145604357"/>
       </p:ext>
     </p:extLst>
   </p:cSld>
@@ -19378,8 +23915,8 @@
         </p:nvSpPr>
         <p:spPr>
           <a:xfrm>
-            <a:off x="2406332" y="4953000"/>
-            <a:ext cx="6182995" cy="646331"/>
+            <a:off x="2962275" y="4839970"/>
+            <a:ext cx="6696075" cy="646331"/>
           </a:xfrm>
           <a:prstGeom prst="rect">
             <a:avLst/>
@@ -19495,7 +24032,27 @@
                 <a:effectLst/>
                 <a:latin typeface="Consolas" panose="020B0609020204030204" pitchFamily="49" charset="0"/>
               </a:rPr>
-              <a:t>"../style.css"</a:t>
+              <a:t>"</a:t>
+            </a:r>
+            <a:r>
+              <a:rPr lang="en-US" b="0" dirty="0" err="1">
+                <a:solidFill>
+                  <a:srgbClr val="CE9178"/>
+                </a:solidFill>
+                <a:effectLst/>
+                <a:latin typeface="Consolas" panose="020B0609020204030204" pitchFamily="49" charset="0"/>
+              </a:rPr>
+              <a:t>css</a:t>
+            </a:r>
+            <a:r>
+              <a:rPr lang="en-US" b="0" dirty="0">
+                <a:solidFill>
+                  <a:srgbClr val="CE9178"/>
+                </a:solidFill>
+                <a:effectLst/>
+                <a:latin typeface="Consolas" panose="020B0609020204030204" pitchFamily="49" charset="0"/>
+              </a:rPr>
+              <a:t>/style.css"</a:t>
             </a:r>
             <a:r>
               <a:rPr lang="en-US" b="0" dirty="0">
@@ -19522,10 +24079,10 @@
       </p:sp>
       <p:pic>
         <p:nvPicPr>
-          <p:cNvPr id="5" name="Picture 4">
+          <p:cNvPr id="12" name="Picture 11">
             <a:extLst>
               <a:ext uri="{FF2B5EF4-FFF2-40B4-BE49-F238E27FC236}">
-                <a16:creationId xmlns:a16="http://schemas.microsoft.com/office/drawing/2014/main" id="{EAC910F8-B939-49D7-A0F8-46307F812516}"/>
+                <a16:creationId xmlns:a16="http://schemas.microsoft.com/office/drawing/2014/main" id="{5D4E164F-1557-4469-B6D4-444A26417FA9}"/>
               </a:ext>
             </a:extLst>
           </p:cNvPr>
@@ -19542,8 +24099,8 @@
         </p:blipFill>
         <p:spPr>
           <a:xfrm>
-            <a:off x="2503650" y="1823167"/>
-            <a:ext cx="5988358" cy="2997354"/>
+            <a:off x="2848448" y="1928435"/>
+            <a:ext cx="6312224" cy="2330570"/>
           </a:xfrm>
           <a:prstGeom prst="rect">
             <a:avLst/>
@@ -19553,7 +24110,7 @@
     </p:spTree>
     <p:extLst>
       <p:ext uri="{BB962C8B-B14F-4D97-AF65-F5344CB8AC3E}">
-        <p14:creationId xmlns:p14="http://schemas.microsoft.com/office/powerpoint/2010/main" val="991932892"/>
+        <p14:creationId xmlns:p14="http://schemas.microsoft.com/office/powerpoint/2010/main" val="2129406404"/>
       </p:ext>
     </p:extLst>
   </p:cSld>
@@ -19622,8 +24179,8 @@
         </p:nvSpPr>
         <p:spPr>
           <a:xfrm>
-            <a:off x="2490787" y="5123765"/>
-            <a:ext cx="7210425" cy="646331"/>
+            <a:off x="2406332" y="4953000"/>
+            <a:ext cx="6182995" cy="646331"/>
           </a:xfrm>
           <a:prstGeom prst="rect">
             <a:avLst/>
@@ -19739,27 +24296,7 @@
                 <a:effectLst/>
                 <a:latin typeface="Consolas" panose="020B0609020204030204" pitchFamily="49" charset="0"/>
               </a:rPr>
-              <a:t>"../</a:t>
-            </a:r>
-            <a:r>
-              <a:rPr lang="en-US" b="0" dirty="0" err="1">
-                <a:solidFill>
-                  <a:srgbClr val="CE9178"/>
-                </a:solidFill>
-                <a:effectLst/>
-                <a:latin typeface="Consolas" panose="020B0609020204030204" pitchFamily="49" charset="0"/>
-              </a:rPr>
-              <a:t>css</a:t>
-            </a:r>
-            <a:r>
-              <a:rPr lang="en-US" b="0" dirty="0">
-                <a:solidFill>
-                  <a:srgbClr val="CE9178"/>
-                </a:solidFill>
-                <a:effectLst/>
-                <a:latin typeface="Consolas" panose="020B0609020204030204" pitchFamily="49" charset="0"/>
-              </a:rPr>
-              <a:t>/style.css"</a:t>
+              <a:t>"../style.css"</a:t>
             </a:r>
             <a:r>
               <a:rPr lang="en-US" b="0" dirty="0">
@@ -19789,7 +24326,7 @@
           <p:cNvPr id="5" name="Picture 4">
             <a:extLst>
               <a:ext uri="{FF2B5EF4-FFF2-40B4-BE49-F238E27FC236}">
-                <a16:creationId xmlns:a16="http://schemas.microsoft.com/office/drawing/2014/main" id="{8A6A9D7E-4EE0-4507-8BB1-5D69ACCB1AB8}"/>
+                <a16:creationId xmlns:a16="http://schemas.microsoft.com/office/drawing/2014/main" id="{EAC910F8-B939-49D7-A0F8-46307F812516}"/>
               </a:ext>
             </a:extLst>
           </p:cNvPr>
@@ -19806,8 +24343,8 @@
         </p:blipFill>
         <p:spPr>
           <a:xfrm>
-            <a:off x="2664943" y="1690688"/>
-            <a:ext cx="5886753" cy="3124361"/>
+            <a:off x="2503650" y="1823167"/>
+            <a:ext cx="5988358" cy="2997354"/>
           </a:xfrm>
           <a:prstGeom prst="rect">
             <a:avLst/>
@@ -19817,7 +24354,7 @@
     </p:spTree>
     <p:extLst>
       <p:ext uri="{BB962C8B-B14F-4D97-AF65-F5344CB8AC3E}">
-        <p14:creationId xmlns:p14="http://schemas.microsoft.com/office/powerpoint/2010/main" val="929477529"/>
+        <p14:creationId xmlns:p14="http://schemas.microsoft.com/office/powerpoint/2010/main" val="991932892"/>
       </p:ext>
     </p:extLst>
   </p:cSld>
@@ -19886,6 +24423,270 @@
         </p:nvSpPr>
         <p:spPr>
           <a:xfrm>
+            <a:off x="2490787" y="5123765"/>
+            <a:ext cx="7210425" cy="646331"/>
+          </a:xfrm>
+          <a:prstGeom prst="rect">
+            <a:avLst/>
+          </a:prstGeom>
+          <a:solidFill>
+            <a:schemeClr val="tx1">
+              <a:lumMod val="75000"/>
+              <a:lumOff val="25000"/>
+            </a:schemeClr>
+          </a:solidFill>
+        </p:spPr>
+        <p:txBody>
+          <a:bodyPr wrap="square" rtlCol="0">
+            <a:spAutoFit/>
+          </a:bodyPr>
+          <a:lstStyle/>
+          <a:p>
+            <a:r>
+              <a:rPr lang="en-US" b="0" dirty="0">
+                <a:solidFill>
+                  <a:srgbClr val="808080"/>
+                </a:solidFill>
+                <a:effectLst/>
+                <a:latin typeface="Consolas" panose="020B0609020204030204" pitchFamily="49" charset="0"/>
+              </a:rPr>
+              <a:t>&lt;</a:t>
+            </a:r>
+            <a:r>
+              <a:rPr lang="en-US" b="0" dirty="0">
+                <a:solidFill>
+                  <a:srgbClr val="569CD6"/>
+                </a:solidFill>
+                <a:effectLst/>
+                <a:latin typeface="Consolas" panose="020B0609020204030204" pitchFamily="49" charset="0"/>
+              </a:rPr>
+              <a:t>link</a:t>
+            </a:r>
+            <a:r>
+              <a:rPr lang="en-US" b="0" dirty="0">
+                <a:solidFill>
+                  <a:srgbClr val="D4D4D4"/>
+                </a:solidFill>
+                <a:effectLst/>
+                <a:latin typeface="Consolas" panose="020B0609020204030204" pitchFamily="49" charset="0"/>
+              </a:rPr>
+              <a:t> </a:t>
+            </a:r>
+            <a:r>
+              <a:rPr lang="en-US" b="0" dirty="0" err="1">
+                <a:solidFill>
+                  <a:srgbClr val="9CDCFE"/>
+                </a:solidFill>
+                <a:effectLst/>
+                <a:latin typeface="Consolas" panose="020B0609020204030204" pitchFamily="49" charset="0"/>
+              </a:rPr>
+              <a:t>rel</a:t>
+            </a:r>
+            <a:r>
+              <a:rPr lang="en-US" b="0" dirty="0">
+                <a:solidFill>
+                  <a:srgbClr val="D4D4D4"/>
+                </a:solidFill>
+                <a:effectLst/>
+                <a:latin typeface="Consolas" panose="020B0609020204030204" pitchFamily="49" charset="0"/>
+              </a:rPr>
+              <a:t>=</a:t>
+            </a:r>
+            <a:r>
+              <a:rPr lang="en-US" b="0" dirty="0">
+                <a:solidFill>
+                  <a:srgbClr val="CE9178"/>
+                </a:solidFill>
+                <a:effectLst/>
+                <a:latin typeface="Consolas" panose="020B0609020204030204" pitchFamily="49" charset="0"/>
+              </a:rPr>
+              <a:t>"stylesheet"</a:t>
+            </a:r>
+            <a:r>
+              <a:rPr lang="en-US" b="0" dirty="0">
+                <a:solidFill>
+                  <a:srgbClr val="D4D4D4"/>
+                </a:solidFill>
+                <a:effectLst/>
+                <a:latin typeface="Consolas" panose="020B0609020204030204" pitchFamily="49" charset="0"/>
+              </a:rPr>
+              <a:t> </a:t>
+            </a:r>
+            <a:r>
+              <a:rPr lang="en-US" b="0" dirty="0" err="1">
+                <a:solidFill>
+                  <a:srgbClr val="9CDCFE"/>
+                </a:solidFill>
+                <a:effectLst/>
+                <a:latin typeface="Consolas" panose="020B0609020204030204" pitchFamily="49" charset="0"/>
+              </a:rPr>
+              <a:t>href</a:t>
+            </a:r>
+            <a:r>
+              <a:rPr lang="en-US" b="0" dirty="0">
+                <a:solidFill>
+                  <a:srgbClr val="D4D4D4"/>
+                </a:solidFill>
+                <a:effectLst/>
+                <a:latin typeface="Consolas" panose="020B0609020204030204" pitchFamily="49" charset="0"/>
+              </a:rPr>
+              <a:t>=</a:t>
+            </a:r>
+            <a:r>
+              <a:rPr lang="en-US" b="0" dirty="0">
+                <a:solidFill>
+                  <a:srgbClr val="CE9178"/>
+                </a:solidFill>
+                <a:effectLst/>
+                <a:latin typeface="Consolas" panose="020B0609020204030204" pitchFamily="49" charset="0"/>
+              </a:rPr>
+              <a:t>"../</a:t>
+            </a:r>
+            <a:r>
+              <a:rPr lang="en-US" b="0" dirty="0" err="1">
+                <a:solidFill>
+                  <a:srgbClr val="CE9178"/>
+                </a:solidFill>
+                <a:effectLst/>
+                <a:latin typeface="Consolas" panose="020B0609020204030204" pitchFamily="49" charset="0"/>
+              </a:rPr>
+              <a:t>css</a:t>
+            </a:r>
+            <a:r>
+              <a:rPr lang="en-US" b="0" dirty="0">
+                <a:solidFill>
+                  <a:srgbClr val="CE9178"/>
+                </a:solidFill>
+                <a:effectLst/>
+                <a:latin typeface="Consolas" panose="020B0609020204030204" pitchFamily="49" charset="0"/>
+              </a:rPr>
+              <a:t>/style.css"</a:t>
+            </a:r>
+            <a:r>
+              <a:rPr lang="en-US" b="0" dirty="0">
+                <a:solidFill>
+                  <a:srgbClr val="808080"/>
+                </a:solidFill>
+                <a:effectLst/>
+                <a:latin typeface="Consolas" panose="020B0609020204030204" pitchFamily="49" charset="0"/>
+              </a:rPr>
+              <a:t>&gt;</a:t>
+            </a:r>
+            <a:endParaRPr lang="en-US" b="0" dirty="0">
+              <a:solidFill>
+                <a:srgbClr val="D4D4D4"/>
+              </a:solidFill>
+              <a:effectLst/>
+              <a:latin typeface="Consolas" panose="020B0609020204030204" pitchFamily="49" charset="0"/>
+            </a:endParaRPr>
+          </a:p>
+          <a:p>
+            <a:endParaRPr lang="en-US" dirty="0"/>
+          </a:p>
+        </p:txBody>
+      </p:sp>
+      <p:pic>
+        <p:nvPicPr>
+          <p:cNvPr id="5" name="Picture 4">
+            <a:extLst>
+              <a:ext uri="{FF2B5EF4-FFF2-40B4-BE49-F238E27FC236}">
+                <a16:creationId xmlns:a16="http://schemas.microsoft.com/office/drawing/2014/main" id="{8A6A9D7E-4EE0-4507-8BB1-5D69ACCB1AB8}"/>
+              </a:ext>
+            </a:extLst>
+          </p:cNvPr>
+          <p:cNvPicPr>
+            <a:picLocks noChangeAspect="1"/>
+          </p:cNvPicPr>
+          <p:nvPr/>
+        </p:nvPicPr>
+        <p:blipFill>
+          <a:blip r:embed="rId2"/>
+          <a:stretch>
+            <a:fillRect/>
+          </a:stretch>
+        </p:blipFill>
+        <p:spPr>
+          <a:xfrm>
+            <a:off x="2664943" y="1690688"/>
+            <a:ext cx="5886753" cy="3124361"/>
+          </a:xfrm>
+          <a:prstGeom prst="rect">
+            <a:avLst/>
+          </a:prstGeom>
+        </p:spPr>
+      </p:pic>
+    </p:spTree>
+    <p:extLst>
+      <p:ext uri="{BB962C8B-B14F-4D97-AF65-F5344CB8AC3E}">
+        <p14:creationId xmlns:p14="http://schemas.microsoft.com/office/powerpoint/2010/main" val="929477529"/>
+      </p:ext>
+    </p:extLst>
+  </p:cSld>
+  <p:clrMapOvr>
+    <a:masterClrMapping/>
+  </p:clrMapOvr>
+</p:sld>
+</file>
+
+<file path=ppt/slides/slide33.xml><?xml version="1.0" encoding="utf-8"?>
+<p:sld xmlns:a="http://schemas.openxmlformats.org/drawingml/2006/main" xmlns:r="http://schemas.openxmlformats.org/officeDocument/2006/relationships" xmlns:p="http://schemas.openxmlformats.org/presentationml/2006/main">
+  <p:cSld>
+    <p:spTree>
+      <p:nvGrpSpPr>
+        <p:cNvPr id="1" name=""/>
+        <p:cNvGrpSpPr/>
+        <p:nvPr/>
+      </p:nvGrpSpPr>
+      <p:grpSpPr>
+        <a:xfrm>
+          <a:off x="0" y="0"/>
+          <a:ext cx="0" cy="0"/>
+          <a:chOff x="0" y="0"/>
+          <a:chExt cx="0" cy="0"/>
+        </a:xfrm>
+      </p:grpSpPr>
+      <p:sp>
+        <p:nvSpPr>
+          <p:cNvPr id="2" name="Title 1">
+            <a:extLst>
+              <a:ext uri="{FF2B5EF4-FFF2-40B4-BE49-F238E27FC236}">
+                <a16:creationId xmlns:a16="http://schemas.microsoft.com/office/drawing/2014/main" id="{AFD9DAAE-15CD-4036-A5CE-E6726E1FC650}"/>
+              </a:ext>
+            </a:extLst>
+          </p:cNvPr>
+          <p:cNvSpPr>
+            <a:spLocks noGrp="1"/>
+          </p:cNvSpPr>
+          <p:nvPr>
+            <p:ph type="title"/>
+          </p:nvPr>
+        </p:nvSpPr>
+        <p:spPr/>
+        <p:txBody>
+          <a:bodyPr/>
+          <a:lstStyle/>
+          <a:p>
+            <a:r>
+              <a:rPr lang="en-US" dirty="0"/>
+              <a:t>File location </a:t>
+            </a:r>
+          </a:p>
+        </p:txBody>
+      </p:sp>
+      <p:sp>
+        <p:nvSpPr>
+          <p:cNvPr id="3" name="TextBox 2">
+            <a:extLst>
+              <a:ext uri="{FF2B5EF4-FFF2-40B4-BE49-F238E27FC236}">
+                <a16:creationId xmlns:a16="http://schemas.microsoft.com/office/drawing/2014/main" id="{3B3F7666-112F-4515-8286-BA9BC1C4D8A6}"/>
+              </a:ext>
+            </a:extLst>
+          </p:cNvPr>
+          <p:cNvSpPr txBox="1"/>
+          <p:nvPr/>
+        </p:nvSpPr>
+        <p:spPr>
+          <a:xfrm>
             <a:off x="3314701" y="4838699"/>
             <a:ext cx="7496174" cy="646331"/>
           </a:xfrm>
@@ -20091,7 +24892,7 @@
 </p:sld>
 </file>
 
-<file path=ppt/slides/slide33.xml><?xml version="1.0" encoding="utf-8"?>
+<file path=ppt/slides/slide34.xml><?xml version="1.0" encoding="utf-8"?>
 <p:sld xmlns:a="http://schemas.openxmlformats.org/drawingml/2006/main" xmlns:r="http://schemas.openxmlformats.org/officeDocument/2006/relationships" xmlns:p="http://schemas.openxmlformats.org/presentationml/2006/main">
   <p:cSld>
     <p:spTree>
@@ -20352,7 +25153,7 @@
 </p:sld>
 </file>
 
-<file path=ppt/slides/slide34.xml><?xml version="1.0" encoding="utf-8"?>
+<file path=ppt/slides/slide35.xml><?xml version="1.0" encoding="utf-8"?>
 <p:sld xmlns:a="http://schemas.openxmlformats.org/drawingml/2006/main" xmlns:r="http://schemas.openxmlformats.org/officeDocument/2006/relationships" xmlns:p="http://schemas.openxmlformats.org/presentationml/2006/main">
   <p:cSld>
     <p:spTree>
@@ -20874,104 +25675,6 @@
 </p:sld>
 </file>
 
-<file path=ppt/slides/slide35.xml><?xml version="1.0" encoding="utf-8"?>
-<p:sld xmlns:a="http://schemas.openxmlformats.org/drawingml/2006/main" xmlns:r="http://schemas.openxmlformats.org/officeDocument/2006/relationships" xmlns:p="http://schemas.openxmlformats.org/presentationml/2006/main">
-  <p:cSld>
-    <p:spTree>
-      <p:nvGrpSpPr>
-        <p:cNvPr id="1" name=""/>
-        <p:cNvGrpSpPr/>
-        <p:nvPr/>
-      </p:nvGrpSpPr>
-      <p:grpSpPr>
-        <a:xfrm>
-          <a:off x="0" y="0"/>
-          <a:ext cx="0" cy="0"/>
-          <a:chOff x="0" y="0"/>
-          <a:chExt cx="0" cy="0"/>
-        </a:xfrm>
-      </p:grpSpPr>
-      <p:sp>
-        <p:nvSpPr>
-          <p:cNvPr id="2" name="Title 1">
-            <a:extLst>
-              <a:ext uri="{FF2B5EF4-FFF2-40B4-BE49-F238E27FC236}">
-                <a16:creationId xmlns:a16="http://schemas.microsoft.com/office/drawing/2014/main" id="{DCC461D7-C845-4451-981B-AEE1E2527034}"/>
-              </a:ext>
-            </a:extLst>
-          </p:cNvPr>
-          <p:cNvSpPr>
-            <a:spLocks noGrp="1"/>
-          </p:cNvSpPr>
-          <p:nvPr>
-            <p:ph type="title"/>
-          </p:nvPr>
-        </p:nvSpPr>
-        <p:spPr/>
-        <p:txBody>
-          <a:bodyPr/>
-          <a:lstStyle/>
-          <a:p>
-            <a:r>
-              <a:rPr lang="en-US" dirty="0"/>
-              <a:t>Choose the E-commerce Domain</a:t>
-            </a:r>
-          </a:p>
-        </p:txBody>
-      </p:sp>
-      <p:sp>
-        <p:nvSpPr>
-          <p:cNvPr id="3" name="Content Placeholder 2">
-            <a:extLst>
-              <a:ext uri="{FF2B5EF4-FFF2-40B4-BE49-F238E27FC236}">
-                <a16:creationId xmlns:a16="http://schemas.microsoft.com/office/drawing/2014/main" id="{D6F365A9-43FF-4DEC-A906-2D4CA88DBFBA}"/>
-              </a:ext>
-            </a:extLst>
-          </p:cNvPr>
-          <p:cNvSpPr>
-            <a:spLocks noGrp="1"/>
-          </p:cNvSpPr>
-          <p:nvPr>
-            <p:ph idx="1"/>
-          </p:nvPr>
-        </p:nvSpPr>
-        <p:spPr/>
-        <p:txBody>
-          <a:bodyPr/>
-          <a:lstStyle/>
-          <a:p>
-            <a:r>
-              <a:rPr lang="en-US" dirty="0"/>
-              <a:t>3- 4 pages.</a:t>
-            </a:r>
-          </a:p>
-          <a:p>
-            <a:r>
-              <a:rPr lang="en-US" dirty="0"/>
-              <a:t>Payment method: cash on delivery.</a:t>
-            </a:r>
-          </a:p>
-          <a:p>
-            <a:r>
-              <a:rPr lang="en-US" dirty="0"/>
-              <a:t>23th November, site map and wireframe.</a:t>
-            </a:r>
-          </a:p>
-        </p:txBody>
-      </p:sp>
-    </p:spTree>
-    <p:extLst>
-      <p:ext uri="{BB962C8B-B14F-4D97-AF65-F5344CB8AC3E}">
-        <p14:creationId xmlns:p14="http://schemas.microsoft.com/office/powerpoint/2010/main" val="709389182"/>
-      </p:ext>
-    </p:extLst>
-  </p:cSld>
-  <p:clrMapOvr>
-    <a:masterClrMapping/>
-  </p:clrMapOvr>
-</p:sld>
-</file>
-
 <file path=ppt/slides/slide36.xml><?xml version="1.0" encoding="utf-8"?>
 <p:sld xmlns:a="http://schemas.openxmlformats.org/drawingml/2006/main" xmlns:r="http://schemas.openxmlformats.org/officeDocument/2006/relationships" xmlns:p="http://schemas.openxmlformats.org/presentationml/2006/main">
   <p:cSld>
@@ -21060,6 +25763,104 @@
     </p:spTree>
     <p:extLst>
       <p:ext uri="{BB962C8B-B14F-4D97-AF65-F5344CB8AC3E}">
+        <p14:creationId xmlns:p14="http://schemas.microsoft.com/office/powerpoint/2010/main" val="709389182"/>
+      </p:ext>
+    </p:extLst>
+  </p:cSld>
+  <p:clrMapOvr>
+    <a:masterClrMapping/>
+  </p:clrMapOvr>
+</p:sld>
+</file>
+
+<file path=ppt/slides/slide37.xml><?xml version="1.0" encoding="utf-8"?>
+<p:sld xmlns:a="http://schemas.openxmlformats.org/drawingml/2006/main" xmlns:r="http://schemas.openxmlformats.org/officeDocument/2006/relationships" xmlns:p="http://schemas.openxmlformats.org/presentationml/2006/main">
+  <p:cSld>
+    <p:spTree>
+      <p:nvGrpSpPr>
+        <p:cNvPr id="1" name=""/>
+        <p:cNvGrpSpPr/>
+        <p:nvPr/>
+      </p:nvGrpSpPr>
+      <p:grpSpPr>
+        <a:xfrm>
+          <a:off x="0" y="0"/>
+          <a:ext cx="0" cy="0"/>
+          <a:chOff x="0" y="0"/>
+          <a:chExt cx="0" cy="0"/>
+        </a:xfrm>
+      </p:grpSpPr>
+      <p:sp>
+        <p:nvSpPr>
+          <p:cNvPr id="2" name="Title 1">
+            <a:extLst>
+              <a:ext uri="{FF2B5EF4-FFF2-40B4-BE49-F238E27FC236}">
+                <a16:creationId xmlns:a16="http://schemas.microsoft.com/office/drawing/2014/main" id="{DCC461D7-C845-4451-981B-AEE1E2527034}"/>
+              </a:ext>
+            </a:extLst>
+          </p:cNvPr>
+          <p:cNvSpPr>
+            <a:spLocks noGrp="1"/>
+          </p:cNvSpPr>
+          <p:nvPr>
+            <p:ph type="title"/>
+          </p:nvPr>
+        </p:nvSpPr>
+        <p:spPr/>
+        <p:txBody>
+          <a:bodyPr/>
+          <a:lstStyle/>
+          <a:p>
+            <a:r>
+              <a:rPr lang="en-US" dirty="0"/>
+              <a:t>Choose the E-commerce Domain</a:t>
+            </a:r>
+          </a:p>
+        </p:txBody>
+      </p:sp>
+      <p:sp>
+        <p:nvSpPr>
+          <p:cNvPr id="3" name="Content Placeholder 2">
+            <a:extLst>
+              <a:ext uri="{FF2B5EF4-FFF2-40B4-BE49-F238E27FC236}">
+                <a16:creationId xmlns:a16="http://schemas.microsoft.com/office/drawing/2014/main" id="{D6F365A9-43FF-4DEC-A906-2D4CA88DBFBA}"/>
+              </a:ext>
+            </a:extLst>
+          </p:cNvPr>
+          <p:cNvSpPr>
+            <a:spLocks noGrp="1"/>
+          </p:cNvSpPr>
+          <p:nvPr>
+            <p:ph idx="1"/>
+          </p:nvPr>
+        </p:nvSpPr>
+        <p:spPr/>
+        <p:txBody>
+          <a:bodyPr/>
+          <a:lstStyle/>
+          <a:p>
+            <a:r>
+              <a:rPr lang="en-US" dirty="0"/>
+              <a:t>3- 4 pages.</a:t>
+            </a:r>
+          </a:p>
+          <a:p>
+            <a:r>
+              <a:rPr lang="en-US" dirty="0"/>
+              <a:t>Payment method: cash on delivery.</a:t>
+            </a:r>
+          </a:p>
+          <a:p>
+            <a:r>
+              <a:rPr lang="en-US" dirty="0"/>
+              <a:t>23th November, site map and wireframe.</a:t>
+            </a:r>
+          </a:p>
+        </p:txBody>
+      </p:sp>
+    </p:spTree>
+    <p:extLst>
+      <p:ext uri="{BB962C8B-B14F-4D97-AF65-F5344CB8AC3E}">
         <p14:creationId xmlns:p14="http://schemas.microsoft.com/office/powerpoint/2010/main" val="1772439588"/>
       </p:ext>
     </p:extLst>
@@ -21070,7 +25871,7 @@
 </p:sld>
 </file>
 
-<file path=ppt/slides/slide37.xml><?xml version="1.0" encoding="utf-8"?>
+<file path=ppt/slides/slide38.xml><?xml version="1.0" encoding="utf-8"?>
 <p:sld xmlns:a="http://schemas.openxmlformats.org/drawingml/2006/main" xmlns:r="http://schemas.openxmlformats.org/officeDocument/2006/relationships" xmlns:p="http://schemas.openxmlformats.org/presentationml/2006/main">
   <p:cSld>
     <p:spTree>
@@ -21359,7 +26160,7 @@
 </p:sld>
 </file>
 
-<file path=ppt/slides/slide38.xml><?xml version="1.0" encoding="utf-8"?>
+<file path=ppt/slides/slide39.xml><?xml version="1.0" encoding="utf-8"?>
 <p:sld xmlns:a="http://schemas.openxmlformats.org/drawingml/2006/main" xmlns:r="http://schemas.openxmlformats.org/officeDocument/2006/relationships" xmlns:p="http://schemas.openxmlformats.org/presentationml/2006/main">
   <p:cSld>
     <p:spTree>
@@ -21433,89 +26234,6 @@
     <p:extLst>
       <p:ext uri="{BB962C8B-B14F-4D97-AF65-F5344CB8AC3E}">
         <p14:creationId xmlns:p14="http://schemas.microsoft.com/office/powerpoint/2010/main" val="3918795285"/>
-      </p:ext>
-    </p:extLst>
-  </p:cSld>
-  <p:clrMapOvr>
-    <a:masterClrMapping/>
-  </p:clrMapOvr>
-</p:sld>
-</file>
-
-<file path=ppt/slides/slide39.xml><?xml version="1.0" encoding="utf-8"?>
-<p:sld xmlns:a="http://schemas.openxmlformats.org/drawingml/2006/main" xmlns:r="http://schemas.openxmlformats.org/officeDocument/2006/relationships" xmlns:p="http://schemas.openxmlformats.org/presentationml/2006/main">
-  <p:cSld>
-    <p:spTree>
-      <p:nvGrpSpPr>
-        <p:cNvPr id="1" name=""/>
-        <p:cNvGrpSpPr/>
-        <p:nvPr/>
-      </p:nvGrpSpPr>
-      <p:grpSpPr>
-        <a:xfrm>
-          <a:off x="0" y="0"/>
-          <a:ext cx="0" cy="0"/>
-          <a:chOff x="0" y="0"/>
-          <a:chExt cx="0" cy="0"/>
-        </a:xfrm>
-      </p:grpSpPr>
-      <p:sp>
-        <p:nvSpPr>
-          <p:cNvPr id="2" name="Title 1">
-            <a:extLst>
-              <a:ext uri="{FF2B5EF4-FFF2-40B4-BE49-F238E27FC236}">
-                <a16:creationId xmlns:a16="http://schemas.microsoft.com/office/drawing/2014/main" id="{FF58DCB7-F5EF-47B6-99DF-D92389237209}"/>
-              </a:ext>
-            </a:extLst>
-          </p:cNvPr>
-          <p:cNvSpPr>
-            <a:spLocks noGrp="1"/>
-          </p:cNvSpPr>
-          <p:nvPr>
-            <p:ph type="title"/>
-          </p:nvPr>
-        </p:nvSpPr>
-        <p:spPr/>
-        <p:txBody>
-          <a:bodyPr/>
-          <a:lstStyle/>
-          <a:p>
-            <a:r>
-              <a:rPr lang="en-US" dirty="0"/>
-              <a:t>Practice</a:t>
-            </a:r>
-          </a:p>
-        </p:txBody>
-      </p:sp>
-      <p:sp>
-        <p:nvSpPr>
-          <p:cNvPr id="3" name="Content Placeholder 2">
-            <a:extLst>
-              <a:ext uri="{FF2B5EF4-FFF2-40B4-BE49-F238E27FC236}">
-                <a16:creationId xmlns:a16="http://schemas.microsoft.com/office/drawing/2014/main" id="{7CE93B0A-8D7D-48EF-9313-6425EF6C11CF}"/>
-              </a:ext>
-            </a:extLst>
-          </p:cNvPr>
-          <p:cNvSpPr>
-            <a:spLocks noGrp="1"/>
-          </p:cNvSpPr>
-          <p:nvPr>
-            <p:ph idx="1"/>
-          </p:nvPr>
-        </p:nvSpPr>
-        <p:spPr/>
-        <p:txBody>
-          <a:bodyPr/>
-          <a:lstStyle/>
-          <a:p>
-            <a:endParaRPr lang="en-US" dirty="0"/>
-          </a:p>
-        </p:txBody>
-      </p:sp>
-    </p:spTree>
-    <p:extLst>
-      <p:ext uri="{BB962C8B-B14F-4D97-AF65-F5344CB8AC3E}">
-        <p14:creationId xmlns:p14="http://schemas.microsoft.com/office/powerpoint/2010/main" val="2322015366"/>
       </p:ext>
     </p:extLst>
   </p:cSld>
@@ -21642,6 +26360,89 @@
 </file>
 
 <file path=ppt/slides/slide40.xml><?xml version="1.0" encoding="utf-8"?>
+<p:sld xmlns:a="http://schemas.openxmlformats.org/drawingml/2006/main" xmlns:r="http://schemas.openxmlformats.org/officeDocument/2006/relationships" xmlns:p="http://schemas.openxmlformats.org/presentationml/2006/main">
+  <p:cSld>
+    <p:spTree>
+      <p:nvGrpSpPr>
+        <p:cNvPr id="1" name=""/>
+        <p:cNvGrpSpPr/>
+        <p:nvPr/>
+      </p:nvGrpSpPr>
+      <p:grpSpPr>
+        <a:xfrm>
+          <a:off x="0" y="0"/>
+          <a:ext cx="0" cy="0"/>
+          <a:chOff x="0" y="0"/>
+          <a:chExt cx="0" cy="0"/>
+        </a:xfrm>
+      </p:grpSpPr>
+      <p:sp>
+        <p:nvSpPr>
+          <p:cNvPr id="2" name="Title 1">
+            <a:extLst>
+              <a:ext uri="{FF2B5EF4-FFF2-40B4-BE49-F238E27FC236}">
+                <a16:creationId xmlns:a16="http://schemas.microsoft.com/office/drawing/2014/main" id="{FF58DCB7-F5EF-47B6-99DF-D92389237209}"/>
+              </a:ext>
+            </a:extLst>
+          </p:cNvPr>
+          <p:cNvSpPr>
+            <a:spLocks noGrp="1"/>
+          </p:cNvSpPr>
+          <p:nvPr>
+            <p:ph type="title"/>
+          </p:nvPr>
+        </p:nvSpPr>
+        <p:spPr/>
+        <p:txBody>
+          <a:bodyPr/>
+          <a:lstStyle/>
+          <a:p>
+            <a:r>
+              <a:rPr lang="en-US" dirty="0"/>
+              <a:t>Practice</a:t>
+            </a:r>
+          </a:p>
+        </p:txBody>
+      </p:sp>
+      <p:sp>
+        <p:nvSpPr>
+          <p:cNvPr id="3" name="Content Placeholder 2">
+            <a:extLst>
+              <a:ext uri="{FF2B5EF4-FFF2-40B4-BE49-F238E27FC236}">
+                <a16:creationId xmlns:a16="http://schemas.microsoft.com/office/drawing/2014/main" id="{7CE93B0A-8D7D-48EF-9313-6425EF6C11CF}"/>
+              </a:ext>
+            </a:extLst>
+          </p:cNvPr>
+          <p:cNvSpPr>
+            <a:spLocks noGrp="1"/>
+          </p:cNvSpPr>
+          <p:nvPr>
+            <p:ph idx="1"/>
+          </p:nvPr>
+        </p:nvSpPr>
+        <p:spPr/>
+        <p:txBody>
+          <a:bodyPr/>
+          <a:lstStyle/>
+          <a:p>
+            <a:endParaRPr lang="en-US" dirty="0"/>
+          </a:p>
+        </p:txBody>
+      </p:sp>
+    </p:spTree>
+    <p:extLst>
+      <p:ext uri="{BB962C8B-B14F-4D97-AF65-F5344CB8AC3E}">
+        <p14:creationId xmlns:p14="http://schemas.microsoft.com/office/powerpoint/2010/main" val="2322015366"/>
+      </p:ext>
+    </p:extLst>
+  </p:cSld>
+  <p:clrMapOvr>
+    <a:masterClrMapping/>
+  </p:clrMapOvr>
+</p:sld>
+</file>
+
+<file path=ppt/slides/slide41.xml><?xml version="1.0" encoding="utf-8"?>
 <p:sld xmlns:a="http://schemas.openxmlformats.org/drawingml/2006/main" xmlns:r="http://schemas.openxmlformats.org/officeDocument/2006/relationships" xmlns:p="http://schemas.openxmlformats.org/presentationml/2006/main">
   <p:cSld>
     <p:spTree>
@@ -22543,7 +27344,7 @@
           <p:cNvPr id="2" name="Title 1">
             <a:extLst>
               <a:ext uri="{FF2B5EF4-FFF2-40B4-BE49-F238E27FC236}">
-                <a16:creationId xmlns:a16="http://schemas.microsoft.com/office/drawing/2014/main" id="{426B852E-8FBA-4255-8790-D745DF3FE64B}"/>
+                <a16:creationId xmlns:a16="http://schemas.microsoft.com/office/drawing/2014/main" id="{CE497311-9468-4DCC-A414-373940EBFC02}"/>
               </a:ext>
             </a:extLst>
           </p:cNvPr>
@@ -22561,75 +27362,46 @@
           <a:p>
             <a:r>
               <a:rPr lang="en-US" dirty="0"/>
-              <a:t>What is Wireframe?  </a:t>
+              <a:t>Site Map</a:t>
             </a:r>
           </a:p>
         </p:txBody>
       </p:sp>
-      <p:sp>
-        <p:nvSpPr>
-          <p:cNvPr id="3" name="Content Placeholder 2">
+      <p:graphicFrame>
+        <p:nvGraphicFramePr>
+          <p:cNvPr id="5" name="Content Placeholder 4">
             <a:extLst>
               <a:ext uri="{FF2B5EF4-FFF2-40B4-BE49-F238E27FC236}">
-                <a16:creationId xmlns:a16="http://schemas.microsoft.com/office/drawing/2014/main" id="{28A46F0B-5B53-46B1-B348-5BFE9180AD17}"/>
+                <a16:creationId xmlns:a16="http://schemas.microsoft.com/office/drawing/2014/main" id="{9E5EEA6C-7205-4AE9-B3BD-0D5B283EF567}"/>
               </a:ext>
             </a:extLst>
           </p:cNvPr>
-          <p:cNvSpPr>
-            <a:spLocks noGrp="1"/>
-          </p:cNvSpPr>
+          <p:cNvGraphicFramePr>
+            <a:graphicFrameLocks noGrp="1"/>
+          </p:cNvGraphicFramePr>
           <p:nvPr>
             <p:ph idx="1"/>
+            <p:extLst>
+              <p:ext uri="{D42A27DB-BD31-4B8C-83A1-F6EECF244321}">
+                <p14:modId xmlns:p14="http://schemas.microsoft.com/office/powerpoint/2010/main" val="830298717"/>
+              </p:ext>
+            </p:extLst>
           </p:nvPr>
-        </p:nvSpPr>
-        <p:spPr/>
-        <p:txBody>
-          <a:bodyPr/>
-          <a:lstStyle/>
-          <a:p>
-            <a:r>
-              <a:rPr lang="en-US" dirty="0"/>
-              <a:t>Power point</a:t>
-            </a:r>
-          </a:p>
-          <a:p>
-            <a:r>
-              <a:rPr lang="en-US" dirty="0" err="1"/>
-              <a:t>MockFlow</a:t>
-            </a:r>
-            <a:r>
-              <a:rPr lang="en-US" dirty="0"/>
-              <a:t> </a:t>
-            </a:r>
-          </a:p>
-          <a:p>
-            <a:r>
-              <a:rPr lang="en-US" dirty="0"/>
-              <a:t>Draw.io</a:t>
-            </a:r>
-          </a:p>
-          <a:p>
-            <a:r>
-              <a:rPr lang="en-US" dirty="0"/>
-              <a:t>Proto.io</a:t>
-            </a:r>
-          </a:p>
-          <a:p>
-            <a:r>
-              <a:rPr lang="en-US" dirty="0" err="1"/>
-              <a:t>JustInMind</a:t>
-            </a:r>
-            <a:r>
-              <a:rPr lang="en-US" dirty="0"/>
-              <a:t>  </a:t>
-            </a:r>
-          </a:p>
-        </p:txBody>
-      </p:sp>
+        </p:nvGraphicFramePr>
+        <p:xfrm>
+          <a:off x="838200" y="1825625"/>
+          <a:ext cx="10515600" cy="3859742"/>
+        </p:xfrm>
+        <a:graphic>
+          <a:graphicData uri="http://schemas.openxmlformats.org/drawingml/2006/diagram">
+            <dgm:relIds xmlns:dgm="http://schemas.openxmlformats.org/drawingml/2006/diagram" xmlns:r="http://schemas.openxmlformats.org/officeDocument/2006/relationships" r:dm="rId2" r:lo="rId3" r:qs="rId4" r:cs="rId5"/>
+          </a:graphicData>
+        </a:graphic>
+      </p:graphicFrame>
     </p:spTree>
     <p:extLst>
       <p:ext uri="{BB962C8B-B14F-4D97-AF65-F5344CB8AC3E}">
-        <p14:creationId xmlns:p14="http://schemas.microsoft.com/office/powerpoint/2010/main" val="917669258"/>
+        <p14:creationId xmlns:p14="http://schemas.microsoft.com/office/powerpoint/2010/main" val="2845037492"/>
       </p:ext>
     </p:extLst>
   </p:cSld>
